--- a/中越詩歌/你是我的一切_Ngài là muôn nhu cầu con.pptx
+++ b/中越詩歌/你是我的一切_Ngài là muôn nhu cầu con.pptx
@@ -109,6 +109,22 @@
       </a:defRPr>
     </a:lvl9pPr>
   </p:defaultTextStyle>
+  <p:extLst>
+    <p:ext uri="{EFAFB233-063F-42B5-8137-9DF3F51BA10A}">
+      <p15:sldGuideLst xmlns:p15="http://schemas.microsoft.com/office/powerpoint/2012/main">
+        <p15:guide id="1" orient="horz" pos="1786">
+          <p15:clr>
+            <a:srgbClr val="A4A3A4"/>
+          </p15:clr>
+        </p15:guide>
+        <p15:guide id="2" pos="3175">
+          <p15:clr>
+            <a:srgbClr val="A4A3A4"/>
+          </p15:clr>
+        </p15:guide>
+      </p15:sldGuideLst>
+    </p:ext>
+  </p:extLst>
 </p:presentation>
 </file>
 
@@ -3397,9 +3413,9 @@
                 <a:solidFill>
                   <a:srgbClr val="660033"/>
                 </a:solidFill>
-                <a:latin typeface="Times New Roman" pitchFamily="18" charset="0"/>
+                <a:latin typeface="Arial" panose="020B0604020202020204" pitchFamily="34" charset="0"/>
                 <a:ea typeface="微軟正黑體"/>
-                <a:cs typeface="Times New Roman" pitchFamily="18" charset="0"/>
+                <a:cs typeface="Arial" panose="020B0604020202020204" pitchFamily="34" charset="0"/>
               </a:rPr>
               <a:t>NGÀI LÀ MUÔN NHU CẦU CON</a:t>
             </a:r>
@@ -3407,8 +3423,8 @@
               <a:solidFill>
                 <a:srgbClr val="660033"/>
               </a:solidFill>
-              <a:latin typeface="Times New Roman" pitchFamily="18" charset="0"/>
-              <a:cs typeface="Times New Roman" pitchFamily="18" charset="0"/>
+              <a:latin typeface="Arial" panose="020B0604020202020204" pitchFamily="34" charset="0"/>
+              <a:cs typeface="Arial" panose="020B0604020202020204" pitchFamily="34" charset="0"/>
             </a:endParaRPr>
           </a:p>
         </p:txBody>
@@ -3528,8 +3544,9 @@
                 <a:solidFill>
                   <a:srgbClr val="660033"/>
                 </a:solidFill>
-                <a:latin typeface="Arial"/>
+                <a:latin typeface="Arial" panose="020B0604020202020204" pitchFamily="34" charset="0"/>
                 <a:ea typeface="Microsoft YaHei"/>
+                <a:cs typeface="Arial" panose="020B0604020202020204" pitchFamily="34" charset="0"/>
               </a:rPr>
               <a:t> </a:t>
             </a:r>
@@ -3538,7 +3555,8 @@
                 <a:solidFill>
                   <a:srgbClr val="660033"/>
                 </a:solidFill>
-                <a:latin typeface="Constantia"/>
+                <a:latin typeface="Arial" panose="020B0604020202020204" pitchFamily="34" charset="0"/>
+                <a:cs typeface="Arial" panose="020B0604020202020204" pitchFamily="34" charset="0"/>
               </a:rPr>
               <a:t>Ngài</a:t>
             </a:r>
@@ -3547,7 +3565,8 @@
                 <a:solidFill>
                   <a:srgbClr val="660033"/>
                 </a:solidFill>
-                <a:latin typeface="Constantia"/>
+                <a:latin typeface="Arial" panose="020B0604020202020204" pitchFamily="34" charset="0"/>
+                <a:cs typeface="Arial" panose="020B0604020202020204" pitchFamily="34" charset="0"/>
               </a:rPr>
               <a:t> </a:t>
             </a:r>
@@ -3556,7 +3575,8 @@
                 <a:solidFill>
                   <a:srgbClr val="660033"/>
                 </a:solidFill>
-                <a:latin typeface="Constantia"/>
+                <a:latin typeface="Arial" panose="020B0604020202020204" pitchFamily="34" charset="0"/>
+                <a:cs typeface="Arial" panose="020B0604020202020204" pitchFamily="34" charset="0"/>
               </a:rPr>
               <a:t>là</a:t>
             </a:r>
@@ -3565,7 +3585,8 @@
                 <a:solidFill>
                   <a:srgbClr val="660033"/>
                 </a:solidFill>
-                <a:latin typeface="Constantia"/>
+                <a:latin typeface="Arial" panose="020B0604020202020204" pitchFamily="34" charset="0"/>
+                <a:cs typeface="Arial" panose="020B0604020202020204" pitchFamily="34" charset="0"/>
               </a:rPr>
               <a:t> </a:t>
             </a:r>
@@ -3574,7 +3595,8 @@
                 <a:solidFill>
                   <a:srgbClr val="660033"/>
                 </a:solidFill>
-                <a:latin typeface="Constantia"/>
+                <a:latin typeface="Arial" panose="020B0604020202020204" pitchFamily="34" charset="0"/>
+                <a:cs typeface="Arial" panose="020B0604020202020204" pitchFamily="34" charset="0"/>
               </a:rPr>
               <a:t>sức</a:t>
             </a:r>
@@ -3583,7 +3605,8 @@
                 <a:solidFill>
                   <a:srgbClr val="660033"/>
                 </a:solidFill>
-                <a:latin typeface="Constantia"/>
+                <a:latin typeface="Arial" panose="020B0604020202020204" pitchFamily="34" charset="0"/>
+                <a:cs typeface="Arial" panose="020B0604020202020204" pitchFamily="34" charset="0"/>
               </a:rPr>
               <a:t> </a:t>
             </a:r>
@@ -3592,7 +3615,8 @@
                 <a:solidFill>
                   <a:srgbClr val="660033"/>
                 </a:solidFill>
-                <a:latin typeface="Constantia"/>
+                <a:latin typeface="Arial" panose="020B0604020202020204" pitchFamily="34" charset="0"/>
+                <a:cs typeface="Arial" panose="020B0604020202020204" pitchFamily="34" charset="0"/>
               </a:rPr>
               <a:t>thiêng</a:t>
             </a:r>
@@ -3601,7 +3625,8 @@
                 <a:solidFill>
                   <a:srgbClr val="660033"/>
                 </a:solidFill>
-                <a:latin typeface="Constantia"/>
+                <a:latin typeface="Arial" panose="020B0604020202020204" pitchFamily="34" charset="0"/>
+                <a:cs typeface="Arial" panose="020B0604020202020204" pitchFamily="34" charset="0"/>
               </a:rPr>
               <a:t> </a:t>
             </a:r>
@@ -3610,7 +3635,8 @@
                 <a:solidFill>
                   <a:srgbClr val="660033"/>
                 </a:solidFill>
-                <a:latin typeface="Constantia"/>
+                <a:latin typeface="Arial" panose="020B0604020202020204" pitchFamily="34" charset="0"/>
+                <a:cs typeface="Arial" panose="020B0604020202020204" pitchFamily="34" charset="0"/>
               </a:rPr>
               <a:t>chúng</a:t>
             </a:r>
@@ -3619,7 +3645,8 @@
                 <a:solidFill>
                   <a:srgbClr val="660033"/>
                 </a:solidFill>
-                <a:latin typeface="Constantia"/>
+                <a:latin typeface="Arial" panose="020B0604020202020204" pitchFamily="34" charset="0"/>
+                <a:cs typeface="Arial" panose="020B0604020202020204" pitchFamily="34" charset="0"/>
               </a:rPr>
               <a:t> con </a:t>
             </a:r>
@@ -3628,7 +3655,8 @@
                 <a:solidFill>
                   <a:srgbClr val="660033"/>
                 </a:solidFill>
-                <a:latin typeface="Constantia"/>
+                <a:latin typeface="Arial" panose="020B0604020202020204" pitchFamily="34" charset="0"/>
+                <a:cs typeface="Arial" panose="020B0604020202020204" pitchFamily="34" charset="0"/>
               </a:rPr>
               <a:t>dựa</a:t>
             </a:r>
@@ -3637,7 +3665,8 @@
                 <a:solidFill>
                   <a:srgbClr val="660033"/>
                 </a:solidFill>
-                <a:latin typeface="Constantia"/>
+                <a:latin typeface="Arial" panose="020B0604020202020204" pitchFamily="34" charset="0"/>
+                <a:cs typeface="Arial" panose="020B0604020202020204" pitchFamily="34" charset="0"/>
               </a:rPr>
               <a:t> </a:t>
             </a:r>
@@ -3646,7 +3675,8 @@
                 <a:solidFill>
                   <a:srgbClr val="660033"/>
                 </a:solidFill>
-                <a:latin typeface="Constantia"/>
+                <a:latin typeface="Arial" panose="020B0604020202020204" pitchFamily="34" charset="0"/>
+                <a:cs typeface="Arial" panose="020B0604020202020204" pitchFamily="34" charset="0"/>
               </a:rPr>
               <a:t>nương</a:t>
             </a:r>
@@ -3654,7 +3684,8 @@
               <a:solidFill>
                 <a:srgbClr val="660033"/>
               </a:solidFill>
-              <a:latin typeface="Arial"/>
+              <a:latin typeface="Arial" panose="020B0604020202020204" pitchFamily="34" charset="0"/>
+              <a:cs typeface="Arial" panose="020B0604020202020204" pitchFamily="34" charset="0"/>
             </a:endParaRPr>
           </a:p>
           <a:p>
@@ -3664,7 +3695,8 @@
                 <a:solidFill>
                   <a:srgbClr val="660033"/>
                 </a:solidFill>
-                <a:latin typeface="Constantia"/>
+                <a:latin typeface="Arial" panose="020B0604020202020204" pitchFamily="34" charset="0"/>
+                <a:cs typeface="Arial" panose="020B0604020202020204" pitchFamily="34" charset="0"/>
               </a:rPr>
               <a:t>Ngài</a:t>
             </a:r>
@@ -3673,7 +3705,8 @@
                 <a:solidFill>
                   <a:srgbClr val="660033"/>
                 </a:solidFill>
-                <a:latin typeface="Constantia"/>
+                <a:latin typeface="Arial" panose="020B0604020202020204" pitchFamily="34" charset="0"/>
+                <a:cs typeface="Arial" panose="020B0604020202020204" pitchFamily="34" charset="0"/>
               </a:rPr>
               <a:t> </a:t>
             </a:r>
@@ -3682,7 +3715,8 @@
                 <a:solidFill>
                   <a:srgbClr val="660033"/>
                 </a:solidFill>
-                <a:latin typeface="Constantia"/>
+                <a:latin typeface="Arial" panose="020B0604020202020204" pitchFamily="34" charset="0"/>
+                <a:cs typeface="Arial" panose="020B0604020202020204" pitchFamily="34" charset="0"/>
               </a:rPr>
               <a:t>là</a:t>
             </a:r>
@@ -3691,7 +3725,8 @@
                 <a:solidFill>
                   <a:srgbClr val="660033"/>
                 </a:solidFill>
-                <a:latin typeface="Constantia"/>
+                <a:latin typeface="Arial" panose="020B0604020202020204" pitchFamily="34" charset="0"/>
+                <a:cs typeface="Arial" panose="020B0604020202020204" pitchFamily="34" charset="0"/>
               </a:rPr>
               <a:t> </a:t>
             </a:r>
@@ -3700,7 +3735,8 @@
                 <a:solidFill>
                   <a:srgbClr val="660033"/>
                 </a:solidFill>
-                <a:latin typeface="Constantia"/>
+                <a:latin typeface="Arial" panose="020B0604020202020204" pitchFamily="34" charset="0"/>
+                <a:cs typeface="Arial" panose="020B0604020202020204" pitchFamily="34" charset="0"/>
               </a:rPr>
               <a:t>báu</a:t>
             </a:r>
@@ -3709,7 +3745,8 @@
                 <a:solidFill>
                   <a:srgbClr val="660033"/>
                 </a:solidFill>
-                <a:latin typeface="Constantia"/>
+                <a:latin typeface="Arial" panose="020B0604020202020204" pitchFamily="34" charset="0"/>
+                <a:cs typeface="Arial" panose="020B0604020202020204" pitchFamily="34" charset="0"/>
               </a:rPr>
               <a:t> </a:t>
             </a:r>
@@ -3718,7 +3755,8 @@
                 <a:solidFill>
                   <a:srgbClr val="660033"/>
                 </a:solidFill>
-                <a:latin typeface="Constantia"/>
+                <a:latin typeface="Arial" panose="020B0604020202020204" pitchFamily="34" charset="0"/>
+                <a:cs typeface="Arial" panose="020B0604020202020204" pitchFamily="34" charset="0"/>
               </a:rPr>
               <a:t>vật</a:t>
             </a:r>
@@ -3727,7 +3765,8 @@
                 <a:solidFill>
                   <a:srgbClr val="660033"/>
                 </a:solidFill>
-                <a:latin typeface="Constantia"/>
+                <a:latin typeface="Arial" panose="020B0604020202020204" pitchFamily="34" charset="0"/>
+                <a:cs typeface="Arial" panose="020B0604020202020204" pitchFamily="34" charset="0"/>
               </a:rPr>
               <a:t> </a:t>
             </a:r>
@@ -3736,7 +3775,8 @@
                 <a:solidFill>
                   <a:srgbClr val="660033"/>
                 </a:solidFill>
-                <a:latin typeface="Constantia"/>
+                <a:latin typeface="Arial" panose="020B0604020202020204" pitchFamily="34" charset="0"/>
+                <a:cs typeface="Arial" panose="020B0604020202020204" pitchFamily="34" charset="0"/>
               </a:rPr>
               <a:t>mà</a:t>
             </a:r>
@@ -3745,7 +3785,8 @@
                 <a:solidFill>
                   <a:srgbClr val="660033"/>
                 </a:solidFill>
-                <a:latin typeface="Constantia"/>
+                <a:latin typeface="Arial" panose="020B0604020202020204" pitchFamily="34" charset="0"/>
+                <a:cs typeface="Arial" panose="020B0604020202020204" pitchFamily="34" charset="0"/>
               </a:rPr>
               <a:t> con </a:t>
             </a:r>
@@ -3754,7 +3795,8 @@
                 <a:solidFill>
                   <a:srgbClr val="660033"/>
                 </a:solidFill>
-                <a:latin typeface="Constantia"/>
+                <a:latin typeface="Arial" panose="020B0604020202020204" pitchFamily="34" charset="0"/>
+                <a:cs typeface="Arial" panose="020B0604020202020204" pitchFamily="34" charset="0"/>
               </a:rPr>
               <a:t>mong</a:t>
             </a:r>
@@ -3763,7 +3805,8 @@
                 <a:solidFill>
                   <a:srgbClr val="660033"/>
                 </a:solidFill>
-                <a:latin typeface="Constantia"/>
+                <a:latin typeface="Arial" panose="020B0604020202020204" pitchFamily="34" charset="0"/>
+                <a:cs typeface="Arial" panose="020B0604020202020204" pitchFamily="34" charset="0"/>
               </a:rPr>
               <a:t> </a:t>
             </a:r>
@@ -3772,7 +3815,8 @@
                 <a:solidFill>
                   <a:srgbClr val="660033"/>
                 </a:solidFill>
-                <a:latin typeface="Constantia"/>
+                <a:latin typeface="Arial" panose="020B0604020202020204" pitchFamily="34" charset="0"/>
+                <a:cs typeface="Arial" panose="020B0604020202020204" pitchFamily="34" charset="0"/>
               </a:rPr>
               <a:t>tìm</a:t>
             </a:r>
@@ -3780,7 +3824,8 @@
               <a:solidFill>
                 <a:srgbClr val="660033"/>
               </a:solidFill>
-              <a:latin typeface="Arial"/>
+              <a:latin typeface="Arial" panose="020B0604020202020204" pitchFamily="34" charset="0"/>
+              <a:cs typeface="Arial" panose="020B0604020202020204" pitchFamily="34" charset="0"/>
             </a:endParaRPr>
           </a:p>
           <a:p>
@@ -3790,7 +3835,8 @@
                 <a:solidFill>
                   <a:srgbClr val="660033"/>
                 </a:solidFill>
-                <a:latin typeface="Constantia"/>
+                <a:latin typeface="Arial" panose="020B0604020202020204" pitchFamily="34" charset="0"/>
+                <a:cs typeface="Arial" panose="020B0604020202020204" pitchFamily="34" charset="0"/>
               </a:rPr>
               <a:t>Ngài</a:t>
             </a:r>
@@ -3799,7 +3845,8 @@
                 <a:solidFill>
                   <a:srgbClr val="660033"/>
                 </a:solidFill>
-                <a:latin typeface="Constantia"/>
+                <a:latin typeface="Arial" panose="020B0604020202020204" pitchFamily="34" charset="0"/>
+                <a:cs typeface="Arial" panose="020B0604020202020204" pitchFamily="34" charset="0"/>
               </a:rPr>
               <a:t> </a:t>
             </a:r>
@@ -3808,7 +3855,8 @@
                 <a:solidFill>
                   <a:srgbClr val="660033"/>
                 </a:solidFill>
-                <a:latin typeface="Constantia"/>
+                <a:latin typeface="Arial" panose="020B0604020202020204" pitchFamily="34" charset="0"/>
+                <a:cs typeface="Arial" panose="020B0604020202020204" pitchFamily="34" charset="0"/>
               </a:rPr>
               <a:t>là</a:t>
             </a:r>
@@ -3817,7 +3865,8 @@
                 <a:solidFill>
                   <a:srgbClr val="660033"/>
                 </a:solidFill>
-                <a:latin typeface="Constantia"/>
+                <a:latin typeface="Arial" panose="020B0604020202020204" pitchFamily="34" charset="0"/>
+                <a:cs typeface="Arial" panose="020B0604020202020204" pitchFamily="34" charset="0"/>
               </a:rPr>
               <a:t> </a:t>
             </a:r>
@@ -3826,7 +3875,8 @@
                 <a:solidFill>
                   <a:srgbClr val="660033"/>
                 </a:solidFill>
-                <a:latin typeface="Constantia"/>
+                <a:latin typeface="Arial" panose="020B0604020202020204" pitchFamily="34" charset="0"/>
+                <a:cs typeface="Arial" panose="020B0604020202020204" pitchFamily="34" charset="0"/>
               </a:rPr>
               <a:t>muôn</a:t>
             </a:r>
@@ -3835,7 +3885,8 @@
                 <a:solidFill>
                   <a:srgbClr val="660033"/>
                 </a:solidFill>
-                <a:latin typeface="Constantia"/>
+                <a:latin typeface="Arial" panose="020B0604020202020204" pitchFamily="34" charset="0"/>
+                <a:cs typeface="Arial" panose="020B0604020202020204" pitchFamily="34" charset="0"/>
               </a:rPr>
               <a:t> </a:t>
             </a:r>
@@ -3844,7 +3895,8 @@
                 <a:solidFill>
                   <a:srgbClr val="660033"/>
                 </a:solidFill>
-                <a:latin typeface="Constantia"/>
+                <a:latin typeface="Arial" panose="020B0604020202020204" pitchFamily="34" charset="0"/>
+                <a:cs typeface="Arial" panose="020B0604020202020204" pitchFamily="34" charset="0"/>
               </a:rPr>
               <a:t>nhu</a:t>
             </a:r>
@@ -3853,7 +3905,8 @@
                 <a:solidFill>
                   <a:srgbClr val="660033"/>
                 </a:solidFill>
-                <a:latin typeface="Constantia"/>
+                <a:latin typeface="Arial" panose="020B0604020202020204" pitchFamily="34" charset="0"/>
+                <a:cs typeface="Arial" panose="020B0604020202020204" pitchFamily="34" charset="0"/>
               </a:rPr>
               <a:t> </a:t>
             </a:r>
@@ -3862,7 +3915,8 @@
                 <a:solidFill>
                   <a:srgbClr val="660033"/>
                 </a:solidFill>
-                <a:latin typeface="Constantia"/>
+                <a:latin typeface="Arial" panose="020B0604020202020204" pitchFamily="34" charset="0"/>
+                <a:cs typeface="Arial" panose="020B0604020202020204" pitchFamily="34" charset="0"/>
               </a:rPr>
               <a:t>cầu</a:t>
             </a:r>
@@ -3871,16 +3925,11 @@
                 <a:solidFill>
                   <a:srgbClr val="660033"/>
                 </a:solidFill>
-                <a:latin typeface="Constantia"/>
+                <a:latin typeface="Arial" panose="020B0604020202020204" pitchFamily="34" charset="0"/>
+                <a:cs typeface="Arial" panose="020B0604020202020204" pitchFamily="34" charset="0"/>
               </a:rPr>
               <a:t> con</a:t>
             </a:r>
-            <a:endParaRPr lang="en-US" sz="3200" b="1" strike="noStrike" spc="-1" dirty="0">
-              <a:solidFill>
-                <a:srgbClr val="660033"/>
-              </a:solidFill>
-              <a:latin typeface="Arial"/>
-            </a:endParaRPr>
           </a:p>
         </p:txBody>
       </p:sp>
@@ -3982,9 +4031,9 @@
                 <a:solidFill>
                   <a:srgbClr val="660033"/>
                 </a:solidFill>
-                <a:latin typeface="Times New Roman" pitchFamily="18" charset="0"/>
+                <a:latin typeface="Arial" panose="020B0604020202020204" pitchFamily="34" charset="0"/>
                 <a:ea typeface="微軟正黑體"/>
-                <a:cs typeface="Times New Roman" pitchFamily="18" charset="0"/>
+                <a:cs typeface="Arial" panose="020B0604020202020204" pitchFamily="34" charset="0"/>
               </a:rPr>
               <a:t>NGÀI LÀ MUÔN NHU CẦU CON</a:t>
             </a:r>
@@ -4120,7 +4169,8 @@
                 <a:solidFill>
                   <a:srgbClr val="660033"/>
                 </a:solidFill>
-                <a:latin typeface="Constantia"/>
+                <a:latin typeface="Arial" panose="020B0604020202020204" pitchFamily="34" charset="0"/>
+                <a:cs typeface="Arial" panose="020B0604020202020204" pitchFamily="34" charset="0"/>
               </a:rPr>
               <a:t>Lòng</a:t>
             </a:r>
@@ -4129,7 +4179,8 @@
                 <a:solidFill>
                   <a:srgbClr val="660033"/>
                 </a:solidFill>
-                <a:latin typeface="Constantia"/>
+                <a:latin typeface="Arial" panose="020B0604020202020204" pitchFamily="34" charset="0"/>
+                <a:cs typeface="Arial" panose="020B0604020202020204" pitchFamily="34" charset="0"/>
               </a:rPr>
               <a:t> con </a:t>
             </a:r>
@@ -4138,7 +4189,8 @@
                 <a:solidFill>
                   <a:srgbClr val="660033"/>
                 </a:solidFill>
-                <a:latin typeface="Constantia"/>
+                <a:latin typeface="Arial" panose="020B0604020202020204" pitchFamily="34" charset="0"/>
+                <a:cs typeface="Arial" panose="020B0604020202020204" pitchFamily="34" charset="0"/>
               </a:rPr>
               <a:t>mến</a:t>
             </a:r>
@@ -4147,16 +4199,18 @@
                 <a:solidFill>
                   <a:srgbClr val="660033"/>
                 </a:solidFill>
-                <a:latin typeface="Constantia"/>
-              </a:rPr>
-              <a:t> </a:t>
-            </a:r>
-            <a:r>
-              <a:rPr lang="en-US" sz="3200" b="1" spc="-1" dirty="0" err="1">
-                <a:solidFill>
-                  <a:srgbClr val="660033"/>
-                </a:solidFill>
-                <a:latin typeface="Constantia"/>
+                <a:latin typeface="Arial" panose="020B0604020202020204" pitchFamily="34" charset="0"/>
+                <a:cs typeface="Arial" panose="020B0604020202020204" pitchFamily="34" charset="0"/>
+              </a:rPr>
+              <a:t> </a:t>
+            </a:r>
+            <a:r>
+              <a:rPr lang="en-US" sz="3200" b="1" spc="-1" dirty="0" err="1">
+                <a:solidFill>
+                  <a:srgbClr val="660033"/>
+                </a:solidFill>
+                <a:latin typeface="Arial" panose="020B0604020202020204" pitchFamily="34" charset="0"/>
+                <a:cs typeface="Arial" panose="020B0604020202020204" pitchFamily="34" charset="0"/>
               </a:rPr>
               <a:t>yêu</a:t>
             </a:r>
@@ -4165,16 +4219,18 @@
                 <a:solidFill>
                   <a:srgbClr val="660033"/>
                 </a:solidFill>
-                <a:latin typeface="Constantia"/>
-              </a:rPr>
-              <a:t> </a:t>
-            </a:r>
-            <a:r>
-              <a:rPr lang="en-US" sz="3200" b="1" spc="-1" dirty="0" err="1">
-                <a:solidFill>
-                  <a:srgbClr val="660033"/>
-                </a:solidFill>
-                <a:latin typeface="Constantia"/>
+                <a:latin typeface="Arial" panose="020B0604020202020204" pitchFamily="34" charset="0"/>
+                <a:cs typeface="Arial" panose="020B0604020202020204" pitchFamily="34" charset="0"/>
+              </a:rPr>
+              <a:t> </a:t>
+            </a:r>
+            <a:r>
+              <a:rPr lang="en-US" sz="3200" b="1" spc="-1" dirty="0" err="1">
+                <a:solidFill>
+                  <a:srgbClr val="660033"/>
+                </a:solidFill>
+                <a:latin typeface="Arial" panose="020B0604020202020204" pitchFamily="34" charset="0"/>
+                <a:cs typeface="Arial" panose="020B0604020202020204" pitchFamily="34" charset="0"/>
               </a:rPr>
               <a:t>Chúa</a:t>
             </a:r>
@@ -4183,16 +4239,18 @@
                 <a:solidFill>
                   <a:srgbClr val="660033"/>
                 </a:solidFill>
-                <a:latin typeface="Constantia"/>
-              </a:rPr>
-              <a:t> </a:t>
-            </a:r>
-            <a:r>
-              <a:rPr lang="en-US" sz="3200" b="1" spc="-1" dirty="0" err="1">
-                <a:solidFill>
-                  <a:srgbClr val="660033"/>
-                </a:solidFill>
-                <a:latin typeface="Constantia"/>
+                <a:latin typeface="Arial" panose="020B0604020202020204" pitchFamily="34" charset="0"/>
+                <a:cs typeface="Arial" panose="020B0604020202020204" pitchFamily="34" charset="0"/>
+              </a:rPr>
+              <a:t> </a:t>
+            </a:r>
+            <a:r>
+              <a:rPr lang="en-US" sz="3200" b="1" spc="-1" dirty="0" err="1">
+                <a:solidFill>
+                  <a:srgbClr val="660033"/>
+                </a:solidFill>
+                <a:latin typeface="Arial" panose="020B0604020202020204" pitchFamily="34" charset="0"/>
+                <a:cs typeface="Arial" panose="020B0604020202020204" pitchFamily="34" charset="0"/>
               </a:rPr>
               <a:t>hơn</a:t>
             </a:r>
@@ -4201,16 +4259,18 @@
                 <a:solidFill>
                   <a:srgbClr val="660033"/>
                 </a:solidFill>
-                <a:latin typeface="Constantia"/>
-              </a:rPr>
-              <a:t> </a:t>
-            </a:r>
-            <a:r>
-              <a:rPr lang="en-US" sz="3200" b="1" spc="-1" dirty="0" err="1">
-                <a:solidFill>
-                  <a:srgbClr val="660033"/>
-                </a:solidFill>
-                <a:latin typeface="Constantia"/>
+                <a:latin typeface="Arial" panose="020B0604020202020204" pitchFamily="34" charset="0"/>
+                <a:cs typeface="Arial" panose="020B0604020202020204" pitchFamily="34" charset="0"/>
+              </a:rPr>
+              <a:t> </a:t>
+            </a:r>
+            <a:r>
+              <a:rPr lang="en-US" sz="3200" b="1" spc="-1" dirty="0" err="1">
+                <a:solidFill>
+                  <a:srgbClr val="660033"/>
+                </a:solidFill>
+                <a:latin typeface="Arial" panose="020B0604020202020204" pitchFamily="34" charset="0"/>
+                <a:cs typeface="Arial" panose="020B0604020202020204" pitchFamily="34" charset="0"/>
               </a:rPr>
               <a:t>ngọc</a:t>
             </a:r>
@@ -4219,16 +4279,18 @@
                 <a:solidFill>
                   <a:srgbClr val="660033"/>
                 </a:solidFill>
-                <a:latin typeface="Constantia"/>
-              </a:rPr>
-              <a:t> </a:t>
-            </a:r>
-            <a:r>
-              <a:rPr lang="en-US" sz="3200" b="1" spc="-1" dirty="0" err="1">
-                <a:solidFill>
-                  <a:srgbClr val="660033"/>
-                </a:solidFill>
-                <a:latin typeface="Constantia"/>
+                <a:latin typeface="Arial" panose="020B0604020202020204" pitchFamily="34" charset="0"/>
+                <a:cs typeface="Arial" panose="020B0604020202020204" pitchFamily="34" charset="0"/>
+              </a:rPr>
+              <a:t> </a:t>
+            </a:r>
+            <a:r>
+              <a:rPr lang="en-US" sz="3200" b="1" spc="-1" dirty="0" err="1">
+                <a:solidFill>
+                  <a:srgbClr val="660033"/>
+                </a:solidFill>
+                <a:latin typeface="Arial" panose="020B0604020202020204" pitchFamily="34" charset="0"/>
+                <a:cs typeface="Arial" panose="020B0604020202020204" pitchFamily="34" charset="0"/>
               </a:rPr>
               <a:t>châu</a:t>
             </a:r>
@@ -4236,7 +4298,8 @@
               <a:solidFill>
                 <a:srgbClr val="660033"/>
               </a:solidFill>
-              <a:latin typeface="Constantia"/>
+              <a:latin typeface="Arial" panose="020B0604020202020204" pitchFamily="34" charset="0"/>
+              <a:cs typeface="Arial" panose="020B0604020202020204" pitchFamily="34" charset="0"/>
             </a:endParaRPr>
           </a:p>
           <a:p>
@@ -4253,7 +4316,8 @@
                 <a:solidFill>
                   <a:srgbClr val="660033"/>
                 </a:solidFill>
-                <a:latin typeface="Constantia"/>
+                <a:latin typeface="Arial" panose="020B0604020202020204" pitchFamily="34" charset="0"/>
+                <a:cs typeface="Arial" panose="020B0604020202020204" pitchFamily="34" charset="0"/>
               </a:rPr>
               <a:t>Ngài</a:t>
             </a:r>
@@ -4262,16 +4326,18 @@
                 <a:solidFill>
                   <a:srgbClr val="660033"/>
                 </a:solidFill>
-                <a:latin typeface="Constantia"/>
-              </a:rPr>
-              <a:t> </a:t>
-            </a:r>
-            <a:r>
-              <a:rPr lang="en-US" sz="3200" b="1" spc="-1" dirty="0" err="1">
-                <a:solidFill>
-                  <a:srgbClr val="660033"/>
-                </a:solidFill>
-                <a:latin typeface="Constantia"/>
+                <a:latin typeface="Arial" panose="020B0604020202020204" pitchFamily="34" charset="0"/>
+                <a:cs typeface="Arial" panose="020B0604020202020204" pitchFamily="34" charset="0"/>
+              </a:rPr>
+              <a:t> </a:t>
+            </a:r>
+            <a:r>
+              <a:rPr lang="en-US" sz="3200" b="1" spc="-1" dirty="0" err="1">
+                <a:solidFill>
+                  <a:srgbClr val="660033"/>
+                </a:solidFill>
+                <a:latin typeface="Arial" panose="020B0604020202020204" pitchFamily="34" charset="0"/>
+                <a:cs typeface="Arial" panose="020B0604020202020204" pitchFamily="34" charset="0"/>
               </a:rPr>
               <a:t>tha</a:t>
             </a:r>
@@ -4280,16 +4346,18 @@
                 <a:solidFill>
                   <a:srgbClr val="660033"/>
                 </a:solidFill>
-                <a:latin typeface="Constantia"/>
-              </a:rPr>
-              <a:t> </a:t>
-            </a:r>
-            <a:r>
-              <a:rPr lang="en-US" sz="3200" b="1" spc="-1" dirty="0" err="1">
-                <a:solidFill>
-                  <a:srgbClr val="660033"/>
-                </a:solidFill>
-                <a:latin typeface="Constantia"/>
+                <a:latin typeface="Arial" panose="020B0604020202020204" pitchFamily="34" charset="0"/>
+                <a:cs typeface="Arial" panose="020B0604020202020204" pitchFamily="34" charset="0"/>
+              </a:rPr>
+              <a:t> </a:t>
+            </a:r>
+            <a:r>
+              <a:rPr lang="en-US" sz="3200" b="1" spc="-1" dirty="0" err="1">
+                <a:solidFill>
+                  <a:srgbClr val="660033"/>
+                </a:solidFill>
+                <a:latin typeface="Arial" panose="020B0604020202020204" pitchFamily="34" charset="0"/>
+                <a:cs typeface="Arial" panose="020B0604020202020204" pitchFamily="34" charset="0"/>
               </a:rPr>
               <a:t>hết</a:t>
             </a:r>
@@ -4298,16 +4366,18 @@
                 <a:solidFill>
                   <a:srgbClr val="660033"/>
                 </a:solidFill>
-                <a:latin typeface="Constantia"/>
-              </a:rPr>
-              <a:t> </a:t>
-            </a:r>
-            <a:r>
-              <a:rPr lang="en-US" sz="3200" b="1" spc="-1" dirty="0" err="1">
-                <a:solidFill>
-                  <a:srgbClr val="660033"/>
-                </a:solidFill>
-                <a:latin typeface="Constantia"/>
+                <a:latin typeface="Arial" panose="020B0604020202020204" pitchFamily="34" charset="0"/>
+                <a:cs typeface="Arial" panose="020B0604020202020204" pitchFamily="34" charset="0"/>
+              </a:rPr>
+              <a:t> </a:t>
+            </a:r>
+            <a:r>
+              <a:rPr lang="en-US" sz="3200" b="1" spc="-1" dirty="0" err="1">
+                <a:solidFill>
+                  <a:srgbClr val="660033"/>
+                </a:solidFill>
+                <a:latin typeface="Arial" panose="020B0604020202020204" pitchFamily="34" charset="0"/>
+                <a:cs typeface="Arial" panose="020B0604020202020204" pitchFamily="34" charset="0"/>
               </a:rPr>
               <a:t>mọi</a:t>
             </a:r>
@@ -4316,16 +4386,18 @@
                 <a:solidFill>
                   <a:srgbClr val="660033"/>
                 </a:solidFill>
-                <a:latin typeface="Constantia"/>
-              </a:rPr>
-              <a:t> </a:t>
-            </a:r>
-            <a:r>
-              <a:rPr lang="en-US" sz="3200" b="1" spc="-1" dirty="0" err="1">
-                <a:solidFill>
-                  <a:srgbClr val="660033"/>
-                </a:solidFill>
-                <a:latin typeface="Constantia"/>
+                <a:latin typeface="Arial" panose="020B0604020202020204" pitchFamily="34" charset="0"/>
+                <a:cs typeface="Arial" panose="020B0604020202020204" pitchFamily="34" charset="0"/>
+              </a:rPr>
+              <a:t> </a:t>
+            </a:r>
+            <a:r>
+              <a:rPr lang="en-US" sz="3200" b="1" spc="-1" dirty="0" err="1">
+                <a:solidFill>
+                  <a:srgbClr val="660033"/>
+                </a:solidFill>
+                <a:latin typeface="Arial" panose="020B0604020202020204" pitchFamily="34" charset="0"/>
+                <a:cs typeface="Arial" panose="020B0604020202020204" pitchFamily="34" charset="0"/>
               </a:rPr>
               <a:t>tội</a:t>
             </a:r>
@@ -4334,16 +4406,18 @@
                 <a:solidFill>
                   <a:srgbClr val="660033"/>
                 </a:solidFill>
-                <a:latin typeface="Constantia"/>
-              </a:rPr>
-              <a:t> </a:t>
-            </a:r>
-            <a:r>
-              <a:rPr lang="en-US" sz="3200" b="1" spc="-1" dirty="0" err="1">
-                <a:solidFill>
-                  <a:srgbClr val="660033"/>
-                </a:solidFill>
-                <a:latin typeface="Constantia"/>
+                <a:latin typeface="Arial" panose="020B0604020202020204" pitchFamily="34" charset="0"/>
+                <a:cs typeface="Arial" panose="020B0604020202020204" pitchFamily="34" charset="0"/>
+              </a:rPr>
+              <a:t> </a:t>
+            </a:r>
+            <a:r>
+              <a:rPr lang="en-US" sz="3200" b="1" spc="-1" dirty="0" err="1">
+                <a:solidFill>
+                  <a:srgbClr val="660033"/>
+                </a:solidFill>
+                <a:latin typeface="Arial" panose="020B0604020202020204" pitchFamily="34" charset="0"/>
+                <a:cs typeface="Arial" panose="020B0604020202020204" pitchFamily="34" charset="0"/>
               </a:rPr>
               <a:t>lỗi</a:t>
             </a:r>
@@ -4352,16 +4426,18 @@
                 <a:solidFill>
                   <a:srgbClr val="660033"/>
                 </a:solidFill>
-                <a:latin typeface="Constantia"/>
-              </a:rPr>
-              <a:t> </a:t>
-            </a:r>
-            <a:r>
-              <a:rPr lang="en-US" sz="3200" b="1" spc="-1" dirty="0" err="1">
-                <a:solidFill>
-                  <a:srgbClr val="660033"/>
-                </a:solidFill>
-                <a:latin typeface="Constantia"/>
+                <a:latin typeface="Arial" panose="020B0604020202020204" pitchFamily="34" charset="0"/>
+                <a:cs typeface="Arial" panose="020B0604020202020204" pitchFamily="34" charset="0"/>
+              </a:rPr>
+              <a:t> </a:t>
+            </a:r>
+            <a:r>
+              <a:rPr lang="en-US" sz="3200" b="1" spc="-1" dirty="0" err="1">
+                <a:solidFill>
+                  <a:srgbClr val="660033"/>
+                </a:solidFill>
+                <a:latin typeface="Arial" panose="020B0604020202020204" pitchFamily="34" charset="0"/>
+                <a:cs typeface="Arial" panose="020B0604020202020204" pitchFamily="34" charset="0"/>
               </a:rPr>
               <a:t>trong</a:t>
             </a:r>
@@ -4370,16 +4446,18 @@
                 <a:solidFill>
                   <a:srgbClr val="660033"/>
                 </a:solidFill>
-                <a:latin typeface="Constantia"/>
-              </a:rPr>
-              <a:t> </a:t>
-            </a:r>
-            <a:r>
-              <a:rPr lang="en-US" sz="3200" b="1" spc="-1" dirty="0" err="1">
-                <a:solidFill>
-                  <a:srgbClr val="660033"/>
-                </a:solidFill>
-                <a:latin typeface="Constantia"/>
+                <a:latin typeface="Arial" panose="020B0604020202020204" pitchFamily="34" charset="0"/>
+                <a:cs typeface="Arial" panose="020B0604020202020204" pitchFamily="34" charset="0"/>
+              </a:rPr>
+              <a:t> </a:t>
+            </a:r>
+            <a:r>
+              <a:rPr lang="en-US" sz="3200" b="1" spc="-1" dirty="0" err="1">
+                <a:solidFill>
+                  <a:srgbClr val="660033"/>
+                </a:solidFill>
+                <a:latin typeface="Arial" panose="020B0604020202020204" pitchFamily="34" charset="0"/>
+                <a:cs typeface="Arial" panose="020B0604020202020204" pitchFamily="34" charset="0"/>
               </a:rPr>
               <a:t>đời</a:t>
             </a:r>
@@ -4387,7 +4465,8 @@
               <a:solidFill>
                 <a:srgbClr val="660033"/>
               </a:solidFill>
-              <a:latin typeface="Constantia"/>
+              <a:latin typeface="Arial" panose="020B0604020202020204" pitchFamily="34" charset="0"/>
+              <a:cs typeface="Arial" panose="020B0604020202020204" pitchFamily="34" charset="0"/>
             </a:endParaRPr>
           </a:p>
           <a:p>
@@ -4404,7 +4483,8 @@
                 <a:solidFill>
                   <a:srgbClr val="660033"/>
                 </a:solidFill>
-                <a:latin typeface="Constantia"/>
+                <a:latin typeface="Arial" panose="020B0604020202020204" pitchFamily="34" charset="0"/>
+                <a:cs typeface="Arial" panose="020B0604020202020204" pitchFamily="34" charset="0"/>
               </a:rPr>
               <a:t>Ngài</a:t>
             </a:r>
@@ -4413,16 +4493,18 @@
                 <a:solidFill>
                   <a:srgbClr val="660033"/>
                 </a:solidFill>
-                <a:latin typeface="Constantia"/>
-              </a:rPr>
-              <a:t> </a:t>
-            </a:r>
-            <a:r>
-              <a:rPr lang="en-US" sz="3200" b="1" spc="-1" dirty="0" err="1">
-                <a:solidFill>
-                  <a:srgbClr val="660033"/>
-                </a:solidFill>
-                <a:latin typeface="Constantia"/>
+                <a:latin typeface="Arial" panose="020B0604020202020204" pitchFamily="34" charset="0"/>
+                <a:cs typeface="Arial" panose="020B0604020202020204" pitchFamily="34" charset="0"/>
+              </a:rPr>
+              <a:t> </a:t>
+            </a:r>
+            <a:r>
+              <a:rPr lang="en-US" sz="3200" b="1" spc="-1" dirty="0" err="1">
+                <a:solidFill>
+                  <a:srgbClr val="660033"/>
+                </a:solidFill>
+                <a:latin typeface="Arial" panose="020B0604020202020204" pitchFamily="34" charset="0"/>
+                <a:cs typeface="Arial" panose="020B0604020202020204" pitchFamily="34" charset="0"/>
               </a:rPr>
               <a:t>là</a:t>
             </a:r>
@@ -4431,16 +4513,18 @@
                 <a:solidFill>
                   <a:srgbClr val="660033"/>
                 </a:solidFill>
-                <a:latin typeface="Constantia"/>
-              </a:rPr>
-              <a:t> </a:t>
-            </a:r>
-            <a:r>
-              <a:rPr lang="en-US" sz="3200" b="1" spc="-1" dirty="0" err="1">
-                <a:solidFill>
-                  <a:srgbClr val="660033"/>
-                </a:solidFill>
-                <a:latin typeface="Constantia"/>
+                <a:latin typeface="Arial" panose="020B0604020202020204" pitchFamily="34" charset="0"/>
+                <a:cs typeface="Arial" panose="020B0604020202020204" pitchFamily="34" charset="0"/>
+              </a:rPr>
+              <a:t> </a:t>
+            </a:r>
+            <a:r>
+              <a:rPr lang="en-US" sz="3200" b="1" spc="-1" dirty="0" err="1">
+                <a:solidFill>
+                  <a:srgbClr val="660033"/>
+                </a:solidFill>
+                <a:latin typeface="Arial" panose="020B0604020202020204" pitchFamily="34" charset="0"/>
+                <a:cs typeface="Arial" panose="020B0604020202020204" pitchFamily="34" charset="0"/>
               </a:rPr>
               <a:t>muôn</a:t>
             </a:r>
@@ -4449,16 +4533,18 @@
                 <a:solidFill>
                   <a:srgbClr val="660033"/>
                 </a:solidFill>
-                <a:latin typeface="Constantia"/>
-              </a:rPr>
-              <a:t> </a:t>
-            </a:r>
-            <a:r>
-              <a:rPr lang="en-US" sz="3200" b="1" spc="-1" dirty="0" err="1">
-                <a:solidFill>
-                  <a:srgbClr val="660033"/>
-                </a:solidFill>
-                <a:latin typeface="Constantia"/>
+                <a:latin typeface="Arial" panose="020B0604020202020204" pitchFamily="34" charset="0"/>
+                <a:cs typeface="Arial" panose="020B0604020202020204" pitchFamily="34" charset="0"/>
+              </a:rPr>
+              <a:t> </a:t>
+            </a:r>
+            <a:r>
+              <a:rPr lang="en-US" sz="3200" b="1" spc="-1" dirty="0" err="1">
+                <a:solidFill>
+                  <a:srgbClr val="660033"/>
+                </a:solidFill>
+                <a:latin typeface="Arial" panose="020B0604020202020204" pitchFamily="34" charset="0"/>
+                <a:cs typeface="Arial" panose="020B0604020202020204" pitchFamily="34" charset="0"/>
               </a:rPr>
               <a:t>nhu</a:t>
             </a:r>
@@ -4467,16 +4553,18 @@
                 <a:solidFill>
                   <a:srgbClr val="660033"/>
                 </a:solidFill>
-                <a:latin typeface="Constantia"/>
-              </a:rPr>
-              <a:t> </a:t>
-            </a:r>
-            <a:r>
-              <a:rPr lang="en-US" sz="3200" b="1" spc="-1" dirty="0" err="1">
-                <a:solidFill>
-                  <a:srgbClr val="660033"/>
-                </a:solidFill>
-                <a:latin typeface="Constantia"/>
+                <a:latin typeface="Arial" panose="020B0604020202020204" pitchFamily="34" charset="0"/>
+                <a:cs typeface="Arial" panose="020B0604020202020204" pitchFamily="34" charset="0"/>
+              </a:rPr>
+              <a:t> </a:t>
+            </a:r>
+            <a:r>
+              <a:rPr lang="en-US" sz="3200" b="1" spc="-1" dirty="0" err="1">
+                <a:solidFill>
+                  <a:srgbClr val="660033"/>
+                </a:solidFill>
+                <a:latin typeface="Arial" panose="020B0604020202020204" pitchFamily="34" charset="0"/>
+                <a:cs typeface="Arial" panose="020B0604020202020204" pitchFamily="34" charset="0"/>
               </a:rPr>
               <a:t>cầu</a:t>
             </a:r>
@@ -4485,7 +4573,8 @@
                 <a:solidFill>
                   <a:srgbClr val="660033"/>
                 </a:solidFill>
-                <a:latin typeface="Constantia"/>
+                <a:latin typeface="Arial" panose="020B0604020202020204" pitchFamily="34" charset="0"/>
+                <a:cs typeface="Arial" panose="020B0604020202020204" pitchFamily="34" charset="0"/>
               </a:rPr>
               <a:t> con</a:t>
             </a:r>
@@ -4590,9 +4679,9 @@
                 <a:solidFill>
                   <a:srgbClr val="660033"/>
                 </a:solidFill>
-                <a:latin typeface="Times New Roman" pitchFamily="18" charset="0"/>
+                <a:latin typeface="Arial" panose="020B0604020202020204" pitchFamily="34" charset="0"/>
                 <a:ea typeface="微軟正黑體"/>
-                <a:cs typeface="Times New Roman" pitchFamily="18" charset="0"/>
+                <a:cs typeface="Arial" panose="020B0604020202020204" pitchFamily="34" charset="0"/>
               </a:rPr>
               <a:t>NGÀI LÀ MUÔN NHU CẦU CON</a:t>
             </a:r>
@@ -4702,7 +4791,8 @@
                 <a:solidFill>
                   <a:srgbClr val="660033"/>
                 </a:solidFill>
-                <a:latin typeface="Constantia"/>
+                <a:latin typeface="Arial" panose="020B0604020202020204" pitchFamily="34" charset="0"/>
+                <a:cs typeface="Arial" panose="020B0604020202020204" pitchFamily="34" charset="0"/>
               </a:rPr>
               <a:t>Giê-xu</a:t>
             </a:r>
@@ -4711,16 +4801,18 @@
                 <a:solidFill>
                   <a:srgbClr val="660033"/>
                 </a:solidFill>
-                <a:latin typeface="Constantia"/>
-              </a:rPr>
-              <a:t> </a:t>
-            </a:r>
-            <a:r>
-              <a:rPr lang="en-US" sz="3200" b="1" spc="-1" dirty="0" err="1">
-                <a:solidFill>
-                  <a:srgbClr val="660033"/>
-                </a:solidFill>
-                <a:latin typeface="Constantia"/>
+                <a:latin typeface="Arial" panose="020B0604020202020204" pitchFamily="34" charset="0"/>
+                <a:cs typeface="Arial" panose="020B0604020202020204" pitchFamily="34" charset="0"/>
+              </a:rPr>
+              <a:t> </a:t>
+            </a:r>
+            <a:r>
+              <a:rPr lang="en-US" sz="3200" b="1" spc="-1" dirty="0" err="1">
+                <a:solidFill>
+                  <a:srgbClr val="660033"/>
+                </a:solidFill>
+                <a:latin typeface="Arial" panose="020B0604020202020204" pitchFamily="34" charset="0"/>
+                <a:cs typeface="Arial" panose="020B0604020202020204" pitchFamily="34" charset="0"/>
               </a:rPr>
               <a:t>là</a:t>
             </a:r>
@@ -4729,16 +4821,18 @@
                 <a:solidFill>
                   <a:srgbClr val="660033"/>
                 </a:solidFill>
-                <a:latin typeface="Constantia"/>
-              </a:rPr>
-              <a:t> </a:t>
-            </a:r>
-            <a:r>
-              <a:rPr lang="en-US" sz="3200" b="1" spc="-1" dirty="0" err="1">
-                <a:solidFill>
-                  <a:srgbClr val="660033"/>
-                </a:solidFill>
-                <a:latin typeface="Constantia"/>
+                <a:latin typeface="Arial" panose="020B0604020202020204" pitchFamily="34" charset="0"/>
+                <a:cs typeface="Arial" panose="020B0604020202020204" pitchFamily="34" charset="0"/>
+              </a:rPr>
+              <a:t> </a:t>
+            </a:r>
+            <a:r>
+              <a:rPr lang="en-US" sz="3200" b="1" spc="-1" dirty="0" err="1">
+                <a:solidFill>
+                  <a:srgbClr val="660033"/>
+                </a:solidFill>
+                <a:latin typeface="Arial" panose="020B0604020202020204" pitchFamily="34" charset="0"/>
+                <a:cs typeface="Arial" panose="020B0604020202020204" pitchFamily="34" charset="0"/>
               </a:rPr>
               <a:t>Chúa</a:t>
             </a:r>
@@ -4747,7 +4841,8 @@
                 <a:solidFill>
                   <a:srgbClr val="660033"/>
                 </a:solidFill>
-                <a:latin typeface="Constantia"/>
+                <a:latin typeface="Arial" panose="020B0604020202020204" pitchFamily="34" charset="0"/>
+                <a:cs typeface="Arial" panose="020B0604020202020204" pitchFamily="34" charset="0"/>
               </a:rPr>
               <a:t> con </a:t>
             </a:r>
@@ -4756,7 +4851,8 @@
                 <a:solidFill>
                   <a:srgbClr val="660033"/>
                 </a:solidFill>
-                <a:latin typeface="Constantia"/>
+                <a:latin typeface="Arial" panose="020B0604020202020204" pitchFamily="34" charset="0"/>
+                <a:cs typeface="Arial" panose="020B0604020202020204" pitchFamily="34" charset="0"/>
               </a:rPr>
               <a:t>Chúa</a:t>
             </a:r>
@@ -4765,16 +4861,18 @@
                 <a:solidFill>
                   <a:srgbClr val="660033"/>
                 </a:solidFill>
-                <a:latin typeface="Constantia"/>
-              </a:rPr>
-              <a:t> </a:t>
-            </a:r>
-            <a:r>
-              <a:rPr lang="en-US" sz="3200" b="1" spc="-1" dirty="0" err="1">
-                <a:solidFill>
-                  <a:srgbClr val="660033"/>
-                </a:solidFill>
-                <a:latin typeface="Constantia"/>
+                <a:latin typeface="Arial" panose="020B0604020202020204" pitchFamily="34" charset="0"/>
+                <a:cs typeface="Arial" panose="020B0604020202020204" pitchFamily="34" charset="0"/>
+              </a:rPr>
+              <a:t> </a:t>
+            </a:r>
+            <a:r>
+              <a:rPr lang="en-US" sz="3200" b="1" spc="-1" dirty="0" err="1">
+                <a:solidFill>
+                  <a:srgbClr val="660033"/>
+                </a:solidFill>
+                <a:latin typeface="Arial" panose="020B0604020202020204" pitchFamily="34" charset="0"/>
+                <a:cs typeface="Arial" panose="020B0604020202020204" pitchFamily="34" charset="0"/>
               </a:rPr>
               <a:t>có</a:t>
             </a:r>
@@ -4783,16 +4881,18 @@
                 <a:solidFill>
                   <a:srgbClr val="660033"/>
                 </a:solidFill>
-                <a:latin typeface="Constantia"/>
-              </a:rPr>
-              <a:t> </a:t>
-            </a:r>
-            <a:r>
-              <a:rPr lang="en-US" sz="3200" b="1" spc="-1" dirty="0" err="1">
-                <a:solidFill>
-                  <a:srgbClr val="660033"/>
-                </a:solidFill>
-                <a:latin typeface="Constantia"/>
+                <a:latin typeface="Arial" panose="020B0604020202020204" pitchFamily="34" charset="0"/>
+                <a:cs typeface="Arial" panose="020B0604020202020204" pitchFamily="34" charset="0"/>
+              </a:rPr>
+              <a:t> </a:t>
+            </a:r>
+            <a:r>
+              <a:rPr lang="en-US" sz="3200" b="1" spc="-1" dirty="0" err="1">
+                <a:solidFill>
+                  <a:srgbClr val="660033"/>
+                </a:solidFill>
+                <a:latin typeface="Arial" panose="020B0604020202020204" pitchFamily="34" charset="0"/>
+                <a:cs typeface="Arial" panose="020B0604020202020204" pitchFamily="34" charset="0"/>
               </a:rPr>
               <a:t>danh</a:t>
             </a:r>
@@ -4801,16 +4901,18 @@
                 <a:solidFill>
                   <a:srgbClr val="660033"/>
                 </a:solidFill>
-                <a:latin typeface="Constantia"/>
-              </a:rPr>
-              <a:t> </a:t>
-            </a:r>
-            <a:r>
-              <a:rPr lang="en-US" sz="3200" b="1" spc="-1" dirty="0" err="1">
-                <a:solidFill>
-                  <a:srgbClr val="660033"/>
-                </a:solidFill>
-                <a:latin typeface="Constantia"/>
+                <a:latin typeface="Arial" panose="020B0604020202020204" pitchFamily="34" charset="0"/>
+                <a:cs typeface="Arial" panose="020B0604020202020204" pitchFamily="34" charset="0"/>
+              </a:rPr>
+              <a:t> </a:t>
+            </a:r>
+            <a:r>
+              <a:rPr lang="en-US" sz="3200" b="1" spc="-1" dirty="0" err="1">
+                <a:solidFill>
+                  <a:srgbClr val="660033"/>
+                </a:solidFill>
+                <a:latin typeface="Arial" panose="020B0604020202020204" pitchFamily="34" charset="0"/>
+                <a:cs typeface="Arial" panose="020B0604020202020204" pitchFamily="34" charset="0"/>
               </a:rPr>
               <a:t>đẹp</a:t>
             </a:r>
@@ -4819,16 +4921,18 @@
                 <a:solidFill>
                   <a:srgbClr val="660033"/>
                 </a:solidFill>
-                <a:latin typeface="Constantia"/>
-              </a:rPr>
-              <a:t> </a:t>
-            </a:r>
-            <a:r>
-              <a:rPr lang="en-US" sz="3200" b="1" spc="-1" dirty="0" err="1">
-                <a:solidFill>
-                  <a:srgbClr val="660033"/>
-                </a:solidFill>
-                <a:latin typeface="Constantia"/>
+                <a:latin typeface="Arial" panose="020B0604020202020204" pitchFamily="34" charset="0"/>
+                <a:cs typeface="Arial" panose="020B0604020202020204" pitchFamily="34" charset="0"/>
+              </a:rPr>
+              <a:t> </a:t>
+            </a:r>
+            <a:r>
+              <a:rPr lang="en-US" sz="3200" b="1" spc="-1" dirty="0" err="1">
+                <a:solidFill>
+                  <a:srgbClr val="660033"/>
+                </a:solidFill>
+                <a:latin typeface="Arial" panose="020B0604020202020204" pitchFamily="34" charset="0"/>
+                <a:cs typeface="Arial" panose="020B0604020202020204" pitchFamily="34" charset="0"/>
               </a:rPr>
               <a:t>thay</a:t>
             </a:r>
@@ -4836,7 +4940,8 @@
               <a:solidFill>
                 <a:srgbClr val="660033"/>
               </a:solidFill>
-              <a:latin typeface="Constantia"/>
+              <a:latin typeface="Arial" panose="020B0604020202020204" pitchFamily="34" charset="0"/>
+              <a:cs typeface="Arial" panose="020B0604020202020204" pitchFamily="34" charset="0"/>
             </a:endParaRPr>
           </a:p>
           <a:p>
@@ -4850,7 +4955,8 @@
                 <a:solidFill>
                   <a:srgbClr val="660033"/>
                 </a:solidFill>
-                <a:latin typeface="Constantia"/>
+                <a:latin typeface="Arial" panose="020B0604020202020204" pitchFamily="34" charset="0"/>
+                <a:cs typeface="Arial" panose="020B0604020202020204" pitchFamily="34" charset="0"/>
               </a:rPr>
               <a:t>Giê-xu</a:t>
             </a:r>
@@ -4859,16 +4965,18 @@
                 <a:solidFill>
                   <a:srgbClr val="660033"/>
                 </a:solidFill>
-                <a:latin typeface="Constantia"/>
-              </a:rPr>
-              <a:t> </a:t>
-            </a:r>
-            <a:r>
-              <a:rPr lang="en-US" sz="3200" b="1" spc="-1" dirty="0" err="1">
-                <a:solidFill>
-                  <a:srgbClr val="660033"/>
-                </a:solidFill>
-                <a:latin typeface="Constantia"/>
+                <a:latin typeface="Arial" panose="020B0604020202020204" pitchFamily="34" charset="0"/>
+                <a:cs typeface="Arial" panose="020B0604020202020204" pitchFamily="34" charset="0"/>
+              </a:rPr>
+              <a:t> </a:t>
+            </a:r>
+            <a:r>
+              <a:rPr lang="en-US" sz="3200" b="1" spc="-1" dirty="0" err="1">
+                <a:solidFill>
+                  <a:srgbClr val="660033"/>
+                </a:solidFill>
+                <a:latin typeface="Arial" panose="020B0604020202020204" pitchFamily="34" charset="0"/>
+                <a:cs typeface="Arial" panose="020B0604020202020204" pitchFamily="34" charset="0"/>
               </a:rPr>
               <a:t>là</a:t>
             </a:r>
@@ -4877,16 +4985,18 @@
                 <a:solidFill>
                   <a:srgbClr val="660033"/>
                 </a:solidFill>
-                <a:latin typeface="Constantia"/>
-              </a:rPr>
-              <a:t> </a:t>
-            </a:r>
-            <a:r>
-              <a:rPr lang="en-US" sz="3200" b="1" spc="-1" dirty="0" err="1">
-                <a:solidFill>
-                  <a:srgbClr val="660033"/>
-                </a:solidFill>
-                <a:latin typeface="Constantia"/>
+                <a:latin typeface="Arial" panose="020B0604020202020204" pitchFamily="34" charset="0"/>
+                <a:cs typeface="Arial" panose="020B0604020202020204" pitchFamily="34" charset="0"/>
+              </a:rPr>
+              <a:t> </a:t>
+            </a:r>
+            <a:r>
+              <a:rPr lang="en-US" sz="3200" b="1" spc="-1" dirty="0" err="1">
+                <a:solidFill>
+                  <a:srgbClr val="660033"/>
+                </a:solidFill>
+                <a:latin typeface="Arial" panose="020B0604020202020204" pitchFamily="34" charset="0"/>
+                <a:cs typeface="Arial" panose="020B0604020202020204" pitchFamily="34" charset="0"/>
               </a:rPr>
               <a:t>Chúa</a:t>
             </a:r>
@@ -4895,7 +5005,8 @@
                 <a:solidFill>
                   <a:srgbClr val="660033"/>
                 </a:solidFill>
-                <a:latin typeface="Constantia"/>
+                <a:latin typeface="Arial" panose="020B0604020202020204" pitchFamily="34" charset="0"/>
+                <a:cs typeface="Arial" panose="020B0604020202020204" pitchFamily="34" charset="0"/>
               </a:rPr>
               <a:t> con </a:t>
             </a:r>
@@ -4904,7 +5015,8 @@
                 <a:solidFill>
                   <a:srgbClr val="660033"/>
                 </a:solidFill>
-                <a:latin typeface="Constantia"/>
+                <a:latin typeface="Arial" panose="020B0604020202020204" pitchFamily="34" charset="0"/>
+                <a:cs typeface="Arial" panose="020B0604020202020204" pitchFamily="34" charset="0"/>
               </a:rPr>
               <a:t>Quí</a:t>
             </a:r>
@@ -4913,16 +5025,18 @@
                 <a:solidFill>
                   <a:srgbClr val="660033"/>
                 </a:solidFill>
-                <a:latin typeface="Constantia"/>
-              </a:rPr>
-              <a:t> </a:t>
-            </a:r>
-            <a:r>
-              <a:rPr lang="en-US" sz="3200" b="1" spc="-1" dirty="0" err="1">
-                <a:solidFill>
-                  <a:srgbClr val="660033"/>
-                </a:solidFill>
-                <a:latin typeface="Constantia"/>
+                <a:latin typeface="Arial" panose="020B0604020202020204" pitchFamily="34" charset="0"/>
+                <a:cs typeface="Arial" panose="020B0604020202020204" pitchFamily="34" charset="0"/>
+              </a:rPr>
+              <a:t> </a:t>
+            </a:r>
+            <a:r>
+              <a:rPr lang="en-US" sz="3200" b="1" spc="-1" dirty="0" err="1">
+                <a:solidFill>
+                  <a:srgbClr val="660033"/>
+                </a:solidFill>
+                <a:latin typeface="Arial" panose="020B0604020202020204" pitchFamily="34" charset="0"/>
+                <a:cs typeface="Arial" panose="020B0604020202020204" pitchFamily="34" charset="0"/>
               </a:rPr>
               <a:t>báu</a:t>
             </a:r>
@@ -4931,16 +5045,18 @@
                 <a:solidFill>
                   <a:srgbClr val="660033"/>
                 </a:solidFill>
-                <a:latin typeface="Constantia"/>
-              </a:rPr>
-              <a:t> </a:t>
-            </a:r>
-            <a:r>
-              <a:rPr lang="en-US" sz="3200" b="1" spc="-1" dirty="0" err="1">
-                <a:solidFill>
-                  <a:srgbClr val="660033"/>
-                </a:solidFill>
-                <a:latin typeface="Constantia"/>
+                <a:latin typeface="Arial" panose="020B0604020202020204" pitchFamily="34" charset="0"/>
+                <a:cs typeface="Arial" panose="020B0604020202020204" pitchFamily="34" charset="0"/>
+              </a:rPr>
+              <a:t> </a:t>
+            </a:r>
+            <a:r>
+              <a:rPr lang="en-US" sz="3200" b="1" spc="-1" dirty="0" err="1">
+                <a:solidFill>
+                  <a:srgbClr val="660033"/>
+                </a:solidFill>
+                <a:latin typeface="Arial" panose="020B0604020202020204" pitchFamily="34" charset="0"/>
+                <a:cs typeface="Arial" panose="020B0604020202020204" pitchFamily="34" charset="0"/>
               </a:rPr>
               <a:t>thay</a:t>
             </a:r>
@@ -4949,16 +5065,18 @@
                 <a:solidFill>
                   <a:srgbClr val="660033"/>
                 </a:solidFill>
-                <a:latin typeface="Constantia"/>
-              </a:rPr>
-              <a:t> </a:t>
-            </a:r>
-            <a:r>
-              <a:rPr lang="en-US" sz="3200" b="1" spc="-1" dirty="0" err="1">
-                <a:solidFill>
-                  <a:srgbClr val="660033"/>
-                </a:solidFill>
-                <a:latin typeface="Constantia"/>
+                <a:latin typeface="Arial" panose="020B0604020202020204" pitchFamily="34" charset="0"/>
+                <a:cs typeface="Arial" panose="020B0604020202020204" pitchFamily="34" charset="0"/>
+              </a:rPr>
+              <a:t> </a:t>
+            </a:r>
+            <a:r>
+              <a:rPr lang="en-US" sz="3200" b="1" spc="-1" dirty="0" err="1">
+                <a:solidFill>
+                  <a:srgbClr val="660033"/>
+                </a:solidFill>
+                <a:latin typeface="Arial" panose="020B0604020202020204" pitchFamily="34" charset="0"/>
+                <a:cs typeface="Arial" panose="020B0604020202020204" pitchFamily="34" charset="0"/>
               </a:rPr>
               <a:t>danh</a:t>
             </a:r>
@@ -4967,16 +5085,18 @@
                 <a:solidFill>
                   <a:srgbClr val="660033"/>
                 </a:solidFill>
-                <a:latin typeface="Constantia"/>
-              </a:rPr>
-              <a:t> </a:t>
-            </a:r>
-            <a:r>
-              <a:rPr lang="en-US" sz="3200" b="1" spc="-1" dirty="0" err="1">
-                <a:solidFill>
-                  <a:srgbClr val="660033"/>
-                </a:solidFill>
-                <a:latin typeface="Constantia"/>
+                <a:latin typeface="Arial" panose="020B0604020202020204" pitchFamily="34" charset="0"/>
+                <a:cs typeface="Arial" panose="020B0604020202020204" pitchFamily="34" charset="0"/>
+              </a:rPr>
+              <a:t> </a:t>
+            </a:r>
+            <a:r>
+              <a:rPr lang="en-US" sz="3200" b="1" spc="-1" dirty="0" err="1">
+                <a:solidFill>
+                  <a:srgbClr val="660033"/>
+                </a:solidFill>
+                <a:latin typeface="Arial" panose="020B0604020202020204" pitchFamily="34" charset="0"/>
+                <a:cs typeface="Arial" panose="020B0604020202020204" pitchFamily="34" charset="0"/>
               </a:rPr>
               <a:t>Ngài</a:t>
             </a:r>
@@ -4984,7 +5104,8 @@
               <a:solidFill>
                 <a:srgbClr val="660033"/>
               </a:solidFill>
-              <a:latin typeface="Constantia"/>
+              <a:latin typeface="Arial" panose="020B0604020202020204" pitchFamily="34" charset="0"/>
+              <a:cs typeface="Arial" panose="020B0604020202020204" pitchFamily="34" charset="0"/>
             </a:endParaRPr>
           </a:p>
         </p:txBody>
@@ -5087,9 +5208,9 @@
                 <a:solidFill>
                   <a:srgbClr val="660033"/>
                 </a:solidFill>
-                <a:latin typeface="Times New Roman" pitchFamily="18" charset="0"/>
+                <a:latin typeface="Arial" panose="020B0604020202020204" pitchFamily="34" charset="0"/>
                 <a:ea typeface="微軟正黑體"/>
-                <a:cs typeface="Times New Roman" pitchFamily="18" charset="0"/>
+                <a:cs typeface="Arial" panose="020B0604020202020204" pitchFamily="34" charset="0"/>
               </a:rPr>
               <a:t>NGÀI LÀ MUÔN NHU CẦU CON</a:t>
             </a:r>
@@ -5225,7 +5346,8 @@
                 <a:solidFill>
                   <a:srgbClr val="660033"/>
                 </a:solidFill>
-                <a:latin typeface="Constantia"/>
+                <a:latin typeface="Arial" panose="020B0604020202020204" pitchFamily="34" charset="0"/>
+                <a:cs typeface="Arial" panose="020B0604020202020204" pitchFamily="34" charset="0"/>
               </a:rPr>
               <a:t>Ngài</a:t>
             </a:r>
@@ -5234,16 +5356,18 @@
                 <a:solidFill>
                   <a:srgbClr val="660033"/>
                 </a:solidFill>
-                <a:latin typeface="Constantia"/>
-              </a:rPr>
-              <a:t> </a:t>
-            </a:r>
-            <a:r>
-              <a:rPr lang="en-US" sz="3200" b="1" spc="-1" dirty="0" err="1">
-                <a:solidFill>
-                  <a:srgbClr val="660033"/>
-                </a:solidFill>
-                <a:latin typeface="Constantia"/>
+                <a:latin typeface="Arial" panose="020B0604020202020204" pitchFamily="34" charset="0"/>
+                <a:cs typeface="Arial" panose="020B0604020202020204" pitchFamily="34" charset="0"/>
+              </a:rPr>
+              <a:t> </a:t>
+            </a:r>
+            <a:r>
+              <a:rPr lang="en-US" sz="3200" b="1" spc="-1" dirty="0" err="1">
+                <a:solidFill>
+                  <a:srgbClr val="660033"/>
+                </a:solidFill>
+                <a:latin typeface="Arial" panose="020B0604020202020204" pitchFamily="34" charset="0"/>
+                <a:cs typeface="Arial" panose="020B0604020202020204" pitchFamily="34" charset="0"/>
               </a:rPr>
               <a:t>mang</a:t>
             </a:r>
@@ -5252,16 +5376,18 @@
                 <a:solidFill>
                   <a:srgbClr val="660033"/>
                 </a:solidFill>
-                <a:latin typeface="Constantia"/>
-              </a:rPr>
-              <a:t> </a:t>
-            </a:r>
-            <a:r>
-              <a:rPr lang="en-US" sz="3200" b="1" spc="-1" dirty="0" err="1">
-                <a:solidFill>
-                  <a:srgbClr val="660033"/>
-                </a:solidFill>
-                <a:latin typeface="Constantia"/>
+                <a:latin typeface="Arial" panose="020B0604020202020204" pitchFamily="34" charset="0"/>
+                <a:cs typeface="Arial" panose="020B0604020202020204" pitchFamily="34" charset="0"/>
+              </a:rPr>
+              <a:t> </a:t>
+            </a:r>
+            <a:r>
+              <a:rPr lang="en-US" sz="3200" b="1" spc="-1" dirty="0" err="1">
+                <a:solidFill>
+                  <a:srgbClr val="660033"/>
+                </a:solidFill>
+                <a:latin typeface="Arial" panose="020B0604020202020204" pitchFamily="34" charset="0"/>
+                <a:cs typeface="Arial" panose="020B0604020202020204" pitchFamily="34" charset="0"/>
               </a:rPr>
               <a:t>hết</a:t>
             </a:r>
@@ -5270,16 +5396,18 @@
                 <a:solidFill>
                   <a:srgbClr val="660033"/>
                 </a:solidFill>
-                <a:latin typeface="Constantia"/>
-              </a:rPr>
-              <a:t> </a:t>
-            </a:r>
-            <a:r>
-              <a:rPr lang="en-US" sz="3200" b="1" spc="-1" dirty="0" err="1">
-                <a:solidFill>
-                  <a:srgbClr val="660033"/>
-                </a:solidFill>
-                <a:latin typeface="Constantia"/>
+                <a:latin typeface="Arial" panose="020B0604020202020204" pitchFamily="34" charset="0"/>
+                <a:cs typeface="Arial" panose="020B0604020202020204" pitchFamily="34" charset="0"/>
+              </a:rPr>
+              <a:t> </a:t>
+            </a:r>
+            <a:r>
+              <a:rPr lang="en-US" sz="3200" b="1" spc="-1" dirty="0" err="1">
+                <a:solidFill>
+                  <a:srgbClr val="660033"/>
+                </a:solidFill>
+                <a:latin typeface="Arial" panose="020B0604020202020204" pitchFamily="34" charset="0"/>
+                <a:cs typeface="Arial" panose="020B0604020202020204" pitchFamily="34" charset="0"/>
               </a:rPr>
               <a:t>bao</a:t>
             </a:r>
@@ -5288,16 +5416,18 @@
                 <a:solidFill>
                   <a:srgbClr val="660033"/>
                 </a:solidFill>
-                <a:latin typeface="Constantia"/>
-              </a:rPr>
-              <a:t> </a:t>
-            </a:r>
-            <a:r>
-              <a:rPr lang="en-US" sz="3200" b="1" spc="-1" dirty="0" err="1">
-                <a:solidFill>
-                  <a:srgbClr val="660033"/>
-                </a:solidFill>
-                <a:latin typeface="Constantia"/>
+                <a:latin typeface="Arial" panose="020B0604020202020204" pitchFamily="34" charset="0"/>
+                <a:cs typeface="Arial" panose="020B0604020202020204" pitchFamily="34" charset="0"/>
+              </a:rPr>
+              <a:t> </a:t>
+            </a:r>
+            <a:r>
+              <a:rPr lang="en-US" sz="3200" b="1" spc="-1" dirty="0" err="1">
+                <a:solidFill>
+                  <a:srgbClr val="660033"/>
+                </a:solidFill>
+                <a:latin typeface="Arial" panose="020B0604020202020204" pitchFamily="34" charset="0"/>
+                <a:cs typeface="Arial" panose="020B0604020202020204" pitchFamily="34" charset="0"/>
               </a:rPr>
               <a:t>nhiêu</a:t>
             </a:r>
@@ -5306,7 +5436,8 @@
                 <a:solidFill>
                   <a:srgbClr val="660033"/>
                 </a:solidFill>
-                <a:latin typeface="Constantia"/>
+                <a:latin typeface="Arial" panose="020B0604020202020204" pitchFamily="34" charset="0"/>
+                <a:cs typeface="Arial" panose="020B0604020202020204" pitchFamily="34" charset="0"/>
               </a:rPr>
               <a:t> ô </a:t>
             </a:r>
@@ -5315,7 +5446,8 @@
                 <a:solidFill>
                   <a:srgbClr val="660033"/>
                 </a:solidFill>
-                <a:latin typeface="Constantia"/>
+                <a:latin typeface="Arial" panose="020B0604020202020204" pitchFamily="34" charset="0"/>
+                <a:cs typeface="Arial" panose="020B0604020202020204" pitchFamily="34" charset="0"/>
               </a:rPr>
               <a:t>nhục</a:t>
             </a:r>
@@ -5324,7 +5456,8 @@
                 <a:solidFill>
                   <a:srgbClr val="660033"/>
                 </a:solidFill>
-                <a:latin typeface="Constantia"/>
+                <a:latin typeface="Arial" panose="020B0604020202020204" pitchFamily="34" charset="0"/>
+                <a:cs typeface="Arial" panose="020B0604020202020204" pitchFamily="34" charset="0"/>
               </a:rPr>
               <a:t> con</a:t>
             </a:r>
@@ -5343,7 +5476,8 @@
                 <a:solidFill>
                   <a:srgbClr val="660033"/>
                 </a:solidFill>
-                <a:latin typeface="Constantia"/>
+                <a:latin typeface="Arial" panose="020B0604020202020204" pitchFamily="34" charset="0"/>
+                <a:cs typeface="Arial" panose="020B0604020202020204" pitchFamily="34" charset="0"/>
               </a:rPr>
               <a:t>Ngài</a:t>
             </a:r>
@@ -5352,16 +5486,18 @@
                 <a:solidFill>
                   <a:srgbClr val="660033"/>
                 </a:solidFill>
-                <a:latin typeface="Constantia"/>
-              </a:rPr>
-              <a:t> </a:t>
-            </a:r>
-            <a:r>
-              <a:rPr lang="en-US" sz="3200" b="1" spc="-1" dirty="0" err="1">
-                <a:solidFill>
-                  <a:srgbClr val="660033"/>
-                </a:solidFill>
-                <a:latin typeface="Constantia"/>
+                <a:latin typeface="Arial" panose="020B0604020202020204" pitchFamily="34" charset="0"/>
+                <a:cs typeface="Arial" panose="020B0604020202020204" pitchFamily="34" charset="0"/>
+              </a:rPr>
+              <a:t> </a:t>
+            </a:r>
+            <a:r>
+              <a:rPr lang="en-US" sz="3200" b="1" spc="-1" dirty="0" err="1">
+                <a:solidFill>
+                  <a:srgbClr val="660033"/>
+                </a:solidFill>
+                <a:latin typeface="Arial" panose="020B0604020202020204" pitchFamily="34" charset="0"/>
+                <a:cs typeface="Arial" panose="020B0604020202020204" pitchFamily="34" charset="0"/>
               </a:rPr>
               <a:t>đã</a:t>
             </a:r>
@@ -5370,16 +5506,18 @@
                 <a:solidFill>
                   <a:srgbClr val="660033"/>
                 </a:solidFill>
-                <a:latin typeface="Constantia"/>
-              </a:rPr>
-              <a:t> </a:t>
-            </a:r>
-            <a:r>
-              <a:rPr lang="en-US" sz="3200" b="1" spc="-1" dirty="0" err="1">
-                <a:solidFill>
-                  <a:srgbClr val="660033"/>
-                </a:solidFill>
-                <a:latin typeface="Constantia"/>
+                <a:latin typeface="Arial" panose="020B0604020202020204" pitchFamily="34" charset="0"/>
+                <a:cs typeface="Arial" panose="020B0604020202020204" pitchFamily="34" charset="0"/>
+              </a:rPr>
+              <a:t> </a:t>
+            </a:r>
+            <a:r>
+              <a:rPr lang="en-US" sz="3200" b="1" spc="-1" dirty="0" err="1">
+                <a:solidFill>
+                  <a:srgbClr val="660033"/>
+                </a:solidFill>
+                <a:latin typeface="Arial" panose="020B0604020202020204" pitchFamily="34" charset="0"/>
+                <a:cs typeface="Arial" panose="020B0604020202020204" pitchFamily="34" charset="0"/>
               </a:rPr>
               <a:t>sống</a:t>
             </a:r>
@@ -5388,16 +5526,18 @@
                 <a:solidFill>
                   <a:srgbClr val="660033"/>
                 </a:solidFill>
-                <a:latin typeface="Constantia"/>
-              </a:rPr>
-              <a:t> </a:t>
-            </a:r>
-            <a:r>
-              <a:rPr lang="en-US" sz="3200" b="1" spc="-1" dirty="0" err="1">
-                <a:solidFill>
-                  <a:srgbClr val="660033"/>
-                </a:solidFill>
-                <a:latin typeface="Constantia"/>
+                <a:latin typeface="Arial" panose="020B0604020202020204" pitchFamily="34" charset="0"/>
+                <a:cs typeface="Arial" panose="020B0604020202020204" pitchFamily="34" charset="0"/>
+              </a:rPr>
+              <a:t> </a:t>
+            </a:r>
+            <a:r>
+              <a:rPr lang="en-US" sz="3200" b="1" spc="-1" dirty="0" err="1">
+                <a:solidFill>
+                  <a:srgbClr val="660033"/>
+                </a:solidFill>
+                <a:latin typeface="Arial" panose="020B0604020202020204" pitchFamily="34" charset="0"/>
+                <a:cs typeface="Arial" panose="020B0604020202020204" pitchFamily="34" charset="0"/>
               </a:rPr>
               <a:t>lại</a:t>
             </a:r>
@@ -5406,16 +5546,18 @@
                 <a:solidFill>
                   <a:srgbClr val="660033"/>
                 </a:solidFill>
-                <a:latin typeface="Constantia"/>
-              </a:rPr>
-              <a:t> </a:t>
-            </a:r>
-            <a:r>
-              <a:rPr lang="en-US" sz="3200" b="1" spc="-1" dirty="0" err="1">
-                <a:solidFill>
-                  <a:srgbClr val="660033"/>
-                </a:solidFill>
-                <a:latin typeface="Constantia"/>
+                <a:latin typeface="Arial" panose="020B0604020202020204" pitchFamily="34" charset="0"/>
+                <a:cs typeface="Arial" panose="020B0604020202020204" pitchFamily="34" charset="0"/>
+              </a:rPr>
+              <a:t> </a:t>
+            </a:r>
+            <a:r>
+              <a:rPr lang="en-US" sz="3200" b="1" spc="-1" dirty="0" err="1">
+                <a:solidFill>
+                  <a:srgbClr val="660033"/>
+                </a:solidFill>
+                <a:latin typeface="Arial" panose="020B0604020202020204" pitchFamily="34" charset="0"/>
+                <a:cs typeface="Arial" panose="020B0604020202020204" pitchFamily="34" charset="0"/>
               </a:rPr>
               <a:t>và</a:t>
             </a:r>
@@ -5424,16 +5566,18 @@
                 <a:solidFill>
                   <a:srgbClr val="660033"/>
                 </a:solidFill>
-                <a:latin typeface="Constantia"/>
-              </a:rPr>
-              <a:t> </a:t>
-            </a:r>
-            <a:r>
-              <a:rPr lang="en-US" sz="3200" b="1" spc="-1" dirty="0" err="1">
-                <a:solidFill>
-                  <a:srgbClr val="660033"/>
-                </a:solidFill>
-                <a:latin typeface="Constantia"/>
+                <a:latin typeface="Arial" panose="020B0604020202020204" pitchFamily="34" charset="0"/>
+                <a:cs typeface="Arial" panose="020B0604020202020204" pitchFamily="34" charset="0"/>
+              </a:rPr>
+              <a:t> </a:t>
+            </a:r>
+            <a:r>
+              <a:rPr lang="en-US" sz="3200" b="1" spc="-1" dirty="0" err="1">
+                <a:solidFill>
+                  <a:srgbClr val="660033"/>
+                </a:solidFill>
+                <a:latin typeface="Arial" panose="020B0604020202020204" pitchFamily="34" charset="0"/>
+                <a:cs typeface="Arial" panose="020B0604020202020204" pitchFamily="34" charset="0"/>
               </a:rPr>
               <a:t>sống</a:t>
             </a:r>
@@ -5442,16 +5586,18 @@
                 <a:solidFill>
                   <a:srgbClr val="660033"/>
                 </a:solidFill>
-                <a:latin typeface="Constantia"/>
-              </a:rPr>
-              <a:t> </a:t>
-            </a:r>
-            <a:r>
-              <a:rPr lang="en-US" sz="3200" b="1" spc="-1" dirty="0" err="1">
-                <a:solidFill>
-                  <a:srgbClr val="660033"/>
-                </a:solidFill>
-                <a:latin typeface="Constantia"/>
+                <a:latin typeface="Arial" panose="020B0604020202020204" pitchFamily="34" charset="0"/>
+                <a:cs typeface="Arial" panose="020B0604020202020204" pitchFamily="34" charset="0"/>
+              </a:rPr>
+              <a:t> </a:t>
+            </a:r>
+            <a:r>
+              <a:rPr lang="en-US" sz="3200" b="1" spc="-1" dirty="0" err="1">
+                <a:solidFill>
+                  <a:srgbClr val="660033"/>
+                </a:solidFill>
+                <a:latin typeface="Arial" panose="020B0604020202020204" pitchFamily="34" charset="0"/>
+                <a:cs typeface="Arial" panose="020B0604020202020204" pitchFamily="34" charset="0"/>
               </a:rPr>
               <a:t>muôn</a:t>
             </a:r>
@@ -5460,16 +5606,18 @@
                 <a:solidFill>
                   <a:srgbClr val="660033"/>
                 </a:solidFill>
-                <a:latin typeface="Constantia"/>
-              </a:rPr>
-              <a:t> </a:t>
-            </a:r>
-            <a:r>
-              <a:rPr lang="en-US" sz="3200" b="1" spc="-1" dirty="0" err="1">
-                <a:solidFill>
-                  <a:srgbClr val="660033"/>
-                </a:solidFill>
-                <a:latin typeface="Constantia"/>
+                <a:latin typeface="Arial" panose="020B0604020202020204" pitchFamily="34" charset="0"/>
+                <a:cs typeface="Arial" panose="020B0604020202020204" pitchFamily="34" charset="0"/>
+              </a:rPr>
+              <a:t> </a:t>
+            </a:r>
+            <a:r>
+              <a:rPr lang="en-US" sz="3200" b="1" spc="-1" dirty="0" err="1">
+                <a:solidFill>
+                  <a:srgbClr val="660033"/>
+                </a:solidFill>
+                <a:latin typeface="Arial" panose="020B0604020202020204" pitchFamily="34" charset="0"/>
+                <a:cs typeface="Arial" panose="020B0604020202020204" pitchFamily="34" charset="0"/>
               </a:rPr>
               <a:t>đời</a:t>
             </a:r>
@@ -5477,7 +5625,8 @@
               <a:solidFill>
                 <a:srgbClr val="660033"/>
               </a:solidFill>
-              <a:latin typeface="Constantia"/>
+              <a:latin typeface="Arial" panose="020B0604020202020204" pitchFamily="34" charset="0"/>
+              <a:cs typeface="Arial" panose="020B0604020202020204" pitchFamily="34" charset="0"/>
             </a:endParaRPr>
           </a:p>
           <a:p>
@@ -5494,7 +5643,8 @@
                 <a:solidFill>
                   <a:srgbClr val="660033"/>
                 </a:solidFill>
-                <a:latin typeface="Constantia"/>
+                <a:latin typeface="Arial" panose="020B0604020202020204" pitchFamily="34" charset="0"/>
+                <a:cs typeface="Arial" panose="020B0604020202020204" pitchFamily="34" charset="0"/>
               </a:rPr>
               <a:t>Ngài</a:t>
             </a:r>
@@ -5503,16 +5653,18 @@
                 <a:solidFill>
                   <a:srgbClr val="660033"/>
                 </a:solidFill>
-                <a:latin typeface="Constantia"/>
-              </a:rPr>
-              <a:t> </a:t>
-            </a:r>
-            <a:r>
-              <a:rPr lang="en-US" sz="3200" b="1" spc="-1" dirty="0" err="1">
-                <a:solidFill>
-                  <a:srgbClr val="660033"/>
-                </a:solidFill>
-                <a:latin typeface="Constantia"/>
+                <a:latin typeface="Arial" panose="020B0604020202020204" pitchFamily="34" charset="0"/>
+                <a:cs typeface="Arial" panose="020B0604020202020204" pitchFamily="34" charset="0"/>
+              </a:rPr>
+              <a:t> </a:t>
+            </a:r>
+            <a:r>
+              <a:rPr lang="en-US" sz="3200" b="1" spc="-1" dirty="0" err="1">
+                <a:solidFill>
+                  <a:srgbClr val="660033"/>
+                </a:solidFill>
+                <a:latin typeface="Arial" panose="020B0604020202020204" pitchFamily="34" charset="0"/>
+                <a:cs typeface="Arial" panose="020B0604020202020204" pitchFamily="34" charset="0"/>
               </a:rPr>
               <a:t>là</a:t>
             </a:r>
@@ -5521,16 +5673,18 @@
                 <a:solidFill>
                   <a:srgbClr val="660033"/>
                 </a:solidFill>
-                <a:latin typeface="Constantia"/>
-              </a:rPr>
-              <a:t> </a:t>
-            </a:r>
-            <a:r>
-              <a:rPr lang="en-US" sz="3200" b="1" spc="-1" dirty="0" err="1">
-                <a:solidFill>
-                  <a:srgbClr val="660033"/>
-                </a:solidFill>
-                <a:latin typeface="Constantia"/>
+                <a:latin typeface="Arial" panose="020B0604020202020204" pitchFamily="34" charset="0"/>
+                <a:cs typeface="Arial" panose="020B0604020202020204" pitchFamily="34" charset="0"/>
+              </a:rPr>
+              <a:t> </a:t>
+            </a:r>
+            <a:r>
+              <a:rPr lang="en-US" sz="3200" b="1" spc="-1" dirty="0" err="1">
+                <a:solidFill>
+                  <a:srgbClr val="660033"/>
+                </a:solidFill>
+                <a:latin typeface="Arial" panose="020B0604020202020204" pitchFamily="34" charset="0"/>
+                <a:cs typeface="Arial" panose="020B0604020202020204" pitchFamily="34" charset="0"/>
               </a:rPr>
               <a:t>muôn</a:t>
             </a:r>
@@ -5539,16 +5693,18 @@
                 <a:solidFill>
                   <a:srgbClr val="660033"/>
                 </a:solidFill>
-                <a:latin typeface="Constantia"/>
-              </a:rPr>
-              <a:t> </a:t>
-            </a:r>
-            <a:r>
-              <a:rPr lang="en-US" sz="3200" b="1" spc="-1" dirty="0" err="1">
-                <a:solidFill>
-                  <a:srgbClr val="660033"/>
-                </a:solidFill>
-                <a:latin typeface="Constantia"/>
+                <a:latin typeface="Arial" panose="020B0604020202020204" pitchFamily="34" charset="0"/>
+                <a:cs typeface="Arial" panose="020B0604020202020204" pitchFamily="34" charset="0"/>
+              </a:rPr>
+              <a:t> </a:t>
+            </a:r>
+            <a:r>
+              <a:rPr lang="en-US" sz="3200" b="1" spc="-1" dirty="0" err="1">
+                <a:solidFill>
+                  <a:srgbClr val="660033"/>
+                </a:solidFill>
+                <a:latin typeface="Arial" panose="020B0604020202020204" pitchFamily="34" charset="0"/>
+                <a:cs typeface="Arial" panose="020B0604020202020204" pitchFamily="34" charset="0"/>
               </a:rPr>
               <a:t>nhu</a:t>
             </a:r>
@@ -5557,16 +5713,18 @@
                 <a:solidFill>
                   <a:srgbClr val="660033"/>
                 </a:solidFill>
-                <a:latin typeface="Constantia"/>
-              </a:rPr>
-              <a:t> </a:t>
-            </a:r>
-            <a:r>
-              <a:rPr lang="en-US" sz="3200" b="1" spc="-1" dirty="0" err="1">
-                <a:solidFill>
-                  <a:srgbClr val="660033"/>
-                </a:solidFill>
-                <a:latin typeface="Constantia"/>
+                <a:latin typeface="Arial" panose="020B0604020202020204" pitchFamily="34" charset="0"/>
+                <a:cs typeface="Arial" panose="020B0604020202020204" pitchFamily="34" charset="0"/>
+              </a:rPr>
+              <a:t> </a:t>
+            </a:r>
+            <a:r>
+              <a:rPr lang="en-US" sz="3200" b="1" spc="-1" dirty="0" err="1">
+                <a:solidFill>
+                  <a:srgbClr val="660033"/>
+                </a:solidFill>
+                <a:latin typeface="Arial" panose="020B0604020202020204" pitchFamily="34" charset="0"/>
+                <a:cs typeface="Arial" panose="020B0604020202020204" pitchFamily="34" charset="0"/>
               </a:rPr>
               <a:t>cầu</a:t>
             </a:r>
@@ -5575,7 +5733,8 @@
                 <a:solidFill>
                   <a:srgbClr val="660033"/>
                 </a:solidFill>
-                <a:latin typeface="Constantia"/>
+                <a:latin typeface="Arial" panose="020B0604020202020204" pitchFamily="34" charset="0"/>
+                <a:cs typeface="Arial" panose="020B0604020202020204" pitchFamily="34" charset="0"/>
               </a:rPr>
               <a:t> con</a:t>
             </a:r>
@@ -5680,9 +5839,9 @@
                 <a:solidFill>
                   <a:srgbClr val="660033"/>
                 </a:solidFill>
-                <a:latin typeface="Times New Roman" pitchFamily="18" charset="0"/>
+                <a:latin typeface="Arial" panose="020B0604020202020204" pitchFamily="34" charset="0"/>
                 <a:ea typeface="微軟正黑體"/>
-                <a:cs typeface="Times New Roman" pitchFamily="18" charset="0"/>
+                <a:cs typeface="Arial" panose="020B0604020202020204" pitchFamily="34" charset="0"/>
               </a:rPr>
               <a:t>NGÀI LÀ MUÔN NHU CẦU CON</a:t>
             </a:r>
@@ -5815,7 +5974,8 @@
                 <a:solidFill>
                   <a:srgbClr val="660033"/>
                 </a:solidFill>
-                <a:latin typeface="Constantia"/>
+                <a:latin typeface="Arial" panose="020B0604020202020204" pitchFamily="34" charset="0"/>
+                <a:cs typeface="Arial" panose="020B0604020202020204" pitchFamily="34" charset="0"/>
               </a:rPr>
               <a:t>Hồi</a:t>
             </a:r>
@@ -5824,7 +5984,8 @@
                 <a:solidFill>
                   <a:srgbClr val="660033"/>
                 </a:solidFill>
-                <a:latin typeface="Constantia"/>
+                <a:latin typeface="Arial" panose="020B0604020202020204" pitchFamily="34" charset="0"/>
+                <a:cs typeface="Arial" panose="020B0604020202020204" pitchFamily="34" charset="0"/>
               </a:rPr>
               <a:t> con </a:t>
             </a:r>
@@ -5833,7 +5994,8 @@
                 <a:solidFill>
                   <a:srgbClr val="660033"/>
                 </a:solidFill>
-                <a:latin typeface="Constantia"/>
+                <a:latin typeface="Arial" panose="020B0604020202020204" pitchFamily="34" charset="0"/>
+                <a:cs typeface="Arial" panose="020B0604020202020204" pitchFamily="34" charset="0"/>
               </a:rPr>
               <a:t>vấp</a:t>
             </a:r>
@@ -5842,16 +6004,18 @@
                 <a:solidFill>
                   <a:srgbClr val="660033"/>
                 </a:solidFill>
-                <a:latin typeface="Constantia"/>
-              </a:rPr>
-              <a:t> </a:t>
-            </a:r>
-            <a:r>
-              <a:rPr lang="en-US" sz="3200" b="1" spc="-1" dirty="0" err="1">
-                <a:solidFill>
-                  <a:srgbClr val="660033"/>
-                </a:solidFill>
-                <a:latin typeface="Constantia"/>
+                <a:latin typeface="Arial" panose="020B0604020202020204" pitchFamily="34" charset="0"/>
+                <a:cs typeface="Arial" panose="020B0604020202020204" pitchFamily="34" charset="0"/>
+              </a:rPr>
+              <a:t> </a:t>
+            </a:r>
+            <a:r>
+              <a:rPr lang="en-US" sz="3200" b="1" spc="-1" dirty="0" err="1">
+                <a:solidFill>
+                  <a:srgbClr val="660033"/>
+                </a:solidFill>
+                <a:latin typeface="Arial" panose="020B0604020202020204" pitchFamily="34" charset="0"/>
+                <a:cs typeface="Arial" panose="020B0604020202020204" pitchFamily="34" charset="0"/>
               </a:rPr>
               <a:t>chân</a:t>
             </a:r>
@@ -5860,16 +6024,18 @@
                 <a:solidFill>
                   <a:srgbClr val="660033"/>
                 </a:solidFill>
-                <a:latin typeface="Constantia"/>
-              </a:rPr>
-              <a:t> </a:t>
-            </a:r>
-            <a:r>
-              <a:rPr lang="en-US" sz="3200" b="1" spc="-1" dirty="0" err="1">
-                <a:solidFill>
-                  <a:srgbClr val="660033"/>
-                </a:solidFill>
-                <a:latin typeface="Constantia"/>
+                <a:latin typeface="Arial" panose="020B0604020202020204" pitchFamily="34" charset="0"/>
+                <a:cs typeface="Arial" panose="020B0604020202020204" pitchFamily="34" charset="0"/>
+              </a:rPr>
+              <a:t> </a:t>
+            </a:r>
+            <a:r>
+              <a:rPr lang="en-US" sz="3200" b="1" spc="-1" dirty="0" err="1">
+                <a:solidFill>
+                  <a:srgbClr val="660033"/>
+                </a:solidFill>
+                <a:latin typeface="Arial" panose="020B0604020202020204" pitchFamily="34" charset="0"/>
+                <a:cs typeface="Arial" panose="020B0604020202020204" pitchFamily="34" charset="0"/>
               </a:rPr>
               <a:t>Chúa</a:t>
             </a:r>
@@ -5878,16 +6044,18 @@
                 <a:solidFill>
                   <a:srgbClr val="660033"/>
                 </a:solidFill>
-                <a:latin typeface="Constantia"/>
-              </a:rPr>
-              <a:t> </a:t>
-            </a:r>
-            <a:r>
-              <a:rPr lang="en-US" sz="3200" b="1" spc="-1" dirty="0" err="1">
-                <a:solidFill>
-                  <a:srgbClr val="660033"/>
-                </a:solidFill>
-                <a:latin typeface="Constantia"/>
+                <a:latin typeface="Arial" panose="020B0604020202020204" pitchFamily="34" charset="0"/>
+                <a:cs typeface="Arial" panose="020B0604020202020204" pitchFamily="34" charset="0"/>
+              </a:rPr>
+              <a:t> </a:t>
+            </a:r>
+            <a:r>
+              <a:rPr lang="en-US" sz="3200" b="1" spc="-1" dirty="0" err="1">
+                <a:solidFill>
+                  <a:srgbClr val="660033"/>
+                </a:solidFill>
+                <a:latin typeface="Arial" panose="020B0604020202020204" pitchFamily="34" charset="0"/>
+                <a:cs typeface="Arial" panose="020B0604020202020204" pitchFamily="34" charset="0"/>
               </a:rPr>
               <a:t>nâng</a:t>
             </a:r>
@@ -5896,16 +6064,18 @@
                 <a:solidFill>
                   <a:srgbClr val="660033"/>
                 </a:solidFill>
-                <a:latin typeface="Constantia"/>
-              </a:rPr>
-              <a:t> </a:t>
-            </a:r>
-            <a:r>
-              <a:rPr lang="en-US" sz="3200" b="1" spc="-1" dirty="0" err="1">
-                <a:solidFill>
-                  <a:srgbClr val="660033"/>
-                </a:solidFill>
-                <a:latin typeface="Constantia"/>
+                <a:latin typeface="Arial" panose="020B0604020202020204" pitchFamily="34" charset="0"/>
+                <a:cs typeface="Arial" panose="020B0604020202020204" pitchFamily="34" charset="0"/>
+              </a:rPr>
+              <a:t> </a:t>
+            </a:r>
+            <a:r>
+              <a:rPr lang="en-US" sz="3200" b="1" spc="-1" dirty="0" err="1">
+                <a:solidFill>
+                  <a:srgbClr val="660033"/>
+                </a:solidFill>
+                <a:latin typeface="Arial" panose="020B0604020202020204" pitchFamily="34" charset="0"/>
+                <a:cs typeface="Arial" panose="020B0604020202020204" pitchFamily="34" charset="0"/>
               </a:rPr>
               <a:t>vực</a:t>
             </a:r>
@@ -5914,7 +6084,8 @@
                 <a:solidFill>
                   <a:srgbClr val="660033"/>
                 </a:solidFill>
-                <a:latin typeface="Constantia"/>
+                <a:latin typeface="Arial" panose="020B0604020202020204" pitchFamily="34" charset="0"/>
+                <a:cs typeface="Arial" panose="020B0604020202020204" pitchFamily="34" charset="0"/>
               </a:rPr>
               <a:t> con</a:t>
             </a:r>
@@ -5930,7 +6101,8 @@
                 <a:solidFill>
                   <a:srgbClr val="660033"/>
                 </a:solidFill>
-                <a:latin typeface="Constantia"/>
+                <a:latin typeface="Arial" panose="020B0604020202020204" pitchFamily="34" charset="0"/>
+                <a:cs typeface="Arial" panose="020B0604020202020204" pitchFamily="34" charset="0"/>
               </a:rPr>
               <a:t>Hồi</a:t>
             </a:r>
@@ -5939,16 +6111,18 @@
                 <a:solidFill>
                   <a:srgbClr val="660033"/>
                 </a:solidFill>
-                <a:latin typeface="Constantia"/>
-              </a:rPr>
-              <a:t> </a:t>
-            </a:r>
-            <a:r>
-              <a:rPr lang="en-US" sz="3200" b="1" spc="-1" dirty="0" err="1">
-                <a:solidFill>
-                  <a:srgbClr val="660033"/>
-                </a:solidFill>
-                <a:latin typeface="Constantia"/>
+                <a:latin typeface="Arial" panose="020B0604020202020204" pitchFamily="34" charset="0"/>
+                <a:cs typeface="Arial" panose="020B0604020202020204" pitchFamily="34" charset="0"/>
+              </a:rPr>
+              <a:t> </a:t>
+            </a:r>
+            <a:r>
+              <a:rPr lang="en-US" sz="3200" b="1" spc="-1" dirty="0" err="1">
+                <a:solidFill>
+                  <a:srgbClr val="660033"/>
+                </a:solidFill>
+                <a:latin typeface="Arial" panose="020B0604020202020204" pitchFamily="34" charset="0"/>
+                <a:cs typeface="Arial" panose="020B0604020202020204" pitchFamily="34" charset="0"/>
               </a:rPr>
               <a:t>tim</a:t>
             </a:r>
@@ -5957,16 +6131,18 @@
                 <a:solidFill>
                   <a:srgbClr val="660033"/>
                 </a:solidFill>
-                <a:latin typeface="Constantia"/>
-              </a:rPr>
-              <a:t> </a:t>
-            </a:r>
-            <a:r>
-              <a:rPr lang="en-US" sz="3200" b="1" spc="-1" dirty="0" err="1">
-                <a:solidFill>
-                  <a:srgbClr val="660033"/>
-                </a:solidFill>
-                <a:latin typeface="Constantia"/>
+                <a:latin typeface="Arial" panose="020B0604020202020204" pitchFamily="34" charset="0"/>
+                <a:cs typeface="Arial" panose="020B0604020202020204" pitchFamily="34" charset="0"/>
+              </a:rPr>
+              <a:t> </a:t>
+            </a:r>
+            <a:r>
+              <a:rPr lang="en-US" sz="3200" b="1" spc="-1" dirty="0" err="1">
+                <a:solidFill>
+                  <a:srgbClr val="660033"/>
+                </a:solidFill>
+                <a:latin typeface="Arial" panose="020B0604020202020204" pitchFamily="34" charset="0"/>
+                <a:cs typeface="Arial" panose="020B0604020202020204" pitchFamily="34" charset="0"/>
               </a:rPr>
               <a:t>héo</a:t>
             </a:r>
@@ -5975,16 +6151,18 @@
                 <a:solidFill>
                   <a:srgbClr val="660033"/>
                 </a:solidFill>
-                <a:latin typeface="Constantia"/>
-              </a:rPr>
-              <a:t> </a:t>
-            </a:r>
-            <a:r>
-              <a:rPr lang="en-US" sz="3200" b="1" spc="-1" dirty="0" err="1">
-                <a:solidFill>
-                  <a:srgbClr val="660033"/>
-                </a:solidFill>
-                <a:latin typeface="Constantia"/>
+                <a:latin typeface="Arial" panose="020B0604020202020204" pitchFamily="34" charset="0"/>
+                <a:cs typeface="Arial" panose="020B0604020202020204" pitchFamily="34" charset="0"/>
+              </a:rPr>
+              <a:t> </a:t>
+            </a:r>
+            <a:r>
+              <a:rPr lang="en-US" sz="3200" b="1" spc="-1" dirty="0" err="1">
+                <a:solidFill>
+                  <a:srgbClr val="660033"/>
+                </a:solidFill>
+                <a:latin typeface="Arial" panose="020B0604020202020204" pitchFamily="34" charset="0"/>
+                <a:cs typeface="Arial" panose="020B0604020202020204" pitchFamily="34" charset="0"/>
               </a:rPr>
               <a:t>tàn</a:t>
             </a:r>
@@ -5993,16 +6171,18 @@
                 <a:solidFill>
                   <a:srgbClr val="660033"/>
                 </a:solidFill>
-                <a:latin typeface="Constantia"/>
-              </a:rPr>
-              <a:t> </a:t>
-            </a:r>
-            <a:r>
-              <a:rPr lang="en-US" sz="3200" b="1" spc="-1" dirty="0" err="1">
-                <a:solidFill>
-                  <a:srgbClr val="660033"/>
-                </a:solidFill>
-                <a:latin typeface="Constantia"/>
+                <a:latin typeface="Arial" panose="020B0604020202020204" pitchFamily="34" charset="0"/>
+                <a:cs typeface="Arial" panose="020B0604020202020204" pitchFamily="34" charset="0"/>
+              </a:rPr>
+              <a:t> </a:t>
+            </a:r>
+            <a:r>
+              <a:rPr lang="en-US" sz="3200" b="1" spc="-1" dirty="0" err="1">
+                <a:solidFill>
+                  <a:srgbClr val="660033"/>
+                </a:solidFill>
+                <a:latin typeface="Arial" panose="020B0604020202020204" pitchFamily="34" charset="0"/>
+                <a:cs typeface="Arial" panose="020B0604020202020204" pitchFamily="34" charset="0"/>
               </a:rPr>
               <a:t>Ngài</a:t>
             </a:r>
@@ -6011,16 +6191,18 @@
                 <a:solidFill>
                   <a:srgbClr val="660033"/>
                 </a:solidFill>
-                <a:latin typeface="Constantia"/>
-              </a:rPr>
-              <a:t> </a:t>
-            </a:r>
-            <a:r>
-              <a:rPr lang="en-US" sz="3200" b="1" spc="-1" dirty="0" err="1">
-                <a:solidFill>
-                  <a:srgbClr val="660033"/>
-                </a:solidFill>
-                <a:latin typeface="Constantia"/>
+                <a:latin typeface="Arial" panose="020B0604020202020204" pitchFamily="34" charset="0"/>
+                <a:cs typeface="Arial" panose="020B0604020202020204" pitchFamily="34" charset="0"/>
+              </a:rPr>
+              <a:t> </a:t>
+            </a:r>
+            <a:r>
+              <a:rPr lang="en-US" sz="3200" b="1" spc="-1" dirty="0" err="1">
+                <a:solidFill>
+                  <a:srgbClr val="660033"/>
+                </a:solidFill>
+                <a:latin typeface="Arial" panose="020B0604020202020204" pitchFamily="34" charset="0"/>
+                <a:cs typeface="Arial" panose="020B0604020202020204" pitchFamily="34" charset="0"/>
               </a:rPr>
               <a:t>khiến</a:t>
             </a:r>
@@ -6029,16 +6211,18 @@
                 <a:solidFill>
                   <a:srgbClr val="660033"/>
                 </a:solidFill>
-                <a:latin typeface="Constantia"/>
-              </a:rPr>
-              <a:t> </a:t>
-            </a:r>
-            <a:r>
-              <a:rPr lang="en-US" sz="3200" b="1" spc="-1" dirty="0" err="1">
-                <a:solidFill>
-                  <a:srgbClr val="660033"/>
-                </a:solidFill>
-                <a:latin typeface="Constantia"/>
+                <a:latin typeface="Arial" panose="020B0604020202020204" pitchFamily="34" charset="0"/>
+                <a:cs typeface="Arial" panose="020B0604020202020204" pitchFamily="34" charset="0"/>
+              </a:rPr>
+              <a:t> </a:t>
+            </a:r>
+            <a:r>
+              <a:rPr lang="en-US" sz="3200" b="1" spc="-1" dirty="0" err="1">
+                <a:solidFill>
+                  <a:srgbClr val="660033"/>
+                </a:solidFill>
+                <a:latin typeface="Arial" panose="020B0604020202020204" pitchFamily="34" charset="0"/>
+                <a:cs typeface="Arial" panose="020B0604020202020204" pitchFamily="34" charset="0"/>
               </a:rPr>
               <a:t>tươi</a:t>
             </a:r>
@@ -6047,16 +6231,18 @@
                 <a:solidFill>
                   <a:srgbClr val="660033"/>
                 </a:solidFill>
-                <a:latin typeface="Constantia"/>
-              </a:rPr>
-              <a:t> </a:t>
-            </a:r>
-            <a:r>
-              <a:rPr lang="en-US" sz="3200" b="1" spc="-1" dirty="0" err="1">
-                <a:solidFill>
-                  <a:srgbClr val="660033"/>
-                </a:solidFill>
-                <a:latin typeface="Constantia"/>
+                <a:latin typeface="Arial" panose="020B0604020202020204" pitchFamily="34" charset="0"/>
+                <a:cs typeface="Arial" panose="020B0604020202020204" pitchFamily="34" charset="0"/>
+              </a:rPr>
+              <a:t> </a:t>
+            </a:r>
+            <a:r>
+              <a:rPr lang="en-US" sz="3200" b="1" spc="-1" dirty="0" err="1">
+                <a:solidFill>
+                  <a:srgbClr val="660033"/>
+                </a:solidFill>
+                <a:latin typeface="Arial" panose="020B0604020202020204" pitchFamily="34" charset="0"/>
+                <a:cs typeface="Arial" panose="020B0604020202020204" pitchFamily="34" charset="0"/>
               </a:rPr>
               <a:t>cười</a:t>
             </a:r>
@@ -6064,7 +6250,8 @@
               <a:solidFill>
                 <a:srgbClr val="660033"/>
               </a:solidFill>
-              <a:latin typeface="Constantia"/>
+              <a:latin typeface="Arial" panose="020B0604020202020204" pitchFamily="34" charset="0"/>
+              <a:cs typeface="Arial" panose="020B0604020202020204" pitchFamily="34" charset="0"/>
             </a:endParaRPr>
           </a:p>
           <a:p>
@@ -6078,7 +6265,8 @@
                 <a:solidFill>
                   <a:srgbClr val="660033"/>
                 </a:solidFill>
-                <a:latin typeface="Constantia"/>
+                <a:latin typeface="Arial" panose="020B0604020202020204" pitchFamily="34" charset="0"/>
+                <a:cs typeface="Arial" panose="020B0604020202020204" pitchFamily="34" charset="0"/>
               </a:rPr>
               <a:t>Ngài</a:t>
             </a:r>
@@ -6087,16 +6275,18 @@
                 <a:solidFill>
                   <a:srgbClr val="660033"/>
                 </a:solidFill>
-                <a:latin typeface="Constantia"/>
-              </a:rPr>
-              <a:t> </a:t>
-            </a:r>
-            <a:r>
-              <a:rPr lang="en-US" sz="3200" b="1" spc="-1" dirty="0" err="1">
-                <a:solidFill>
-                  <a:srgbClr val="660033"/>
-                </a:solidFill>
-                <a:latin typeface="Constantia"/>
+                <a:latin typeface="Arial" panose="020B0604020202020204" pitchFamily="34" charset="0"/>
+                <a:cs typeface="Arial" panose="020B0604020202020204" pitchFamily="34" charset="0"/>
+              </a:rPr>
+              <a:t> </a:t>
+            </a:r>
+            <a:r>
+              <a:rPr lang="en-US" sz="3200" b="1" spc="-1" dirty="0" err="1">
+                <a:solidFill>
+                  <a:srgbClr val="660033"/>
+                </a:solidFill>
+                <a:latin typeface="Arial" panose="020B0604020202020204" pitchFamily="34" charset="0"/>
+                <a:cs typeface="Arial" panose="020B0604020202020204" pitchFamily="34" charset="0"/>
               </a:rPr>
               <a:t>là</a:t>
             </a:r>
@@ -6105,16 +6295,18 @@
                 <a:solidFill>
                   <a:srgbClr val="660033"/>
                 </a:solidFill>
-                <a:latin typeface="Constantia"/>
-              </a:rPr>
-              <a:t> </a:t>
-            </a:r>
-            <a:r>
-              <a:rPr lang="en-US" sz="3200" b="1" spc="-1" dirty="0" err="1">
-                <a:solidFill>
-                  <a:srgbClr val="660033"/>
-                </a:solidFill>
-                <a:latin typeface="Constantia"/>
+                <a:latin typeface="Arial" panose="020B0604020202020204" pitchFamily="34" charset="0"/>
+                <a:cs typeface="Arial" panose="020B0604020202020204" pitchFamily="34" charset="0"/>
+              </a:rPr>
+              <a:t> </a:t>
+            </a:r>
+            <a:r>
+              <a:rPr lang="en-US" sz="3200" b="1" spc="-1" dirty="0" err="1">
+                <a:solidFill>
+                  <a:srgbClr val="660033"/>
+                </a:solidFill>
+                <a:latin typeface="Arial" panose="020B0604020202020204" pitchFamily="34" charset="0"/>
+                <a:cs typeface="Arial" panose="020B0604020202020204" pitchFamily="34" charset="0"/>
               </a:rPr>
               <a:t>muôn</a:t>
             </a:r>
@@ -6123,16 +6315,18 @@
                 <a:solidFill>
                   <a:srgbClr val="660033"/>
                 </a:solidFill>
-                <a:latin typeface="Constantia"/>
-              </a:rPr>
-              <a:t> </a:t>
-            </a:r>
-            <a:r>
-              <a:rPr lang="en-US" sz="3200" b="1" spc="-1" dirty="0" err="1">
-                <a:solidFill>
-                  <a:srgbClr val="660033"/>
-                </a:solidFill>
-                <a:latin typeface="Constantia"/>
+                <a:latin typeface="Arial" panose="020B0604020202020204" pitchFamily="34" charset="0"/>
+                <a:cs typeface="Arial" panose="020B0604020202020204" pitchFamily="34" charset="0"/>
+              </a:rPr>
+              <a:t> </a:t>
+            </a:r>
+            <a:r>
+              <a:rPr lang="en-US" sz="3200" b="1" spc="-1" dirty="0" err="1">
+                <a:solidFill>
+                  <a:srgbClr val="660033"/>
+                </a:solidFill>
+                <a:latin typeface="Arial" panose="020B0604020202020204" pitchFamily="34" charset="0"/>
+                <a:cs typeface="Arial" panose="020B0604020202020204" pitchFamily="34" charset="0"/>
               </a:rPr>
               <a:t>nhu</a:t>
             </a:r>
@@ -6141,16 +6335,18 @@
                 <a:solidFill>
                   <a:srgbClr val="660033"/>
                 </a:solidFill>
-                <a:latin typeface="Constantia"/>
-              </a:rPr>
-              <a:t> </a:t>
-            </a:r>
-            <a:r>
-              <a:rPr lang="en-US" sz="3200" b="1" spc="-1" dirty="0" err="1">
-                <a:solidFill>
-                  <a:srgbClr val="660033"/>
-                </a:solidFill>
-                <a:latin typeface="Constantia"/>
+                <a:latin typeface="Arial" panose="020B0604020202020204" pitchFamily="34" charset="0"/>
+                <a:cs typeface="Arial" panose="020B0604020202020204" pitchFamily="34" charset="0"/>
+              </a:rPr>
+              <a:t> </a:t>
+            </a:r>
+            <a:r>
+              <a:rPr lang="en-US" sz="3200" b="1" spc="-1" dirty="0" err="1">
+                <a:solidFill>
+                  <a:srgbClr val="660033"/>
+                </a:solidFill>
+                <a:latin typeface="Arial" panose="020B0604020202020204" pitchFamily="34" charset="0"/>
+                <a:cs typeface="Arial" panose="020B0604020202020204" pitchFamily="34" charset="0"/>
               </a:rPr>
               <a:t>cầu</a:t>
             </a:r>
@@ -6159,7 +6355,8 @@
                 <a:solidFill>
                   <a:srgbClr val="660033"/>
                 </a:solidFill>
-                <a:latin typeface="Constantia"/>
+                <a:latin typeface="Arial" panose="020B0604020202020204" pitchFamily="34" charset="0"/>
+                <a:cs typeface="Arial" panose="020B0604020202020204" pitchFamily="34" charset="0"/>
               </a:rPr>
               <a:t> con</a:t>
             </a:r>
@@ -6264,9 +6461,9 @@
                 <a:solidFill>
                   <a:srgbClr val="660033"/>
                 </a:solidFill>
-                <a:latin typeface="Times New Roman" pitchFamily="18" charset="0"/>
+                <a:latin typeface="Arial" panose="020B0604020202020204" pitchFamily="34" charset="0"/>
                 <a:ea typeface="微軟正黑體"/>
-                <a:cs typeface="Times New Roman" pitchFamily="18" charset="0"/>
+                <a:cs typeface="Arial" panose="020B0604020202020204" pitchFamily="34" charset="0"/>
               </a:rPr>
               <a:t>NGÀI LÀ MUÔN NHU CẦU CON</a:t>
             </a:r>
@@ -6379,7 +6576,8 @@
                 <a:solidFill>
                   <a:srgbClr val="660033"/>
                 </a:solidFill>
-                <a:latin typeface="Constantia"/>
+                <a:latin typeface="Arial" panose="020B0604020202020204" pitchFamily="34" charset="0"/>
+                <a:cs typeface="Arial" panose="020B0604020202020204" pitchFamily="34" charset="0"/>
               </a:rPr>
               <a:t>Giê-xu</a:t>
             </a:r>
@@ -6388,16 +6586,18 @@
                 <a:solidFill>
                   <a:srgbClr val="660033"/>
                 </a:solidFill>
-                <a:latin typeface="Constantia"/>
-              </a:rPr>
-              <a:t> </a:t>
-            </a:r>
-            <a:r>
-              <a:rPr lang="en-US" sz="3200" b="1" spc="-1" dirty="0" err="1">
-                <a:solidFill>
-                  <a:srgbClr val="660033"/>
-                </a:solidFill>
-                <a:latin typeface="Constantia"/>
+                <a:latin typeface="Arial" panose="020B0604020202020204" pitchFamily="34" charset="0"/>
+                <a:cs typeface="Arial" panose="020B0604020202020204" pitchFamily="34" charset="0"/>
+              </a:rPr>
+              <a:t> </a:t>
+            </a:r>
+            <a:r>
+              <a:rPr lang="en-US" sz="3200" b="1" spc="-1" dirty="0" err="1">
+                <a:solidFill>
+                  <a:srgbClr val="660033"/>
+                </a:solidFill>
+                <a:latin typeface="Arial" panose="020B0604020202020204" pitchFamily="34" charset="0"/>
+                <a:cs typeface="Arial" panose="020B0604020202020204" pitchFamily="34" charset="0"/>
               </a:rPr>
               <a:t>là</a:t>
             </a:r>
@@ -6406,16 +6606,18 @@
                 <a:solidFill>
                   <a:srgbClr val="660033"/>
                 </a:solidFill>
-                <a:latin typeface="Constantia"/>
-              </a:rPr>
-              <a:t> </a:t>
-            </a:r>
-            <a:r>
-              <a:rPr lang="en-US" sz="3200" b="1" spc="-1" dirty="0" err="1">
-                <a:solidFill>
-                  <a:srgbClr val="660033"/>
-                </a:solidFill>
-                <a:latin typeface="Constantia"/>
+                <a:latin typeface="Arial" panose="020B0604020202020204" pitchFamily="34" charset="0"/>
+                <a:cs typeface="Arial" panose="020B0604020202020204" pitchFamily="34" charset="0"/>
+              </a:rPr>
+              <a:t> </a:t>
+            </a:r>
+            <a:r>
+              <a:rPr lang="en-US" sz="3200" b="1" spc="-1" dirty="0" err="1">
+                <a:solidFill>
+                  <a:srgbClr val="660033"/>
+                </a:solidFill>
+                <a:latin typeface="Arial" panose="020B0604020202020204" pitchFamily="34" charset="0"/>
+                <a:cs typeface="Arial" panose="020B0604020202020204" pitchFamily="34" charset="0"/>
               </a:rPr>
               <a:t>Chúa</a:t>
             </a:r>
@@ -6424,7 +6626,8 @@
                 <a:solidFill>
                   <a:srgbClr val="660033"/>
                 </a:solidFill>
-                <a:latin typeface="Constantia"/>
+                <a:latin typeface="Arial" panose="020B0604020202020204" pitchFamily="34" charset="0"/>
+                <a:cs typeface="Arial" panose="020B0604020202020204" pitchFamily="34" charset="0"/>
               </a:rPr>
               <a:t> con </a:t>
             </a:r>
@@ -6433,7 +6636,8 @@
                 <a:solidFill>
                   <a:srgbClr val="660033"/>
                 </a:solidFill>
-                <a:latin typeface="Constantia"/>
+                <a:latin typeface="Arial" panose="020B0604020202020204" pitchFamily="34" charset="0"/>
+                <a:cs typeface="Arial" panose="020B0604020202020204" pitchFamily="34" charset="0"/>
               </a:rPr>
               <a:t>Chúa</a:t>
             </a:r>
@@ -6442,16 +6646,18 @@
                 <a:solidFill>
                   <a:srgbClr val="660033"/>
                 </a:solidFill>
-                <a:latin typeface="Constantia"/>
-              </a:rPr>
-              <a:t> </a:t>
-            </a:r>
-            <a:r>
-              <a:rPr lang="en-US" sz="3200" b="1" spc="-1" dirty="0" err="1">
-                <a:solidFill>
-                  <a:srgbClr val="660033"/>
-                </a:solidFill>
-                <a:latin typeface="Constantia"/>
+                <a:latin typeface="Arial" panose="020B0604020202020204" pitchFamily="34" charset="0"/>
+                <a:cs typeface="Arial" panose="020B0604020202020204" pitchFamily="34" charset="0"/>
+              </a:rPr>
+              <a:t> </a:t>
+            </a:r>
+            <a:r>
+              <a:rPr lang="en-US" sz="3200" b="1" spc="-1" dirty="0" err="1">
+                <a:solidFill>
+                  <a:srgbClr val="660033"/>
+                </a:solidFill>
+                <a:latin typeface="Arial" panose="020B0604020202020204" pitchFamily="34" charset="0"/>
+                <a:cs typeface="Arial" panose="020B0604020202020204" pitchFamily="34" charset="0"/>
               </a:rPr>
               <a:t>có</a:t>
             </a:r>
@@ -6460,16 +6666,18 @@
                 <a:solidFill>
                   <a:srgbClr val="660033"/>
                 </a:solidFill>
-                <a:latin typeface="Constantia"/>
-              </a:rPr>
-              <a:t> </a:t>
-            </a:r>
-            <a:r>
-              <a:rPr lang="en-US" sz="3200" b="1" spc="-1" dirty="0" err="1">
-                <a:solidFill>
-                  <a:srgbClr val="660033"/>
-                </a:solidFill>
-                <a:latin typeface="Constantia"/>
+                <a:latin typeface="Arial" panose="020B0604020202020204" pitchFamily="34" charset="0"/>
+                <a:cs typeface="Arial" panose="020B0604020202020204" pitchFamily="34" charset="0"/>
+              </a:rPr>
+              <a:t> </a:t>
+            </a:r>
+            <a:r>
+              <a:rPr lang="en-US" sz="3200" b="1" spc="-1" dirty="0" err="1">
+                <a:solidFill>
+                  <a:srgbClr val="660033"/>
+                </a:solidFill>
+                <a:latin typeface="Arial" panose="020B0604020202020204" pitchFamily="34" charset="0"/>
+                <a:cs typeface="Arial" panose="020B0604020202020204" pitchFamily="34" charset="0"/>
               </a:rPr>
               <a:t>danh</a:t>
             </a:r>
@@ -6478,16 +6686,18 @@
                 <a:solidFill>
                   <a:srgbClr val="660033"/>
                 </a:solidFill>
-                <a:latin typeface="Constantia"/>
-              </a:rPr>
-              <a:t> </a:t>
-            </a:r>
-            <a:r>
-              <a:rPr lang="en-US" sz="3200" b="1" spc="-1" dirty="0" err="1">
-                <a:solidFill>
-                  <a:srgbClr val="660033"/>
-                </a:solidFill>
-                <a:latin typeface="Constantia"/>
+                <a:latin typeface="Arial" panose="020B0604020202020204" pitchFamily="34" charset="0"/>
+                <a:cs typeface="Arial" panose="020B0604020202020204" pitchFamily="34" charset="0"/>
+              </a:rPr>
+              <a:t> </a:t>
+            </a:r>
+            <a:r>
+              <a:rPr lang="en-US" sz="3200" b="1" spc="-1" dirty="0" err="1">
+                <a:solidFill>
+                  <a:srgbClr val="660033"/>
+                </a:solidFill>
+                <a:latin typeface="Arial" panose="020B0604020202020204" pitchFamily="34" charset="0"/>
+                <a:cs typeface="Arial" panose="020B0604020202020204" pitchFamily="34" charset="0"/>
               </a:rPr>
               <a:t>đẹp</a:t>
             </a:r>
@@ -6496,16 +6706,18 @@
                 <a:solidFill>
                   <a:srgbClr val="660033"/>
                 </a:solidFill>
-                <a:latin typeface="Constantia"/>
-              </a:rPr>
-              <a:t> </a:t>
-            </a:r>
-            <a:r>
-              <a:rPr lang="en-US" sz="3200" b="1" spc="-1" dirty="0" err="1">
-                <a:solidFill>
-                  <a:srgbClr val="660033"/>
-                </a:solidFill>
-                <a:latin typeface="Constantia"/>
+                <a:latin typeface="Arial" panose="020B0604020202020204" pitchFamily="34" charset="0"/>
+                <a:cs typeface="Arial" panose="020B0604020202020204" pitchFamily="34" charset="0"/>
+              </a:rPr>
+              <a:t> </a:t>
+            </a:r>
+            <a:r>
+              <a:rPr lang="en-US" sz="3200" b="1" spc="-1" dirty="0" err="1">
+                <a:solidFill>
+                  <a:srgbClr val="660033"/>
+                </a:solidFill>
+                <a:latin typeface="Arial" panose="020B0604020202020204" pitchFamily="34" charset="0"/>
+                <a:cs typeface="Arial" panose="020B0604020202020204" pitchFamily="34" charset="0"/>
               </a:rPr>
               <a:t>thay</a:t>
             </a:r>
@@ -6513,7 +6725,8 @@
               <a:solidFill>
                 <a:srgbClr val="660033"/>
               </a:solidFill>
-              <a:latin typeface="Constantia"/>
+              <a:latin typeface="Arial" panose="020B0604020202020204" pitchFamily="34" charset="0"/>
+              <a:cs typeface="Arial" panose="020B0604020202020204" pitchFamily="34" charset="0"/>
             </a:endParaRPr>
           </a:p>
           <a:p>
@@ -6530,7 +6743,8 @@
                 <a:solidFill>
                   <a:srgbClr val="660033"/>
                 </a:solidFill>
-                <a:latin typeface="Constantia"/>
+                <a:latin typeface="Arial" panose="020B0604020202020204" pitchFamily="34" charset="0"/>
+                <a:cs typeface="Arial" panose="020B0604020202020204" pitchFamily="34" charset="0"/>
               </a:rPr>
               <a:t>Giê-xu</a:t>
             </a:r>
@@ -6539,16 +6753,18 @@
                 <a:solidFill>
                   <a:srgbClr val="660033"/>
                 </a:solidFill>
-                <a:latin typeface="Constantia"/>
-              </a:rPr>
-              <a:t> </a:t>
-            </a:r>
-            <a:r>
-              <a:rPr lang="en-US" sz="3200" b="1" spc="-1" dirty="0" err="1">
-                <a:solidFill>
-                  <a:srgbClr val="660033"/>
-                </a:solidFill>
-                <a:latin typeface="Constantia"/>
+                <a:latin typeface="Arial" panose="020B0604020202020204" pitchFamily="34" charset="0"/>
+                <a:cs typeface="Arial" panose="020B0604020202020204" pitchFamily="34" charset="0"/>
+              </a:rPr>
+              <a:t> </a:t>
+            </a:r>
+            <a:r>
+              <a:rPr lang="en-US" sz="3200" b="1" spc="-1" dirty="0" err="1">
+                <a:solidFill>
+                  <a:srgbClr val="660033"/>
+                </a:solidFill>
+                <a:latin typeface="Arial" panose="020B0604020202020204" pitchFamily="34" charset="0"/>
+                <a:cs typeface="Arial" panose="020B0604020202020204" pitchFamily="34" charset="0"/>
               </a:rPr>
               <a:t>là</a:t>
             </a:r>
@@ -6557,16 +6773,18 @@
                 <a:solidFill>
                   <a:srgbClr val="660033"/>
                 </a:solidFill>
-                <a:latin typeface="Constantia"/>
-              </a:rPr>
-              <a:t> </a:t>
-            </a:r>
-            <a:r>
-              <a:rPr lang="en-US" sz="3200" b="1" spc="-1" dirty="0" err="1">
-                <a:solidFill>
-                  <a:srgbClr val="660033"/>
-                </a:solidFill>
-                <a:latin typeface="Constantia"/>
+                <a:latin typeface="Arial" panose="020B0604020202020204" pitchFamily="34" charset="0"/>
+                <a:cs typeface="Arial" panose="020B0604020202020204" pitchFamily="34" charset="0"/>
+              </a:rPr>
+              <a:t> </a:t>
+            </a:r>
+            <a:r>
+              <a:rPr lang="en-US" sz="3200" b="1" spc="-1" dirty="0" err="1">
+                <a:solidFill>
+                  <a:srgbClr val="660033"/>
+                </a:solidFill>
+                <a:latin typeface="Arial" panose="020B0604020202020204" pitchFamily="34" charset="0"/>
+                <a:cs typeface="Arial" panose="020B0604020202020204" pitchFamily="34" charset="0"/>
               </a:rPr>
               <a:t>Chúa</a:t>
             </a:r>
@@ -6575,7 +6793,8 @@
                 <a:solidFill>
                   <a:srgbClr val="660033"/>
                 </a:solidFill>
-                <a:latin typeface="Constantia"/>
+                <a:latin typeface="Arial" panose="020B0604020202020204" pitchFamily="34" charset="0"/>
+                <a:cs typeface="Arial" panose="020B0604020202020204" pitchFamily="34" charset="0"/>
               </a:rPr>
               <a:t> con </a:t>
             </a:r>
@@ -6584,7 +6803,8 @@
                 <a:solidFill>
                   <a:srgbClr val="660033"/>
                 </a:solidFill>
-                <a:latin typeface="Constantia"/>
+                <a:latin typeface="Arial" panose="020B0604020202020204" pitchFamily="34" charset="0"/>
+                <a:cs typeface="Arial" panose="020B0604020202020204" pitchFamily="34" charset="0"/>
               </a:rPr>
               <a:t>Quí</a:t>
             </a:r>
@@ -6593,16 +6813,18 @@
                 <a:solidFill>
                   <a:srgbClr val="660033"/>
                 </a:solidFill>
-                <a:latin typeface="Constantia"/>
-              </a:rPr>
-              <a:t> </a:t>
-            </a:r>
-            <a:r>
-              <a:rPr lang="en-US" sz="3200" b="1" spc="-1" dirty="0" err="1">
-                <a:solidFill>
-                  <a:srgbClr val="660033"/>
-                </a:solidFill>
-                <a:latin typeface="Constantia"/>
+                <a:latin typeface="Arial" panose="020B0604020202020204" pitchFamily="34" charset="0"/>
+                <a:cs typeface="Arial" panose="020B0604020202020204" pitchFamily="34" charset="0"/>
+              </a:rPr>
+              <a:t> </a:t>
+            </a:r>
+            <a:r>
+              <a:rPr lang="en-US" sz="3200" b="1" spc="-1" dirty="0" err="1">
+                <a:solidFill>
+                  <a:srgbClr val="660033"/>
+                </a:solidFill>
+                <a:latin typeface="Arial" panose="020B0604020202020204" pitchFamily="34" charset="0"/>
+                <a:cs typeface="Arial" panose="020B0604020202020204" pitchFamily="34" charset="0"/>
               </a:rPr>
               <a:t>báu</a:t>
             </a:r>
@@ -6611,16 +6833,18 @@
                 <a:solidFill>
                   <a:srgbClr val="660033"/>
                 </a:solidFill>
-                <a:latin typeface="Constantia"/>
-              </a:rPr>
-              <a:t> </a:t>
-            </a:r>
-            <a:r>
-              <a:rPr lang="en-US" sz="3200" b="1" spc="-1" dirty="0" err="1">
-                <a:solidFill>
-                  <a:srgbClr val="660033"/>
-                </a:solidFill>
-                <a:latin typeface="Constantia"/>
+                <a:latin typeface="Arial" panose="020B0604020202020204" pitchFamily="34" charset="0"/>
+                <a:cs typeface="Arial" panose="020B0604020202020204" pitchFamily="34" charset="0"/>
+              </a:rPr>
+              <a:t> </a:t>
+            </a:r>
+            <a:r>
+              <a:rPr lang="en-US" sz="3200" b="1" spc="-1" dirty="0" err="1">
+                <a:solidFill>
+                  <a:srgbClr val="660033"/>
+                </a:solidFill>
+                <a:latin typeface="Arial" panose="020B0604020202020204" pitchFamily="34" charset="0"/>
+                <a:cs typeface="Arial" panose="020B0604020202020204" pitchFamily="34" charset="0"/>
               </a:rPr>
               <a:t>thay</a:t>
             </a:r>
@@ -6629,16 +6853,18 @@
                 <a:solidFill>
                   <a:srgbClr val="660033"/>
                 </a:solidFill>
-                <a:latin typeface="Constantia"/>
-              </a:rPr>
-              <a:t> </a:t>
-            </a:r>
-            <a:r>
-              <a:rPr lang="en-US" sz="3200" b="1" spc="-1" dirty="0" err="1">
-                <a:solidFill>
-                  <a:srgbClr val="660033"/>
-                </a:solidFill>
-                <a:latin typeface="Constantia"/>
+                <a:latin typeface="Arial" panose="020B0604020202020204" pitchFamily="34" charset="0"/>
+                <a:cs typeface="Arial" panose="020B0604020202020204" pitchFamily="34" charset="0"/>
+              </a:rPr>
+              <a:t> </a:t>
+            </a:r>
+            <a:r>
+              <a:rPr lang="en-US" sz="3200" b="1" spc="-1" dirty="0" err="1">
+                <a:solidFill>
+                  <a:srgbClr val="660033"/>
+                </a:solidFill>
+                <a:latin typeface="Arial" panose="020B0604020202020204" pitchFamily="34" charset="0"/>
+                <a:cs typeface="Arial" panose="020B0604020202020204" pitchFamily="34" charset="0"/>
               </a:rPr>
               <a:t>danh</a:t>
             </a:r>
@@ -6647,16 +6873,18 @@
                 <a:solidFill>
                   <a:srgbClr val="660033"/>
                 </a:solidFill>
-                <a:latin typeface="Constantia"/>
-              </a:rPr>
-              <a:t> </a:t>
-            </a:r>
-            <a:r>
-              <a:rPr lang="en-US" sz="3200" b="1" spc="-1" dirty="0" err="1">
-                <a:solidFill>
-                  <a:srgbClr val="660033"/>
-                </a:solidFill>
-                <a:latin typeface="Constantia"/>
+                <a:latin typeface="Arial" panose="020B0604020202020204" pitchFamily="34" charset="0"/>
+                <a:cs typeface="Arial" panose="020B0604020202020204" pitchFamily="34" charset="0"/>
+              </a:rPr>
+              <a:t> </a:t>
+            </a:r>
+            <a:r>
+              <a:rPr lang="en-US" sz="3200" b="1" spc="-1" dirty="0" err="1">
+                <a:solidFill>
+                  <a:srgbClr val="660033"/>
+                </a:solidFill>
+                <a:latin typeface="Arial" panose="020B0604020202020204" pitchFamily="34" charset="0"/>
+                <a:cs typeface="Arial" panose="020B0604020202020204" pitchFamily="34" charset="0"/>
               </a:rPr>
               <a:t>Ngài</a:t>
             </a:r>
@@ -6664,7 +6892,8 @@
               <a:solidFill>
                 <a:srgbClr val="660033"/>
               </a:solidFill>
-              <a:latin typeface="Constantia"/>
+              <a:latin typeface="Arial" panose="020B0604020202020204" pitchFamily="34" charset="0"/>
+              <a:cs typeface="Arial" panose="020B0604020202020204" pitchFamily="34" charset="0"/>
             </a:endParaRPr>
           </a:p>
         </p:txBody>

--- a/中越詩歌/你是我的一切_Ngài là muôn nhu cầu con.pptx
+++ b/中越詩歌/你是我的一切_Ngài là muôn nhu cầu con.pptx
@@ -3392,14 +3392,24 @@
           <a:p>
             <a:pPr algn="ctr"/>
             <a:r>
-              <a:rPr lang="en-US" sz="4000" b="1" strike="noStrike" spc="-1" dirty="0" err="1">
+              <a:rPr lang="zh-CN" altLang="en-US" sz="4000" b="1" spc="-1" dirty="0" err="1">
                 <a:solidFill>
                   <a:srgbClr val="000066"/>
                 </a:solidFill>
                 <a:latin typeface="微軟正黑體"/>
                 <a:ea typeface="微軟正黑體"/>
               </a:rPr>
-              <a:t>你是我的一切</a:t>
+              <a:t>袮</a:t>
+            </a:r>
+            <a:r>
+              <a:rPr lang="en-US" sz="4000" b="1" strike="noStrike" spc="-1" dirty="0" err="1" smtClean="0">
+                <a:solidFill>
+                  <a:srgbClr val="000066"/>
+                </a:solidFill>
+                <a:latin typeface="微軟正黑體"/>
+                <a:ea typeface="微軟正黑體"/>
+              </a:rPr>
+              <a:t>是我的一切</a:t>
             </a:r>
             <a:r>
               <a:rPr dirty="0"/>
@@ -3461,48 +3471,141 @@
               </a:spcBef>
             </a:pPr>
             <a:r>
-              <a:rPr lang="en-US" sz="4800" b="1" strike="noStrike" spc="-1" dirty="0" err="1">
+              <a:rPr lang="zh-CN" altLang="en-US" sz="4800" b="1" spc="-1" dirty="0">
                 <a:solidFill>
                   <a:srgbClr val="000066"/>
                 </a:solidFill>
+                <a:effectLst>
+                  <a:outerShdw blurRad="38100" dist="38100" dir="2700000" algn="tl">
+                    <a:srgbClr val="000000">
+                      <a:alpha val="43137"/>
+                    </a:srgbClr>
+                  </a:outerShdw>
+                </a:effectLst>
                 <a:latin typeface="微軟正黑體"/>
                 <a:ea typeface="微軟正黑體"/>
               </a:rPr>
-              <a:t>你是我倚靠的力量</a:t>
+              <a:t>袮</a:t>
+            </a:r>
+            <a:r>
+              <a:rPr lang="en-US" sz="4800" b="1" strike="noStrike" spc="-1" dirty="0" err="1" smtClean="0">
+                <a:solidFill>
+                  <a:srgbClr val="000066"/>
+                </a:solidFill>
+                <a:effectLst>
+                  <a:outerShdw blurRad="38100" dist="38100" dir="2700000" algn="tl">
+                    <a:srgbClr val="000000">
+                      <a:alpha val="43137"/>
+                    </a:srgbClr>
+                  </a:outerShdw>
+                </a:effectLst>
+                <a:latin typeface="微軟正黑體"/>
+                <a:ea typeface="微軟正黑體"/>
+              </a:rPr>
+              <a:t>是我倚靠的力量</a:t>
             </a:r>
             <a:endParaRPr lang="en-US" sz="4800" b="0" strike="noStrike" spc="-1" dirty="0">
+              <a:effectLst>
+                <a:outerShdw blurRad="38100" dist="38100" dir="2700000" algn="tl">
+                  <a:srgbClr val="000000">
+                    <a:alpha val="43137"/>
+                  </a:srgbClr>
+                </a:outerShdw>
+              </a:effectLst>
               <a:latin typeface="Arial"/>
             </a:endParaRPr>
           </a:p>
           <a:p>
             <a:pPr algn="ctr"/>
             <a:r>
-              <a:rPr lang="en-US" sz="4800" b="1" strike="noStrike" spc="-1" dirty="0" err="1">
+              <a:rPr lang="zh-CN" altLang="en-US" sz="4800" b="1" spc="-1" dirty="0">
                 <a:solidFill>
                   <a:srgbClr val="000066"/>
                 </a:solidFill>
+                <a:effectLst>
+                  <a:outerShdw blurRad="38100" dist="38100" dir="2700000" algn="tl">
+                    <a:srgbClr val="000000">
+                      <a:alpha val="43137"/>
+                    </a:srgbClr>
+                  </a:outerShdw>
+                </a:effectLst>
                 <a:latin typeface="微軟正黑體"/>
                 <a:ea typeface="微軟正黑體"/>
               </a:rPr>
-              <a:t>你是我尋求的寶藏</a:t>
+              <a:t>袮</a:t>
+            </a:r>
+            <a:r>
+              <a:rPr lang="en-US" sz="4800" b="1" strike="noStrike" spc="-1" dirty="0" err="1" smtClean="0">
+                <a:solidFill>
+                  <a:srgbClr val="000066"/>
+                </a:solidFill>
+                <a:effectLst>
+                  <a:outerShdw blurRad="38100" dist="38100" dir="2700000" algn="tl">
+                    <a:srgbClr val="000000">
+                      <a:alpha val="43137"/>
+                    </a:srgbClr>
+                  </a:outerShdw>
+                </a:effectLst>
+                <a:latin typeface="微軟正黑體"/>
+                <a:ea typeface="微軟正黑體"/>
+              </a:rPr>
+              <a:t>是我尋求的寶藏</a:t>
             </a:r>
             <a:endParaRPr lang="en-US" sz="4800" b="0" strike="noStrike" spc="-1" dirty="0">
+              <a:effectLst>
+                <a:outerShdw blurRad="38100" dist="38100" dir="2700000" algn="tl">
+                  <a:srgbClr val="000000">
+                    <a:alpha val="43137"/>
+                  </a:srgbClr>
+                </a:outerShdw>
+              </a:effectLst>
               <a:latin typeface="Arial"/>
             </a:endParaRPr>
           </a:p>
           <a:p>
             <a:pPr algn="ctr"/>
             <a:r>
-              <a:rPr lang="en-US" sz="4800" b="1" strike="noStrike" spc="-1" dirty="0" err="1">
+              <a:rPr lang="zh-CN" altLang="en-US" sz="4800" b="1" spc="-1" dirty="0">
                 <a:solidFill>
                   <a:srgbClr val="000066"/>
                 </a:solidFill>
+                <a:effectLst>
+                  <a:outerShdw blurRad="38100" dist="38100" dir="2700000" algn="tl">
+                    <a:srgbClr val="000000">
+                      <a:alpha val="43137"/>
+                    </a:srgbClr>
+                  </a:outerShdw>
+                </a:effectLst>
                 <a:latin typeface="微軟正黑體"/>
                 <a:ea typeface="微軟正黑體"/>
               </a:rPr>
-              <a:t>你是我的一切</a:t>
+              <a:t>袮</a:t>
+            </a:r>
+            <a:r>
+              <a:rPr lang="en-US" sz="4800" b="1" strike="noStrike" spc="-1" dirty="0" err="1" smtClean="0">
+                <a:solidFill>
+                  <a:srgbClr val="000066"/>
+                </a:solidFill>
+                <a:effectLst>
+                  <a:outerShdw blurRad="38100" dist="38100" dir="2700000" algn="tl">
+                    <a:srgbClr val="000000">
+                      <a:alpha val="43137"/>
+                    </a:srgbClr>
+                  </a:outerShdw>
+                </a:effectLst>
+                <a:latin typeface="微軟正黑體"/>
+                <a:ea typeface="微軟正黑體"/>
+              </a:rPr>
+              <a:t>是我的一切</a:t>
             </a:r>
             <a:endParaRPr lang="en-US" sz="4800" b="0" strike="noStrike" spc="-1" dirty="0">
+              <a:effectLst>
+                <a:outerShdw blurRad="38100" dist="38100" dir="2700000" algn="tl">
+                  <a:srgbClr val="000000">
+                    <a:alpha val="43137"/>
+                  </a:srgbClr>
+                </a:outerShdw>
+              </a:effectLst>
               <a:latin typeface="Arial"/>
             </a:endParaRPr>
           </a:p>
@@ -3544,6 +3647,13 @@
                 <a:solidFill>
                   <a:srgbClr val="660033"/>
                 </a:solidFill>
+                <a:effectLst>
+                  <a:outerShdw blurRad="38100" dist="38100" dir="2700000" algn="tl">
+                    <a:srgbClr val="000000">
+                      <a:alpha val="43137"/>
+                    </a:srgbClr>
+                  </a:outerShdw>
+                </a:effectLst>
                 <a:latin typeface="Arial" panose="020B0604020202020204" pitchFamily="34" charset="0"/>
                 <a:ea typeface="Microsoft YaHei"/>
                 <a:cs typeface="Arial" panose="020B0604020202020204" pitchFamily="34" charset="0"/>
@@ -3555,6 +3665,13 @@
                 <a:solidFill>
                   <a:srgbClr val="660033"/>
                 </a:solidFill>
+                <a:effectLst>
+                  <a:outerShdw blurRad="38100" dist="38100" dir="2700000" algn="tl">
+                    <a:srgbClr val="000000">
+                      <a:alpha val="43137"/>
+                    </a:srgbClr>
+                  </a:outerShdw>
+                </a:effectLst>
                 <a:latin typeface="Arial" panose="020B0604020202020204" pitchFamily="34" charset="0"/>
                 <a:cs typeface="Arial" panose="020B0604020202020204" pitchFamily="34" charset="0"/>
               </a:rPr>
@@ -3565,6 +3682,13 @@
                 <a:solidFill>
                   <a:srgbClr val="660033"/>
                 </a:solidFill>
+                <a:effectLst>
+                  <a:outerShdw blurRad="38100" dist="38100" dir="2700000" algn="tl">
+                    <a:srgbClr val="000000">
+                      <a:alpha val="43137"/>
+                    </a:srgbClr>
+                  </a:outerShdw>
+                </a:effectLst>
                 <a:latin typeface="Arial" panose="020B0604020202020204" pitchFamily="34" charset="0"/>
                 <a:cs typeface="Arial" panose="020B0604020202020204" pitchFamily="34" charset="0"/>
               </a:rPr>
@@ -3575,6 +3699,13 @@
                 <a:solidFill>
                   <a:srgbClr val="660033"/>
                 </a:solidFill>
+                <a:effectLst>
+                  <a:outerShdw blurRad="38100" dist="38100" dir="2700000" algn="tl">
+                    <a:srgbClr val="000000">
+                      <a:alpha val="43137"/>
+                    </a:srgbClr>
+                  </a:outerShdw>
+                </a:effectLst>
                 <a:latin typeface="Arial" panose="020B0604020202020204" pitchFamily="34" charset="0"/>
                 <a:cs typeface="Arial" panose="020B0604020202020204" pitchFamily="34" charset="0"/>
               </a:rPr>
@@ -3585,6 +3716,13 @@
                 <a:solidFill>
                   <a:srgbClr val="660033"/>
                 </a:solidFill>
+                <a:effectLst>
+                  <a:outerShdw blurRad="38100" dist="38100" dir="2700000" algn="tl">
+                    <a:srgbClr val="000000">
+                      <a:alpha val="43137"/>
+                    </a:srgbClr>
+                  </a:outerShdw>
+                </a:effectLst>
                 <a:latin typeface="Arial" panose="020B0604020202020204" pitchFamily="34" charset="0"/>
                 <a:cs typeface="Arial" panose="020B0604020202020204" pitchFamily="34" charset="0"/>
               </a:rPr>
@@ -3595,6 +3733,13 @@
                 <a:solidFill>
                   <a:srgbClr val="660033"/>
                 </a:solidFill>
+                <a:effectLst>
+                  <a:outerShdw blurRad="38100" dist="38100" dir="2700000" algn="tl">
+                    <a:srgbClr val="000000">
+                      <a:alpha val="43137"/>
+                    </a:srgbClr>
+                  </a:outerShdw>
+                </a:effectLst>
                 <a:latin typeface="Arial" panose="020B0604020202020204" pitchFamily="34" charset="0"/>
                 <a:cs typeface="Arial" panose="020B0604020202020204" pitchFamily="34" charset="0"/>
               </a:rPr>
@@ -3605,6 +3750,13 @@
                 <a:solidFill>
                   <a:srgbClr val="660033"/>
                 </a:solidFill>
+                <a:effectLst>
+                  <a:outerShdw blurRad="38100" dist="38100" dir="2700000" algn="tl">
+                    <a:srgbClr val="000000">
+                      <a:alpha val="43137"/>
+                    </a:srgbClr>
+                  </a:outerShdw>
+                </a:effectLst>
                 <a:latin typeface="Arial" panose="020B0604020202020204" pitchFamily="34" charset="0"/>
                 <a:cs typeface="Arial" panose="020B0604020202020204" pitchFamily="34" charset="0"/>
               </a:rPr>
@@ -3615,6 +3767,13 @@
                 <a:solidFill>
                   <a:srgbClr val="660033"/>
                 </a:solidFill>
+                <a:effectLst>
+                  <a:outerShdw blurRad="38100" dist="38100" dir="2700000" algn="tl">
+                    <a:srgbClr val="000000">
+                      <a:alpha val="43137"/>
+                    </a:srgbClr>
+                  </a:outerShdw>
+                </a:effectLst>
                 <a:latin typeface="Arial" panose="020B0604020202020204" pitchFamily="34" charset="0"/>
                 <a:cs typeface="Arial" panose="020B0604020202020204" pitchFamily="34" charset="0"/>
               </a:rPr>
@@ -3625,6 +3784,13 @@
                 <a:solidFill>
                   <a:srgbClr val="660033"/>
                 </a:solidFill>
+                <a:effectLst>
+                  <a:outerShdw blurRad="38100" dist="38100" dir="2700000" algn="tl">
+                    <a:srgbClr val="000000">
+                      <a:alpha val="43137"/>
+                    </a:srgbClr>
+                  </a:outerShdw>
+                </a:effectLst>
                 <a:latin typeface="Arial" panose="020B0604020202020204" pitchFamily="34" charset="0"/>
                 <a:cs typeface="Arial" panose="020B0604020202020204" pitchFamily="34" charset="0"/>
               </a:rPr>
@@ -3635,6 +3801,13 @@
                 <a:solidFill>
                   <a:srgbClr val="660033"/>
                 </a:solidFill>
+                <a:effectLst>
+                  <a:outerShdw blurRad="38100" dist="38100" dir="2700000" algn="tl">
+                    <a:srgbClr val="000000">
+                      <a:alpha val="43137"/>
+                    </a:srgbClr>
+                  </a:outerShdw>
+                </a:effectLst>
                 <a:latin typeface="Arial" panose="020B0604020202020204" pitchFamily="34" charset="0"/>
                 <a:cs typeface="Arial" panose="020B0604020202020204" pitchFamily="34" charset="0"/>
               </a:rPr>
@@ -3645,6 +3818,13 @@
                 <a:solidFill>
                   <a:srgbClr val="660033"/>
                 </a:solidFill>
+                <a:effectLst>
+                  <a:outerShdw blurRad="38100" dist="38100" dir="2700000" algn="tl">
+                    <a:srgbClr val="000000">
+                      <a:alpha val="43137"/>
+                    </a:srgbClr>
+                  </a:outerShdw>
+                </a:effectLst>
                 <a:latin typeface="Arial" panose="020B0604020202020204" pitchFamily="34" charset="0"/>
                 <a:cs typeface="Arial" panose="020B0604020202020204" pitchFamily="34" charset="0"/>
               </a:rPr>
@@ -3655,6 +3835,13 @@
                 <a:solidFill>
                   <a:srgbClr val="660033"/>
                 </a:solidFill>
+                <a:effectLst>
+                  <a:outerShdw blurRad="38100" dist="38100" dir="2700000" algn="tl">
+                    <a:srgbClr val="000000">
+                      <a:alpha val="43137"/>
+                    </a:srgbClr>
+                  </a:outerShdw>
+                </a:effectLst>
                 <a:latin typeface="Arial" panose="020B0604020202020204" pitchFamily="34" charset="0"/>
                 <a:cs typeface="Arial" panose="020B0604020202020204" pitchFamily="34" charset="0"/>
               </a:rPr>
@@ -3665,6 +3852,13 @@
                 <a:solidFill>
                   <a:srgbClr val="660033"/>
                 </a:solidFill>
+                <a:effectLst>
+                  <a:outerShdw blurRad="38100" dist="38100" dir="2700000" algn="tl">
+                    <a:srgbClr val="000000">
+                      <a:alpha val="43137"/>
+                    </a:srgbClr>
+                  </a:outerShdw>
+                </a:effectLst>
                 <a:latin typeface="Arial" panose="020B0604020202020204" pitchFamily="34" charset="0"/>
                 <a:cs typeface="Arial" panose="020B0604020202020204" pitchFamily="34" charset="0"/>
               </a:rPr>
@@ -3675,6 +3869,13 @@
                 <a:solidFill>
                   <a:srgbClr val="660033"/>
                 </a:solidFill>
+                <a:effectLst>
+                  <a:outerShdw blurRad="38100" dist="38100" dir="2700000" algn="tl">
+                    <a:srgbClr val="000000">
+                      <a:alpha val="43137"/>
+                    </a:srgbClr>
+                  </a:outerShdw>
+                </a:effectLst>
                 <a:latin typeface="Arial" panose="020B0604020202020204" pitchFamily="34" charset="0"/>
                 <a:cs typeface="Arial" panose="020B0604020202020204" pitchFamily="34" charset="0"/>
               </a:rPr>
@@ -3684,6 +3885,13 @@
               <a:solidFill>
                 <a:srgbClr val="660033"/>
               </a:solidFill>
+              <a:effectLst>
+                <a:outerShdw blurRad="38100" dist="38100" dir="2700000" algn="tl">
+                  <a:srgbClr val="000000">
+                    <a:alpha val="43137"/>
+                  </a:srgbClr>
+                </a:outerShdw>
+              </a:effectLst>
               <a:latin typeface="Arial" panose="020B0604020202020204" pitchFamily="34" charset="0"/>
               <a:cs typeface="Arial" panose="020B0604020202020204" pitchFamily="34" charset="0"/>
             </a:endParaRPr>
@@ -3695,6 +3903,13 @@
                 <a:solidFill>
                   <a:srgbClr val="660033"/>
                 </a:solidFill>
+                <a:effectLst>
+                  <a:outerShdw blurRad="38100" dist="38100" dir="2700000" algn="tl">
+                    <a:srgbClr val="000000">
+                      <a:alpha val="43137"/>
+                    </a:srgbClr>
+                  </a:outerShdw>
+                </a:effectLst>
                 <a:latin typeface="Arial" panose="020B0604020202020204" pitchFamily="34" charset="0"/>
                 <a:cs typeface="Arial" panose="020B0604020202020204" pitchFamily="34" charset="0"/>
               </a:rPr>
@@ -3705,6 +3920,13 @@
                 <a:solidFill>
                   <a:srgbClr val="660033"/>
                 </a:solidFill>
+                <a:effectLst>
+                  <a:outerShdw blurRad="38100" dist="38100" dir="2700000" algn="tl">
+                    <a:srgbClr val="000000">
+                      <a:alpha val="43137"/>
+                    </a:srgbClr>
+                  </a:outerShdw>
+                </a:effectLst>
                 <a:latin typeface="Arial" panose="020B0604020202020204" pitchFamily="34" charset="0"/>
                 <a:cs typeface="Arial" panose="020B0604020202020204" pitchFamily="34" charset="0"/>
               </a:rPr>
@@ -3715,6 +3937,13 @@
                 <a:solidFill>
                   <a:srgbClr val="660033"/>
                 </a:solidFill>
+                <a:effectLst>
+                  <a:outerShdw blurRad="38100" dist="38100" dir="2700000" algn="tl">
+                    <a:srgbClr val="000000">
+                      <a:alpha val="43137"/>
+                    </a:srgbClr>
+                  </a:outerShdw>
+                </a:effectLst>
                 <a:latin typeface="Arial" panose="020B0604020202020204" pitchFamily="34" charset="0"/>
                 <a:cs typeface="Arial" panose="020B0604020202020204" pitchFamily="34" charset="0"/>
               </a:rPr>
@@ -3725,6 +3954,13 @@
                 <a:solidFill>
                   <a:srgbClr val="660033"/>
                 </a:solidFill>
+                <a:effectLst>
+                  <a:outerShdw blurRad="38100" dist="38100" dir="2700000" algn="tl">
+                    <a:srgbClr val="000000">
+                      <a:alpha val="43137"/>
+                    </a:srgbClr>
+                  </a:outerShdw>
+                </a:effectLst>
                 <a:latin typeface="Arial" panose="020B0604020202020204" pitchFamily="34" charset="0"/>
                 <a:cs typeface="Arial" panose="020B0604020202020204" pitchFamily="34" charset="0"/>
               </a:rPr>
@@ -3735,6 +3971,13 @@
                 <a:solidFill>
                   <a:srgbClr val="660033"/>
                 </a:solidFill>
+                <a:effectLst>
+                  <a:outerShdw blurRad="38100" dist="38100" dir="2700000" algn="tl">
+                    <a:srgbClr val="000000">
+                      <a:alpha val="43137"/>
+                    </a:srgbClr>
+                  </a:outerShdw>
+                </a:effectLst>
                 <a:latin typeface="Arial" panose="020B0604020202020204" pitchFamily="34" charset="0"/>
                 <a:cs typeface="Arial" panose="020B0604020202020204" pitchFamily="34" charset="0"/>
               </a:rPr>
@@ -3745,6 +3988,13 @@
                 <a:solidFill>
                   <a:srgbClr val="660033"/>
                 </a:solidFill>
+                <a:effectLst>
+                  <a:outerShdw blurRad="38100" dist="38100" dir="2700000" algn="tl">
+                    <a:srgbClr val="000000">
+                      <a:alpha val="43137"/>
+                    </a:srgbClr>
+                  </a:outerShdw>
+                </a:effectLst>
                 <a:latin typeface="Arial" panose="020B0604020202020204" pitchFamily="34" charset="0"/>
                 <a:cs typeface="Arial" panose="020B0604020202020204" pitchFamily="34" charset="0"/>
               </a:rPr>
@@ -3755,6 +4005,13 @@
                 <a:solidFill>
                   <a:srgbClr val="660033"/>
                 </a:solidFill>
+                <a:effectLst>
+                  <a:outerShdw blurRad="38100" dist="38100" dir="2700000" algn="tl">
+                    <a:srgbClr val="000000">
+                      <a:alpha val="43137"/>
+                    </a:srgbClr>
+                  </a:outerShdw>
+                </a:effectLst>
                 <a:latin typeface="Arial" panose="020B0604020202020204" pitchFamily="34" charset="0"/>
                 <a:cs typeface="Arial" panose="020B0604020202020204" pitchFamily="34" charset="0"/>
               </a:rPr>
@@ -3765,6 +4022,13 @@
                 <a:solidFill>
                   <a:srgbClr val="660033"/>
                 </a:solidFill>
+                <a:effectLst>
+                  <a:outerShdw blurRad="38100" dist="38100" dir="2700000" algn="tl">
+                    <a:srgbClr val="000000">
+                      <a:alpha val="43137"/>
+                    </a:srgbClr>
+                  </a:outerShdw>
+                </a:effectLst>
                 <a:latin typeface="Arial" panose="020B0604020202020204" pitchFamily="34" charset="0"/>
                 <a:cs typeface="Arial" panose="020B0604020202020204" pitchFamily="34" charset="0"/>
               </a:rPr>
@@ -3775,6 +4039,13 @@
                 <a:solidFill>
                   <a:srgbClr val="660033"/>
                 </a:solidFill>
+                <a:effectLst>
+                  <a:outerShdw blurRad="38100" dist="38100" dir="2700000" algn="tl">
+                    <a:srgbClr val="000000">
+                      <a:alpha val="43137"/>
+                    </a:srgbClr>
+                  </a:outerShdw>
+                </a:effectLst>
                 <a:latin typeface="Arial" panose="020B0604020202020204" pitchFamily="34" charset="0"/>
                 <a:cs typeface="Arial" panose="020B0604020202020204" pitchFamily="34" charset="0"/>
               </a:rPr>
@@ -3785,6 +4056,13 @@
                 <a:solidFill>
                   <a:srgbClr val="660033"/>
                 </a:solidFill>
+                <a:effectLst>
+                  <a:outerShdw blurRad="38100" dist="38100" dir="2700000" algn="tl">
+                    <a:srgbClr val="000000">
+                      <a:alpha val="43137"/>
+                    </a:srgbClr>
+                  </a:outerShdw>
+                </a:effectLst>
                 <a:latin typeface="Arial" panose="020B0604020202020204" pitchFamily="34" charset="0"/>
                 <a:cs typeface="Arial" panose="020B0604020202020204" pitchFamily="34" charset="0"/>
               </a:rPr>
@@ -3795,6 +4073,13 @@
                 <a:solidFill>
                   <a:srgbClr val="660033"/>
                 </a:solidFill>
+                <a:effectLst>
+                  <a:outerShdw blurRad="38100" dist="38100" dir="2700000" algn="tl">
+                    <a:srgbClr val="000000">
+                      <a:alpha val="43137"/>
+                    </a:srgbClr>
+                  </a:outerShdw>
+                </a:effectLst>
                 <a:latin typeface="Arial" panose="020B0604020202020204" pitchFamily="34" charset="0"/>
                 <a:cs typeface="Arial" panose="020B0604020202020204" pitchFamily="34" charset="0"/>
               </a:rPr>
@@ -3805,6 +4090,13 @@
                 <a:solidFill>
                   <a:srgbClr val="660033"/>
                 </a:solidFill>
+                <a:effectLst>
+                  <a:outerShdw blurRad="38100" dist="38100" dir="2700000" algn="tl">
+                    <a:srgbClr val="000000">
+                      <a:alpha val="43137"/>
+                    </a:srgbClr>
+                  </a:outerShdw>
+                </a:effectLst>
                 <a:latin typeface="Arial" panose="020B0604020202020204" pitchFamily="34" charset="0"/>
                 <a:cs typeface="Arial" panose="020B0604020202020204" pitchFamily="34" charset="0"/>
               </a:rPr>
@@ -3815,6 +4107,13 @@
                 <a:solidFill>
                   <a:srgbClr val="660033"/>
                 </a:solidFill>
+                <a:effectLst>
+                  <a:outerShdw blurRad="38100" dist="38100" dir="2700000" algn="tl">
+                    <a:srgbClr val="000000">
+                      <a:alpha val="43137"/>
+                    </a:srgbClr>
+                  </a:outerShdw>
+                </a:effectLst>
                 <a:latin typeface="Arial" panose="020B0604020202020204" pitchFamily="34" charset="0"/>
                 <a:cs typeface="Arial" panose="020B0604020202020204" pitchFamily="34" charset="0"/>
               </a:rPr>
@@ -3824,6 +4123,13 @@
               <a:solidFill>
                 <a:srgbClr val="660033"/>
               </a:solidFill>
+              <a:effectLst>
+                <a:outerShdw blurRad="38100" dist="38100" dir="2700000" algn="tl">
+                  <a:srgbClr val="000000">
+                    <a:alpha val="43137"/>
+                  </a:srgbClr>
+                </a:outerShdw>
+              </a:effectLst>
               <a:latin typeface="Arial" panose="020B0604020202020204" pitchFamily="34" charset="0"/>
               <a:cs typeface="Arial" panose="020B0604020202020204" pitchFamily="34" charset="0"/>
             </a:endParaRPr>
@@ -3835,6 +4141,13 @@
                 <a:solidFill>
                   <a:srgbClr val="660033"/>
                 </a:solidFill>
+                <a:effectLst>
+                  <a:outerShdw blurRad="38100" dist="38100" dir="2700000" algn="tl">
+                    <a:srgbClr val="000000">
+                      <a:alpha val="43137"/>
+                    </a:srgbClr>
+                  </a:outerShdw>
+                </a:effectLst>
                 <a:latin typeface="Arial" panose="020B0604020202020204" pitchFamily="34" charset="0"/>
                 <a:cs typeface="Arial" panose="020B0604020202020204" pitchFamily="34" charset="0"/>
               </a:rPr>
@@ -3845,6 +4158,13 @@
                 <a:solidFill>
                   <a:srgbClr val="660033"/>
                 </a:solidFill>
+                <a:effectLst>
+                  <a:outerShdw blurRad="38100" dist="38100" dir="2700000" algn="tl">
+                    <a:srgbClr val="000000">
+                      <a:alpha val="43137"/>
+                    </a:srgbClr>
+                  </a:outerShdw>
+                </a:effectLst>
                 <a:latin typeface="Arial" panose="020B0604020202020204" pitchFamily="34" charset="0"/>
                 <a:cs typeface="Arial" panose="020B0604020202020204" pitchFamily="34" charset="0"/>
               </a:rPr>
@@ -3855,6 +4175,13 @@
                 <a:solidFill>
                   <a:srgbClr val="660033"/>
                 </a:solidFill>
+                <a:effectLst>
+                  <a:outerShdw blurRad="38100" dist="38100" dir="2700000" algn="tl">
+                    <a:srgbClr val="000000">
+                      <a:alpha val="43137"/>
+                    </a:srgbClr>
+                  </a:outerShdw>
+                </a:effectLst>
                 <a:latin typeface="Arial" panose="020B0604020202020204" pitchFamily="34" charset="0"/>
                 <a:cs typeface="Arial" panose="020B0604020202020204" pitchFamily="34" charset="0"/>
               </a:rPr>
@@ -3865,6 +4192,13 @@
                 <a:solidFill>
                   <a:srgbClr val="660033"/>
                 </a:solidFill>
+                <a:effectLst>
+                  <a:outerShdw blurRad="38100" dist="38100" dir="2700000" algn="tl">
+                    <a:srgbClr val="000000">
+                      <a:alpha val="43137"/>
+                    </a:srgbClr>
+                  </a:outerShdw>
+                </a:effectLst>
                 <a:latin typeface="Arial" panose="020B0604020202020204" pitchFamily="34" charset="0"/>
                 <a:cs typeface="Arial" panose="020B0604020202020204" pitchFamily="34" charset="0"/>
               </a:rPr>
@@ -3875,6 +4209,13 @@
                 <a:solidFill>
                   <a:srgbClr val="660033"/>
                 </a:solidFill>
+                <a:effectLst>
+                  <a:outerShdw blurRad="38100" dist="38100" dir="2700000" algn="tl">
+                    <a:srgbClr val="000000">
+                      <a:alpha val="43137"/>
+                    </a:srgbClr>
+                  </a:outerShdw>
+                </a:effectLst>
                 <a:latin typeface="Arial" panose="020B0604020202020204" pitchFamily="34" charset="0"/>
                 <a:cs typeface="Arial" panose="020B0604020202020204" pitchFamily="34" charset="0"/>
               </a:rPr>
@@ -3885,6 +4226,13 @@
                 <a:solidFill>
                   <a:srgbClr val="660033"/>
                 </a:solidFill>
+                <a:effectLst>
+                  <a:outerShdw blurRad="38100" dist="38100" dir="2700000" algn="tl">
+                    <a:srgbClr val="000000">
+                      <a:alpha val="43137"/>
+                    </a:srgbClr>
+                  </a:outerShdw>
+                </a:effectLst>
                 <a:latin typeface="Arial" panose="020B0604020202020204" pitchFamily="34" charset="0"/>
                 <a:cs typeface="Arial" panose="020B0604020202020204" pitchFamily="34" charset="0"/>
               </a:rPr>
@@ -3895,6 +4243,13 @@
                 <a:solidFill>
                   <a:srgbClr val="660033"/>
                 </a:solidFill>
+                <a:effectLst>
+                  <a:outerShdw blurRad="38100" dist="38100" dir="2700000" algn="tl">
+                    <a:srgbClr val="000000">
+                      <a:alpha val="43137"/>
+                    </a:srgbClr>
+                  </a:outerShdw>
+                </a:effectLst>
                 <a:latin typeface="Arial" panose="020B0604020202020204" pitchFamily="34" charset="0"/>
                 <a:cs typeface="Arial" panose="020B0604020202020204" pitchFamily="34" charset="0"/>
               </a:rPr>
@@ -3905,6 +4260,13 @@
                 <a:solidFill>
                   <a:srgbClr val="660033"/>
                 </a:solidFill>
+                <a:effectLst>
+                  <a:outerShdw blurRad="38100" dist="38100" dir="2700000" algn="tl">
+                    <a:srgbClr val="000000">
+                      <a:alpha val="43137"/>
+                    </a:srgbClr>
+                  </a:outerShdw>
+                </a:effectLst>
                 <a:latin typeface="Arial" panose="020B0604020202020204" pitchFamily="34" charset="0"/>
                 <a:cs typeface="Arial" panose="020B0604020202020204" pitchFamily="34" charset="0"/>
               </a:rPr>
@@ -3915,6 +4277,13 @@
                 <a:solidFill>
                   <a:srgbClr val="660033"/>
                 </a:solidFill>
+                <a:effectLst>
+                  <a:outerShdw blurRad="38100" dist="38100" dir="2700000" algn="tl">
+                    <a:srgbClr val="000000">
+                      <a:alpha val="43137"/>
+                    </a:srgbClr>
+                  </a:outerShdw>
+                </a:effectLst>
                 <a:latin typeface="Arial" panose="020B0604020202020204" pitchFamily="34" charset="0"/>
                 <a:cs typeface="Arial" panose="020B0604020202020204" pitchFamily="34" charset="0"/>
               </a:rPr>
@@ -3925,6 +4294,13 @@
                 <a:solidFill>
                   <a:srgbClr val="660033"/>
                 </a:solidFill>
+                <a:effectLst>
+                  <a:outerShdw blurRad="38100" dist="38100" dir="2700000" algn="tl">
+                    <a:srgbClr val="000000">
+                      <a:alpha val="43137"/>
+                    </a:srgbClr>
+                  </a:outerShdw>
+                </a:effectLst>
                 <a:latin typeface="Arial" panose="020B0604020202020204" pitchFamily="34" charset="0"/>
                 <a:cs typeface="Arial" panose="020B0604020202020204" pitchFamily="34" charset="0"/>
               </a:rPr>
@@ -4010,14 +4386,24 @@
           <a:p>
             <a:pPr algn="ctr"/>
             <a:r>
-              <a:rPr lang="en-US" sz="4000" b="1" spc="-1" dirty="0" err="1">
+              <a:rPr lang="zh-CN" altLang="en-US" sz="4000" b="1" spc="-1" dirty="0">
                 <a:solidFill>
                   <a:srgbClr val="000066"/>
                 </a:solidFill>
                 <a:latin typeface="微軟正黑體"/>
                 <a:ea typeface="微軟正黑體"/>
               </a:rPr>
-              <a:t>你是我的一切</a:t>
+              <a:t>袮</a:t>
+            </a:r>
+            <a:r>
+              <a:rPr lang="en-US" sz="4000" b="1" spc="-1" dirty="0" err="1" smtClean="0">
+                <a:solidFill>
+                  <a:srgbClr val="000066"/>
+                </a:solidFill>
+                <a:latin typeface="微軟正黑體"/>
+                <a:ea typeface="微軟正黑體"/>
+              </a:rPr>
+              <a:t>是我的一切</a:t>
             </a:r>
             <a:r>
               <a:rPr dirty="0"/>
@@ -4072,16 +4458,47 @@
               </a:spcBef>
             </a:pPr>
             <a:r>
-              <a:rPr lang="en-US" sz="4400" b="1" strike="noStrike" spc="-1">
+              <a:rPr lang="zh-CN" altLang="en-US" sz="4400" b="1" spc="-1" dirty="0">
                 <a:solidFill>
                   <a:srgbClr val="000066"/>
                 </a:solidFill>
+                <a:effectLst>
+                  <a:outerShdw blurRad="38100" dist="38100" dir="2700000" algn="tl">
+                    <a:srgbClr val="000000">
+                      <a:alpha val="43137"/>
+                    </a:srgbClr>
+                  </a:outerShdw>
+                </a:effectLst>
                 <a:latin typeface="微軟正黑體"/>
                 <a:ea typeface="微軟正黑體"/>
               </a:rPr>
-              <a:t>你好比珍貴的珠寶</a:t>
-            </a:r>
-            <a:endParaRPr lang="en-US" sz="4400" b="0" strike="noStrike" spc="-1">
+              <a:t>袮</a:t>
+            </a:r>
+            <a:r>
+              <a:rPr lang="en-US" sz="4400" b="1" strike="noStrike" spc="-1" dirty="0" err="1" smtClean="0">
+                <a:solidFill>
+                  <a:srgbClr val="000066"/>
+                </a:solidFill>
+                <a:effectLst>
+                  <a:outerShdw blurRad="38100" dist="38100" dir="2700000" algn="tl">
+                    <a:srgbClr val="000000">
+                      <a:alpha val="43137"/>
+                    </a:srgbClr>
+                  </a:outerShdw>
+                </a:effectLst>
+                <a:latin typeface="微軟正黑體"/>
+                <a:ea typeface="微軟正黑體"/>
+              </a:rPr>
+              <a:t>好比珍貴的珠寶</a:t>
+            </a:r>
+            <a:endParaRPr lang="en-US" sz="4400" b="0" strike="noStrike" spc="-1" dirty="0">
+              <a:effectLst>
+                <a:outerShdw blurRad="38100" dist="38100" dir="2700000" algn="tl">
+                  <a:srgbClr val="000000">
+                    <a:alpha val="43137"/>
+                  </a:srgbClr>
+                </a:outerShdw>
+              </a:effectLst>
               <a:latin typeface="Arial"/>
             </a:endParaRPr>
           </a:p>
@@ -4095,16 +4512,64 @@
               </a:spcBef>
             </a:pPr>
             <a:r>
-              <a:rPr lang="en-US" sz="4400" b="1" strike="noStrike" spc="-1">
+              <a:rPr lang="en-US" sz="4400" b="1" strike="noStrike" spc="-1" dirty="0" err="1" smtClean="0">
                 <a:solidFill>
                   <a:srgbClr val="000066"/>
                 </a:solidFill>
+                <a:effectLst>
+                  <a:outerShdw blurRad="38100" dist="38100" dir="2700000" algn="tl">
+                    <a:srgbClr val="000000">
+                      <a:alpha val="43137"/>
+                    </a:srgbClr>
+                  </a:outerShdw>
+                </a:effectLst>
                 <a:latin typeface="微軟正黑體"/>
                 <a:ea typeface="微軟正黑體"/>
               </a:rPr>
-              <a:t>我怎能放棄你不要</a:t>
-            </a:r>
-            <a:endParaRPr lang="en-US" sz="4400" b="0" strike="noStrike" spc="-1">
+              <a:t>我怎能放棄</a:t>
+            </a:r>
+            <a:r>
+              <a:rPr lang="zh-CN" altLang="en-US" sz="4400" b="1" spc="-1" dirty="0">
+                <a:solidFill>
+                  <a:srgbClr val="000066"/>
+                </a:solidFill>
+                <a:effectLst>
+                  <a:outerShdw blurRad="38100" dist="38100" dir="2700000" algn="tl">
+                    <a:srgbClr val="000000">
+                      <a:alpha val="43137"/>
+                    </a:srgbClr>
+                  </a:outerShdw>
+                </a:effectLst>
+                <a:latin typeface="微軟正黑體"/>
+                <a:ea typeface="微軟正黑體"/>
+              </a:rPr>
+              <a:t>袮</a:t>
+            </a:r>
+            <a:r>
+              <a:rPr lang="en-US" sz="4400" b="1" strike="noStrike" spc="-1" dirty="0" err="1" smtClean="0">
+                <a:solidFill>
+                  <a:srgbClr val="000066"/>
+                </a:solidFill>
+                <a:effectLst>
+                  <a:outerShdw blurRad="38100" dist="38100" dir="2700000" algn="tl">
+                    <a:srgbClr val="000000">
+                      <a:alpha val="43137"/>
+                    </a:srgbClr>
+                  </a:outerShdw>
+                </a:effectLst>
+                <a:latin typeface="微軟正黑體"/>
+                <a:ea typeface="微軟正黑體"/>
+              </a:rPr>
+              <a:t>不要</a:t>
+            </a:r>
+            <a:endParaRPr lang="en-US" sz="4400" b="0" strike="noStrike" spc="-1" dirty="0">
+              <a:effectLst>
+                <a:outerShdw blurRad="38100" dist="38100" dir="2700000" algn="tl">
+                  <a:srgbClr val="000000">
+                    <a:alpha val="43137"/>
+                  </a:srgbClr>
+                </a:outerShdw>
+              </a:effectLst>
               <a:latin typeface="Arial"/>
             </a:endParaRPr>
           </a:p>
@@ -4118,16 +4583,47 @@
               </a:spcBef>
             </a:pPr>
             <a:r>
-              <a:rPr lang="en-US" sz="4400" b="1" strike="noStrike" spc="-1">
+              <a:rPr lang="zh-CN" altLang="en-US" sz="4400" b="1" spc="-1" dirty="0">
                 <a:solidFill>
                   <a:srgbClr val="000066"/>
                 </a:solidFill>
+                <a:effectLst>
+                  <a:outerShdw blurRad="38100" dist="38100" dir="2700000" algn="tl">
+                    <a:srgbClr val="000000">
+                      <a:alpha val="43137"/>
+                    </a:srgbClr>
+                  </a:outerShdw>
+                </a:effectLst>
                 <a:latin typeface="微軟正黑體"/>
                 <a:ea typeface="微軟正黑體"/>
               </a:rPr>
-              <a:t>你是我的一切</a:t>
-            </a:r>
-            <a:endParaRPr lang="en-US" sz="4400" b="0" strike="noStrike" spc="-1">
+              <a:t>袮</a:t>
+            </a:r>
+            <a:r>
+              <a:rPr lang="en-US" sz="4400" b="1" strike="noStrike" spc="-1" dirty="0" err="1" smtClean="0">
+                <a:solidFill>
+                  <a:srgbClr val="000066"/>
+                </a:solidFill>
+                <a:effectLst>
+                  <a:outerShdw blurRad="38100" dist="38100" dir="2700000" algn="tl">
+                    <a:srgbClr val="000000">
+                      <a:alpha val="43137"/>
+                    </a:srgbClr>
+                  </a:outerShdw>
+                </a:effectLst>
+                <a:latin typeface="微軟正黑體"/>
+                <a:ea typeface="微軟正黑體"/>
+              </a:rPr>
+              <a:t>是我的一切</a:t>
+            </a:r>
+            <a:endParaRPr lang="en-US" sz="4400" b="0" strike="noStrike" spc="-1" dirty="0">
+              <a:effectLst>
+                <a:outerShdw blurRad="38100" dist="38100" dir="2700000" algn="tl">
+                  <a:srgbClr val="000000">
+                    <a:alpha val="43137"/>
+                  </a:srgbClr>
+                </a:outerShdw>
+              </a:effectLst>
               <a:latin typeface="Arial"/>
             </a:endParaRPr>
           </a:p>
@@ -4169,6 +4665,13 @@
                 <a:solidFill>
                   <a:srgbClr val="660033"/>
                 </a:solidFill>
+                <a:effectLst>
+                  <a:outerShdw blurRad="38100" dist="38100" dir="2700000" algn="tl">
+                    <a:srgbClr val="000000">
+                      <a:alpha val="43137"/>
+                    </a:srgbClr>
+                  </a:outerShdw>
+                </a:effectLst>
                 <a:latin typeface="Arial" panose="020B0604020202020204" pitchFamily="34" charset="0"/>
                 <a:cs typeface="Arial" panose="020B0604020202020204" pitchFamily="34" charset="0"/>
               </a:rPr>
@@ -4179,6 +4682,13 @@
                 <a:solidFill>
                   <a:srgbClr val="660033"/>
                 </a:solidFill>
+                <a:effectLst>
+                  <a:outerShdw blurRad="38100" dist="38100" dir="2700000" algn="tl">
+                    <a:srgbClr val="000000">
+                      <a:alpha val="43137"/>
+                    </a:srgbClr>
+                  </a:outerShdw>
+                </a:effectLst>
                 <a:latin typeface="Arial" panose="020B0604020202020204" pitchFamily="34" charset="0"/>
                 <a:cs typeface="Arial" panose="020B0604020202020204" pitchFamily="34" charset="0"/>
               </a:rPr>
@@ -4189,6 +4699,13 @@
                 <a:solidFill>
                   <a:srgbClr val="660033"/>
                 </a:solidFill>
+                <a:effectLst>
+                  <a:outerShdw blurRad="38100" dist="38100" dir="2700000" algn="tl">
+                    <a:srgbClr val="000000">
+                      <a:alpha val="43137"/>
+                    </a:srgbClr>
+                  </a:outerShdw>
+                </a:effectLst>
                 <a:latin typeface="Arial" panose="020B0604020202020204" pitchFamily="34" charset="0"/>
                 <a:cs typeface="Arial" panose="020B0604020202020204" pitchFamily="34" charset="0"/>
               </a:rPr>
@@ -4199,6 +4716,13 @@
                 <a:solidFill>
                   <a:srgbClr val="660033"/>
                 </a:solidFill>
+                <a:effectLst>
+                  <a:outerShdw blurRad="38100" dist="38100" dir="2700000" algn="tl">
+                    <a:srgbClr val="000000">
+                      <a:alpha val="43137"/>
+                    </a:srgbClr>
+                  </a:outerShdw>
+                </a:effectLst>
                 <a:latin typeface="Arial" panose="020B0604020202020204" pitchFamily="34" charset="0"/>
                 <a:cs typeface="Arial" panose="020B0604020202020204" pitchFamily="34" charset="0"/>
               </a:rPr>
@@ -4209,6 +4733,13 @@
                 <a:solidFill>
                   <a:srgbClr val="660033"/>
                 </a:solidFill>
+                <a:effectLst>
+                  <a:outerShdw blurRad="38100" dist="38100" dir="2700000" algn="tl">
+                    <a:srgbClr val="000000">
+                      <a:alpha val="43137"/>
+                    </a:srgbClr>
+                  </a:outerShdw>
+                </a:effectLst>
                 <a:latin typeface="Arial" panose="020B0604020202020204" pitchFamily="34" charset="0"/>
                 <a:cs typeface="Arial" panose="020B0604020202020204" pitchFamily="34" charset="0"/>
               </a:rPr>
@@ -4219,6 +4750,13 @@
                 <a:solidFill>
                   <a:srgbClr val="660033"/>
                 </a:solidFill>
+                <a:effectLst>
+                  <a:outerShdw blurRad="38100" dist="38100" dir="2700000" algn="tl">
+                    <a:srgbClr val="000000">
+                      <a:alpha val="43137"/>
+                    </a:srgbClr>
+                  </a:outerShdw>
+                </a:effectLst>
                 <a:latin typeface="Arial" panose="020B0604020202020204" pitchFamily="34" charset="0"/>
                 <a:cs typeface="Arial" panose="020B0604020202020204" pitchFamily="34" charset="0"/>
               </a:rPr>
@@ -4229,6 +4767,13 @@
                 <a:solidFill>
                   <a:srgbClr val="660033"/>
                 </a:solidFill>
+                <a:effectLst>
+                  <a:outerShdw blurRad="38100" dist="38100" dir="2700000" algn="tl">
+                    <a:srgbClr val="000000">
+                      <a:alpha val="43137"/>
+                    </a:srgbClr>
+                  </a:outerShdw>
+                </a:effectLst>
                 <a:latin typeface="Arial" panose="020B0604020202020204" pitchFamily="34" charset="0"/>
                 <a:cs typeface="Arial" panose="020B0604020202020204" pitchFamily="34" charset="0"/>
               </a:rPr>
@@ -4239,6 +4784,13 @@
                 <a:solidFill>
                   <a:srgbClr val="660033"/>
                 </a:solidFill>
+                <a:effectLst>
+                  <a:outerShdw blurRad="38100" dist="38100" dir="2700000" algn="tl">
+                    <a:srgbClr val="000000">
+                      <a:alpha val="43137"/>
+                    </a:srgbClr>
+                  </a:outerShdw>
+                </a:effectLst>
                 <a:latin typeface="Arial" panose="020B0604020202020204" pitchFamily="34" charset="0"/>
                 <a:cs typeface="Arial" panose="020B0604020202020204" pitchFamily="34" charset="0"/>
               </a:rPr>
@@ -4249,6 +4801,13 @@
                 <a:solidFill>
                   <a:srgbClr val="660033"/>
                 </a:solidFill>
+                <a:effectLst>
+                  <a:outerShdw blurRad="38100" dist="38100" dir="2700000" algn="tl">
+                    <a:srgbClr val="000000">
+                      <a:alpha val="43137"/>
+                    </a:srgbClr>
+                  </a:outerShdw>
+                </a:effectLst>
                 <a:latin typeface="Arial" panose="020B0604020202020204" pitchFamily="34" charset="0"/>
                 <a:cs typeface="Arial" panose="020B0604020202020204" pitchFamily="34" charset="0"/>
               </a:rPr>
@@ -4259,6 +4818,13 @@
                 <a:solidFill>
                   <a:srgbClr val="660033"/>
                 </a:solidFill>
+                <a:effectLst>
+                  <a:outerShdw blurRad="38100" dist="38100" dir="2700000" algn="tl">
+                    <a:srgbClr val="000000">
+                      <a:alpha val="43137"/>
+                    </a:srgbClr>
+                  </a:outerShdw>
+                </a:effectLst>
                 <a:latin typeface="Arial" panose="020B0604020202020204" pitchFamily="34" charset="0"/>
                 <a:cs typeface="Arial" panose="020B0604020202020204" pitchFamily="34" charset="0"/>
               </a:rPr>
@@ -4269,6 +4835,13 @@
                 <a:solidFill>
                   <a:srgbClr val="660033"/>
                 </a:solidFill>
+                <a:effectLst>
+                  <a:outerShdw blurRad="38100" dist="38100" dir="2700000" algn="tl">
+                    <a:srgbClr val="000000">
+                      <a:alpha val="43137"/>
+                    </a:srgbClr>
+                  </a:outerShdw>
+                </a:effectLst>
                 <a:latin typeface="Arial" panose="020B0604020202020204" pitchFamily="34" charset="0"/>
                 <a:cs typeface="Arial" panose="020B0604020202020204" pitchFamily="34" charset="0"/>
               </a:rPr>
@@ -4279,6 +4852,13 @@
                 <a:solidFill>
                   <a:srgbClr val="660033"/>
                 </a:solidFill>
+                <a:effectLst>
+                  <a:outerShdw blurRad="38100" dist="38100" dir="2700000" algn="tl">
+                    <a:srgbClr val="000000">
+                      <a:alpha val="43137"/>
+                    </a:srgbClr>
+                  </a:outerShdw>
+                </a:effectLst>
                 <a:latin typeface="Arial" panose="020B0604020202020204" pitchFamily="34" charset="0"/>
                 <a:cs typeface="Arial" panose="020B0604020202020204" pitchFamily="34" charset="0"/>
               </a:rPr>
@@ -4289,6 +4869,13 @@
                 <a:solidFill>
                   <a:srgbClr val="660033"/>
                 </a:solidFill>
+                <a:effectLst>
+                  <a:outerShdw blurRad="38100" dist="38100" dir="2700000" algn="tl">
+                    <a:srgbClr val="000000">
+                      <a:alpha val="43137"/>
+                    </a:srgbClr>
+                  </a:outerShdw>
+                </a:effectLst>
                 <a:latin typeface="Arial" panose="020B0604020202020204" pitchFamily="34" charset="0"/>
                 <a:cs typeface="Arial" panose="020B0604020202020204" pitchFamily="34" charset="0"/>
               </a:rPr>
@@ -4298,6 +4885,13 @@
               <a:solidFill>
                 <a:srgbClr val="660033"/>
               </a:solidFill>
+              <a:effectLst>
+                <a:outerShdw blurRad="38100" dist="38100" dir="2700000" algn="tl">
+                  <a:srgbClr val="000000">
+                    <a:alpha val="43137"/>
+                  </a:srgbClr>
+                </a:outerShdw>
+              </a:effectLst>
               <a:latin typeface="Arial" panose="020B0604020202020204" pitchFamily="34" charset="0"/>
               <a:cs typeface="Arial" panose="020B0604020202020204" pitchFamily="34" charset="0"/>
             </a:endParaRPr>
@@ -4316,6 +4910,13 @@
                 <a:solidFill>
                   <a:srgbClr val="660033"/>
                 </a:solidFill>
+                <a:effectLst>
+                  <a:outerShdw blurRad="38100" dist="38100" dir="2700000" algn="tl">
+                    <a:srgbClr val="000000">
+                      <a:alpha val="43137"/>
+                    </a:srgbClr>
+                  </a:outerShdw>
+                </a:effectLst>
                 <a:latin typeface="Arial" panose="020B0604020202020204" pitchFamily="34" charset="0"/>
                 <a:cs typeface="Arial" panose="020B0604020202020204" pitchFamily="34" charset="0"/>
               </a:rPr>
@@ -4326,6 +4927,13 @@
                 <a:solidFill>
                   <a:srgbClr val="660033"/>
                 </a:solidFill>
+                <a:effectLst>
+                  <a:outerShdw blurRad="38100" dist="38100" dir="2700000" algn="tl">
+                    <a:srgbClr val="000000">
+                      <a:alpha val="43137"/>
+                    </a:srgbClr>
+                  </a:outerShdw>
+                </a:effectLst>
                 <a:latin typeface="Arial" panose="020B0604020202020204" pitchFamily="34" charset="0"/>
                 <a:cs typeface="Arial" panose="020B0604020202020204" pitchFamily="34" charset="0"/>
               </a:rPr>
@@ -4336,6 +4944,13 @@
                 <a:solidFill>
                   <a:srgbClr val="660033"/>
                 </a:solidFill>
+                <a:effectLst>
+                  <a:outerShdw blurRad="38100" dist="38100" dir="2700000" algn="tl">
+                    <a:srgbClr val="000000">
+                      <a:alpha val="43137"/>
+                    </a:srgbClr>
+                  </a:outerShdw>
+                </a:effectLst>
                 <a:latin typeface="Arial" panose="020B0604020202020204" pitchFamily="34" charset="0"/>
                 <a:cs typeface="Arial" panose="020B0604020202020204" pitchFamily="34" charset="0"/>
               </a:rPr>
@@ -4346,6 +4961,13 @@
                 <a:solidFill>
                   <a:srgbClr val="660033"/>
                 </a:solidFill>
+                <a:effectLst>
+                  <a:outerShdw blurRad="38100" dist="38100" dir="2700000" algn="tl">
+                    <a:srgbClr val="000000">
+                      <a:alpha val="43137"/>
+                    </a:srgbClr>
+                  </a:outerShdw>
+                </a:effectLst>
                 <a:latin typeface="Arial" panose="020B0604020202020204" pitchFamily="34" charset="0"/>
                 <a:cs typeface="Arial" panose="020B0604020202020204" pitchFamily="34" charset="0"/>
               </a:rPr>
@@ -4356,6 +4978,13 @@
                 <a:solidFill>
                   <a:srgbClr val="660033"/>
                 </a:solidFill>
+                <a:effectLst>
+                  <a:outerShdw blurRad="38100" dist="38100" dir="2700000" algn="tl">
+                    <a:srgbClr val="000000">
+                      <a:alpha val="43137"/>
+                    </a:srgbClr>
+                  </a:outerShdw>
+                </a:effectLst>
                 <a:latin typeface="Arial" panose="020B0604020202020204" pitchFamily="34" charset="0"/>
                 <a:cs typeface="Arial" panose="020B0604020202020204" pitchFamily="34" charset="0"/>
               </a:rPr>
@@ -4366,6 +4995,13 @@
                 <a:solidFill>
                   <a:srgbClr val="660033"/>
                 </a:solidFill>
+                <a:effectLst>
+                  <a:outerShdw blurRad="38100" dist="38100" dir="2700000" algn="tl">
+                    <a:srgbClr val="000000">
+                      <a:alpha val="43137"/>
+                    </a:srgbClr>
+                  </a:outerShdw>
+                </a:effectLst>
                 <a:latin typeface="Arial" panose="020B0604020202020204" pitchFamily="34" charset="0"/>
                 <a:cs typeface="Arial" panose="020B0604020202020204" pitchFamily="34" charset="0"/>
               </a:rPr>
@@ -4376,6 +5012,13 @@
                 <a:solidFill>
                   <a:srgbClr val="660033"/>
                 </a:solidFill>
+                <a:effectLst>
+                  <a:outerShdw blurRad="38100" dist="38100" dir="2700000" algn="tl">
+                    <a:srgbClr val="000000">
+                      <a:alpha val="43137"/>
+                    </a:srgbClr>
+                  </a:outerShdw>
+                </a:effectLst>
                 <a:latin typeface="Arial" panose="020B0604020202020204" pitchFamily="34" charset="0"/>
                 <a:cs typeface="Arial" panose="020B0604020202020204" pitchFamily="34" charset="0"/>
               </a:rPr>
@@ -4386,6 +5029,13 @@
                 <a:solidFill>
                   <a:srgbClr val="660033"/>
                 </a:solidFill>
+                <a:effectLst>
+                  <a:outerShdw blurRad="38100" dist="38100" dir="2700000" algn="tl">
+                    <a:srgbClr val="000000">
+                      <a:alpha val="43137"/>
+                    </a:srgbClr>
+                  </a:outerShdw>
+                </a:effectLst>
                 <a:latin typeface="Arial" panose="020B0604020202020204" pitchFamily="34" charset="0"/>
                 <a:cs typeface="Arial" panose="020B0604020202020204" pitchFamily="34" charset="0"/>
               </a:rPr>
@@ -4396,6 +5046,13 @@
                 <a:solidFill>
                   <a:srgbClr val="660033"/>
                 </a:solidFill>
+                <a:effectLst>
+                  <a:outerShdw blurRad="38100" dist="38100" dir="2700000" algn="tl">
+                    <a:srgbClr val="000000">
+                      <a:alpha val="43137"/>
+                    </a:srgbClr>
+                  </a:outerShdw>
+                </a:effectLst>
                 <a:latin typeface="Arial" panose="020B0604020202020204" pitchFamily="34" charset="0"/>
                 <a:cs typeface="Arial" panose="020B0604020202020204" pitchFamily="34" charset="0"/>
               </a:rPr>
@@ -4406,6 +5063,13 @@
                 <a:solidFill>
                   <a:srgbClr val="660033"/>
                 </a:solidFill>
+                <a:effectLst>
+                  <a:outerShdw blurRad="38100" dist="38100" dir="2700000" algn="tl">
+                    <a:srgbClr val="000000">
+                      <a:alpha val="43137"/>
+                    </a:srgbClr>
+                  </a:outerShdw>
+                </a:effectLst>
                 <a:latin typeface="Arial" panose="020B0604020202020204" pitchFamily="34" charset="0"/>
                 <a:cs typeface="Arial" panose="020B0604020202020204" pitchFamily="34" charset="0"/>
               </a:rPr>
@@ -4416,6 +5080,13 @@
                 <a:solidFill>
                   <a:srgbClr val="660033"/>
                 </a:solidFill>
+                <a:effectLst>
+                  <a:outerShdw blurRad="38100" dist="38100" dir="2700000" algn="tl">
+                    <a:srgbClr val="000000">
+                      <a:alpha val="43137"/>
+                    </a:srgbClr>
+                  </a:outerShdw>
+                </a:effectLst>
                 <a:latin typeface="Arial" panose="020B0604020202020204" pitchFamily="34" charset="0"/>
                 <a:cs typeface="Arial" panose="020B0604020202020204" pitchFamily="34" charset="0"/>
               </a:rPr>
@@ -4426,6 +5097,13 @@
                 <a:solidFill>
                   <a:srgbClr val="660033"/>
                 </a:solidFill>
+                <a:effectLst>
+                  <a:outerShdw blurRad="38100" dist="38100" dir="2700000" algn="tl">
+                    <a:srgbClr val="000000">
+                      <a:alpha val="43137"/>
+                    </a:srgbClr>
+                  </a:outerShdw>
+                </a:effectLst>
                 <a:latin typeface="Arial" panose="020B0604020202020204" pitchFamily="34" charset="0"/>
                 <a:cs typeface="Arial" panose="020B0604020202020204" pitchFamily="34" charset="0"/>
               </a:rPr>
@@ -4436,6 +5114,13 @@
                 <a:solidFill>
                   <a:srgbClr val="660033"/>
                 </a:solidFill>
+                <a:effectLst>
+                  <a:outerShdw blurRad="38100" dist="38100" dir="2700000" algn="tl">
+                    <a:srgbClr val="000000">
+                      <a:alpha val="43137"/>
+                    </a:srgbClr>
+                  </a:outerShdw>
+                </a:effectLst>
                 <a:latin typeface="Arial" panose="020B0604020202020204" pitchFamily="34" charset="0"/>
                 <a:cs typeface="Arial" panose="020B0604020202020204" pitchFamily="34" charset="0"/>
               </a:rPr>
@@ -4446,6 +5131,13 @@
                 <a:solidFill>
                   <a:srgbClr val="660033"/>
                 </a:solidFill>
+                <a:effectLst>
+                  <a:outerShdw blurRad="38100" dist="38100" dir="2700000" algn="tl">
+                    <a:srgbClr val="000000">
+                      <a:alpha val="43137"/>
+                    </a:srgbClr>
+                  </a:outerShdw>
+                </a:effectLst>
                 <a:latin typeface="Arial" panose="020B0604020202020204" pitchFamily="34" charset="0"/>
                 <a:cs typeface="Arial" panose="020B0604020202020204" pitchFamily="34" charset="0"/>
               </a:rPr>
@@ -4456,6 +5148,13 @@
                 <a:solidFill>
                   <a:srgbClr val="660033"/>
                 </a:solidFill>
+                <a:effectLst>
+                  <a:outerShdw blurRad="38100" dist="38100" dir="2700000" algn="tl">
+                    <a:srgbClr val="000000">
+                      <a:alpha val="43137"/>
+                    </a:srgbClr>
+                  </a:outerShdw>
+                </a:effectLst>
                 <a:latin typeface="Arial" panose="020B0604020202020204" pitchFamily="34" charset="0"/>
                 <a:cs typeface="Arial" panose="020B0604020202020204" pitchFamily="34" charset="0"/>
               </a:rPr>
@@ -4465,6 +5164,13 @@
               <a:solidFill>
                 <a:srgbClr val="660033"/>
               </a:solidFill>
+              <a:effectLst>
+                <a:outerShdw blurRad="38100" dist="38100" dir="2700000" algn="tl">
+                  <a:srgbClr val="000000">
+                    <a:alpha val="43137"/>
+                  </a:srgbClr>
+                </a:outerShdw>
+              </a:effectLst>
               <a:latin typeface="Arial" panose="020B0604020202020204" pitchFamily="34" charset="0"/>
               <a:cs typeface="Arial" panose="020B0604020202020204" pitchFamily="34" charset="0"/>
             </a:endParaRPr>
@@ -4483,6 +5189,13 @@
                 <a:solidFill>
                   <a:srgbClr val="660033"/>
                 </a:solidFill>
+                <a:effectLst>
+                  <a:outerShdw blurRad="38100" dist="38100" dir="2700000" algn="tl">
+                    <a:srgbClr val="000000">
+                      <a:alpha val="43137"/>
+                    </a:srgbClr>
+                  </a:outerShdw>
+                </a:effectLst>
                 <a:latin typeface="Arial" panose="020B0604020202020204" pitchFamily="34" charset="0"/>
                 <a:cs typeface="Arial" panose="020B0604020202020204" pitchFamily="34" charset="0"/>
               </a:rPr>
@@ -4493,6 +5206,13 @@
                 <a:solidFill>
                   <a:srgbClr val="660033"/>
                 </a:solidFill>
+                <a:effectLst>
+                  <a:outerShdw blurRad="38100" dist="38100" dir="2700000" algn="tl">
+                    <a:srgbClr val="000000">
+                      <a:alpha val="43137"/>
+                    </a:srgbClr>
+                  </a:outerShdw>
+                </a:effectLst>
                 <a:latin typeface="Arial" panose="020B0604020202020204" pitchFamily="34" charset="0"/>
                 <a:cs typeface="Arial" panose="020B0604020202020204" pitchFamily="34" charset="0"/>
               </a:rPr>
@@ -4503,6 +5223,13 @@
                 <a:solidFill>
                   <a:srgbClr val="660033"/>
                 </a:solidFill>
+                <a:effectLst>
+                  <a:outerShdw blurRad="38100" dist="38100" dir="2700000" algn="tl">
+                    <a:srgbClr val="000000">
+                      <a:alpha val="43137"/>
+                    </a:srgbClr>
+                  </a:outerShdw>
+                </a:effectLst>
                 <a:latin typeface="Arial" panose="020B0604020202020204" pitchFamily="34" charset="0"/>
                 <a:cs typeface="Arial" panose="020B0604020202020204" pitchFamily="34" charset="0"/>
               </a:rPr>
@@ -4513,6 +5240,13 @@
                 <a:solidFill>
                   <a:srgbClr val="660033"/>
                 </a:solidFill>
+                <a:effectLst>
+                  <a:outerShdw blurRad="38100" dist="38100" dir="2700000" algn="tl">
+                    <a:srgbClr val="000000">
+                      <a:alpha val="43137"/>
+                    </a:srgbClr>
+                  </a:outerShdw>
+                </a:effectLst>
                 <a:latin typeface="Arial" panose="020B0604020202020204" pitchFamily="34" charset="0"/>
                 <a:cs typeface="Arial" panose="020B0604020202020204" pitchFamily="34" charset="0"/>
               </a:rPr>
@@ -4523,6 +5257,13 @@
                 <a:solidFill>
                   <a:srgbClr val="660033"/>
                 </a:solidFill>
+                <a:effectLst>
+                  <a:outerShdw blurRad="38100" dist="38100" dir="2700000" algn="tl">
+                    <a:srgbClr val="000000">
+                      <a:alpha val="43137"/>
+                    </a:srgbClr>
+                  </a:outerShdw>
+                </a:effectLst>
                 <a:latin typeface="Arial" panose="020B0604020202020204" pitchFamily="34" charset="0"/>
                 <a:cs typeface="Arial" panose="020B0604020202020204" pitchFamily="34" charset="0"/>
               </a:rPr>
@@ -4533,6 +5274,13 @@
                 <a:solidFill>
                   <a:srgbClr val="660033"/>
                 </a:solidFill>
+                <a:effectLst>
+                  <a:outerShdw blurRad="38100" dist="38100" dir="2700000" algn="tl">
+                    <a:srgbClr val="000000">
+                      <a:alpha val="43137"/>
+                    </a:srgbClr>
+                  </a:outerShdw>
+                </a:effectLst>
                 <a:latin typeface="Arial" panose="020B0604020202020204" pitchFamily="34" charset="0"/>
                 <a:cs typeface="Arial" panose="020B0604020202020204" pitchFamily="34" charset="0"/>
               </a:rPr>
@@ -4543,6 +5291,13 @@
                 <a:solidFill>
                   <a:srgbClr val="660033"/>
                 </a:solidFill>
+                <a:effectLst>
+                  <a:outerShdw blurRad="38100" dist="38100" dir="2700000" algn="tl">
+                    <a:srgbClr val="000000">
+                      <a:alpha val="43137"/>
+                    </a:srgbClr>
+                  </a:outerShdw>
+                </a:effectLst>
                 <a:latin typeface="Arial" panose="020B0604020202020204" pitchFamily="34" charset="0"/>
                 <a:cs typeface="Arial" panose="020B0604020202020204" pitchFamily="34" charset="0"/>
               </a:rPr>
@@ -4553,6 +5308,13 @@
                 <a:solidFill>
                   <a:srgbClr val="660033"/>
                 </a:solidFill>
+                <a:effectLst>
+                  <a:outerShdw blurRad="38100" dist="38100" dir="2700000" algn="tl">
+                    <a:srgbClr val="000000">
+                      <a:alpha val="43137"/>
+                    </a:srgbClr>
+                  </a:outerShdw>
+                </a:effectLst>
                 <a:latin typeface="Arial" panose="020B0604020202020204" pitchFamily="34" charset="0"/>
                 <a:cs typeface="Arial" panose="020B0604020202020204" pitchFamily="34" charset="0"/>
               </a:rPr>
@@ -4563,6 +5325,13 @@
                 <a:solidFill>
                   <a:srgbClr val="660033"/>
                 </a:solidFill>
+                <a:effectLst>
+                  <a:outerShdw blurRad="38100" dist="38100" dir="2700000" algn="tl">
+                    <a:srgbClr val="000000">
+                      <a:alpha val="43137"/>
+                    </a:srgbClr>
+                  </a:outerShdw>
+                </a:effectLst>
                 <a:latin typeface="Arial" panose="020B0604020202020204" pitchFamily="34" charset="0"/>
                 <a:cs typeface="Arial" panose="020B0604020202020204" pitchFamily="34" charset="0"/>
               </a:rPr>
@@ -4573,6 +5342,13 @@
                 <a:solidFill>
                   <a:srgbClr val="660033"/>
                 </a:solidFill>
+                <a:effectLst>
+                  <a:outerShdw blurRad="38100" dist="38100" dir="2700000" algn="tl">
+                    <a:srgbClr val="000000">
+                      <a:alpha val="43137"/>
+                    </a:srgbClr>
+                  </a:outerShdw>
+                </a:effectLst>
                 <a:latin typeface="Arial" panose="020B0604020202020204" pitchFamily="34" charset="0"/>
                 <a:cs typeface="Arial" panose="020B0604020202020204" pitchFamily="34" charset="0"/>
               </a:rPr>
@@ -4658,14 +5434,24 @@
           <a:p>
             <a:pPr algn="ctr"/>
             <a:r>
-              <a:rPr lang="en-US" sz="4000" b="1" spc="-1" dirty="0" err="1">
+              <a:rPr lang="zh-CN" altLang="en-US" sz="4000" b="1" spc="-1" dirty="0">
                 <a:solidFill>
                   <a:srgbClr val="000066"/>
                 </a:solidFill>
                 <a:latin typeface="微軟正黑體"/>
                 <a:ea typeface="微軟正黑體"/>
               </a:rPr>
-              <a:t>你是我的一切</a:t>
+              <a:t>袮</a:t>
+            </a:r>
+            <a:r>
+              <a:rPr lang="en-US" sz="4000" b="1" spc="-1" dirty="0" err="1" smtClean="0">
+                <a:solidFill>
+                  <a:srgbClr val="000066"/>
+                </a:solidFill>
+                <a:latin typeface="微軟正黑體"/>
+                <a:ea typeface="微軟正黑體"/>
+              </a:rPr>
+              <a:t>是我的一切</a:t>
             </a:r>
             <a:r>
               <a:rPr dirty="0"/>
@@ -4720,16 +5506,98 @@
               </a:spcBef>
             </a:pPr>
             <a:r>
-              <a:rPr lang="en-US" sz="4400" b="1" strike="noStrike" spc="-1">
+              <a:rPr lang="en-US" sz="4800" b="1" strike="noStrike" spc="-1" dirty="0" err="1">
                 <a:solidFill>
                   <a:srgbClr val="000066"/>
                 </a:solidFill>
+                <a:effectLst>
+                  <a:outerShdw blurRad="38100" dist="38100" dir="2700000" algn="tl">
+                    <a:srgbClr val="000000">
+                      <a:alpha val="43137"/>
+                    </a:srgbClr>
+                  </a:outerShdw>
+                </a:effectLst>
                 <a:latin typeface="微軟正黑體"/>
                 <a:ea typeface="微軟正黑體"/>
               </a:rPr>
-              <a:t>耶穌  神羔羊  配得大讚美</a:t>
-            </a:r>
-            <a:endParaRPr lang="en-US" sz="4400" b="0" strike="noStrike" spc="-1">
+              <a:t>耶穌</a:t>
+            </a:r>
+            <a:r>
+              <a:rPr lang="en-US" sz="4800" b="1" strike="noStrike" spc="-1" dirty="0">
+                <a:solidFill>
+                  <a:srgbClr val="000066"/>
+                </a:solidFill>
+                <a:effectLst>
+                  <a:outerShdw blurRad="38100" dist="38100" dir="2700000" algn="tl">
+                    <a:srgbClr val="000000">
+                      <a:alpha val="43137"/>
+                    </a:srgbClr>
+                  </a:outerShdw>
+                </a:effectLst>
+                <a:latin typeface="微軟正黑體"/>
+                <a:ea typeface="微軟正黑體"/>
+              </a:rPr>
+              <a:t>  </a:t>
+            </a:r>
+            <a:r>
+              <a:rPr lang="en-US" sz="4800" b="1" strike="noStrike" spc="-1" dirty="0" err="1">
+                <a:solidFill>
+                  <a:srgbClr val="000066"/>
+                </a:solidFill>
+                <a:effectLst>
+                  <a:outerShdw blurRad="38100" dist="38100" dir="2700000" algn="tl">
+                    <a:srgbClr val="000000">
+                      <a:alpha val="43137"/>
+                    </a:srgbClr>
+                  </a:outerShdw>
+                </a:effectLst>
+                <a:latin typeface="微軟正黑體"/>
+                <a:ea typeface="微軟正黑體"/>
+              </a:rPr>
+              <a:t>神羔羊</a:t>
+            </a:r>
+            <a:r>
+              <a:rPr lang="en-US" sz="4800" b="1" strike="noStrike" spc="-1" dirty="0">
+                <a:solidFill>
+                  <a:srgbClr val="000066"/>
+                </a:solidFill>
+                <a:effectLst>
+                  <a:outerShdw blurRad="38100" dist="38100" dir="2700000" algn="tl">
+                    <a:srgbClr val="000000">
+                      <a:alpha val="43137"/>
+                    </a:srgbClr>
+                  </a:outerShdw>
+                </a:effectLst>
+                <a:latin typeface="微軟正黑體"/>
+                <a:ea typeface="微軟正黑體"/>
+              </a:rPr>
+              <a:t>  </a:t>
+            </a:r>
+            <a:r>
+              <a:rPr lang="en-US" sz="4800" b="1" strike="noStrike" spc="-1" dirty="0" err="1">
+                <a:solidFill>
+                  <a:srgbClr val="000066"/>
+                </a:solidFill>
+                <a:effectLst>
+                  <a:outerShdw blurRad="38100" dist="38100" dir="2700000" algn="tl">
+                    <a:srgbClr val="000000">
+                      <a:alpha val="43137"/>
+                    </a:srgbClr>
+                  </a:outerShdw>
+                </a:effectLst>
+                <a:latin typeface="微軟正黑體"/>
+                <a:ea typeface="微軟正黑體"/>
+              </a:rPr>
+              <a:t>配得大讚美</a:t>
+            </a:r>
+            <a:endParaRPr lang="en-US" sz="4800" b="0" strike="noStrike" spc="-1" dirty="0">
+              <a:effectLst>
+                <a:outerShdw blurRad="38100" dist="38100" dir="2700000" algn="tl">
+                  <a:srgbClr val="000000">
+                    <a:alpha val="43137"/>
+                  </a:srgbClr>
+                </a:outerShdw>
+              </a:effectLst>
               <a:latin typeface="Arial"/>
             </a:endParaRPr>
           </a:p>
@@ -4743,16 +5611,98 @@
               </a:spcBef>
             </a:pPr>
             <a:r>
-              <a:rPr lang="en-US" sz="4400" b="1" strike="noStrike" spc="-1">
+              <a:rPr lang="en-US" sz="4800" b="1" strike="noStrike" spc="-1" dirty="0" err="1">
                 <a:solidFill>
                   <a:srgbClr val="000066"/>
                 </a:solidFill>
+                <a:effectLst>
+                  <a:outerShdw blurRad="38100" dist="38100" dir="2700000" algn="tl">
+                    <a:srgbClr val="000000">
+                      <a:alpha val="43137"/>
+                    </a:srgbClr>
+                  </a:outerShdw>
+                </a:effectLst>
                 <a:latin typeface="微軟正黑體"/>
                 <a:ea typeface="微軟正黑體"/>
               </a:rPr>
-              <a:t>耶穌  神羔羊  配得大讚美</a:t>
-            </a:r>
-            <a:endParaRPr lang="en-US" sz="4400" b="0" strike="noStrike" spc="-1">
+              <a:t>耶穌</a:t>
+            </a:r>
+            <a:r>
+              <a:rPr lang="en-US" sz="4800" b="1" strike="noStrike" spc="-1" dirty="0">
+                <a:solidFill>
+                  <a:srgbClr val="000066"/>
+                </a:solidFill>
+                <a:effectLst>
+                  <a:outerShdw blurRad="38100" dist="38100" dir="2700000" algn="tl">
+                    <a:srgbClr val="000000">
+                      <a:alpha val="43137"/>
+                    </a:srgbClr>
+                  </a:outerShdw>
+                </a:effectLst>
+                <a:latin typeface="微軟正黑體"/>
+                <a:ea typeface="微軟正黑體"/>
+              </a:rPr>
+              <a:t>  </a:t>
+            </a:r>
+            <a:r>
+              <a:rPr lang="en-US" sz="4800" b="1" strike="noStrike" spc="-1" dirty="0" err="1">
+                <a:solidFill>
+                  <a:srgbClr val="000066"/>
+                </a:solidFill>
+                <a:effectLst>
+                  <a:outerShdw blurRad="38100" dist="38100" dir="2700000" algn="tl">
+                    <a:srgbClr val="000000">
+                      <a:alpha val="43137"/>
+                    </a:srgbClr>
+                  </a:outerShdw>
+                </a:effectLst>
+                <a:latin typeface="微軟正黑體"/>
+                <a:ea typeface="微軟正黑體"/>
+              </a:rPr>
+              <a:t>神羔羊</a:t>
+            </a:r>
+            <a:r>
+              <a:rPr lang="en-US" sz="4800" b="1" strike="noStrike" spc="-1" dirty="0">
+                <a:solidFill>
+                  <a:srgbClr val="000066"/>
+                </a:solidFill>
+                <a:effectLst>
+                  <a:outerShdw blurRad="38100" dist="38100" dir="2700000" algn="tl">
+                    <a:srgbClr val="000000">
+                      <a:alpha val="43137"/>
+                    </a:srgbClr>
+                  </a:outerShdw>
+                </a:effectLst>
+                <a:latin typeface="微軟正黑體"/>
+                <a:ea typeface="微軟正黑體"/>
+              </a:rPr>
+              <a:t>  </a:t>
+            </a:r>
+            <a:r>
+              <a:rPr lang="en-US" sz="4800" b="1" strike="noStrike" spc="-1" dirty="0" err="1">
+                <a:solidFill>
+                  <a:srgbClr val="000066"/>
+                </a:solidFill>
+                <a:effectLst>
+                  <a:outerShdw blurRad="38100" dist="38100" dir="2700000" algn="tl">
+                    <a:srgbClr val="000000">
+                      <a:alpha val="43137"/>
+                    </a:srgbClr>
+                  </a:outerShdw>
+                </a:effectLst>
+                <a:latin typeface="微軟正黑體"/>
+                <a:ea typeface="微軟正黑體"/>
+              </a:rPr>
+              <a:t>配得大讚美</a:t>
+            </a:r>
+            <a:endParaRPr lang="en-US" sz="4800" b="0" strike="noStrike" spc="-1" dirty="0">
+              <a:effectLst>
+                <a:outerShdw blurRad="38100" dist="38100" dir="2700000" algn="tl">
+                  <a:srgbClr val="000000">
+                    <a:alpha val="43137"/>
+                  </a:srgbClr>
+                </a:outerShdw>
+              </a:effectLst>
               <a:latin typeface="Arial"/>
             </a:endParaRPr>
           </a:p>
@@ -4791,6 +5741,13 @@
                 <a:solidFill>
                   <a:srgbClr val="660033"/>
                 </a:solidFill>
+                <a:effectLst>
+                  <a:outerShdw blurRad="38100" dist="38100" dir="2700000" algn="tl">
+                    <a:srgbClr val="000000">
+                      <a:alpha val="43137"/>
+                    </a:srgbClr>
+                  </a:outerShdw>
+                </a:effectLst>
                 <a:latin typeface="Arial" panose="020B0604020202020204" pitchFamily="34" charset="0"/>
                 <a:cs typeface="Arial" panose="020B0604020202020204" pitchFamily="34" charset="0"/>
               </a:rPr>
@@ -4801,6 +5758,13 @@
                 <a:solidFill>
                   <a:srgbClr val="660033"/>
                 </a:solidFill>
+                <a:effectLst>
+                  <a:outerShdw blurRad="38100" dist="38100" dir="2700000" algn="tl">
+                    <a:srgbClr val="000000">
+                      <a:alpha val="43137"/>
+                    </a:srgbClr>
+                  </a:outerShdw>
+                </a:effectLst>
                 <a:latin typeface="Arial" panose="020B0604020202020204" pitchFamily="34" charset="0"/>
                 <a:cs typeface="Arial" panose="020B0604020202020204" pitchFamily="34" charset="0"/>
               </a:rPr>
@@ -4811,6 +5775,13 @@
                 <a:solidFill>
                   <a:srgbClr val="660033"/>
                 </a:solidFill>
+                <a:effectLst>
+                  <a:outerShdw blurRad="38100" dist="38100" dir="2700000" algn="tl">
+                    <a:srgbClr val="000000">
+                      <a:alpha val="43137"/>
+                    </a:srgbClr>
+                  </a:outerShdw>
+                </a:effectLst>
                 <a:latin typeface="Arial" panose="020B0604020202020204" pitchFamily="34" charset="0"/>
                 <a:cs typeface="Arial" panose="020B0604020202020204" pitchFamily="34" charset="0"/>
               </a:rPr>
@@ -4821,6 +5792,13 @@
                 <a:solidFill>
                   <a:srgbClr val="660033"/>
                 </a:solidFill>
+                <a:effectLst>
+                  <a:outerShdw blurRad="38100" dist="38100" dir="2700000" algn="tl">
+                    <a:srgbClr val="000000">
+                      <a:alpha val="43137"/>
+                    </a:srgbClr>
+                  </a:outerShdw>
+                </a:effectLst>
                 <a:latin typeface="Arial" panose="020B0604020202020204" pitchFamily="34" charset="0"/>
                 <a:cs typeface="Arial" panose="020B0604020202020204" pitchFamily="34" charset="0"/>
               </a:rPr>
@@ -4831,6 +5809,13 @@
                 <a:solidFill>
                   <a:srgbClr val="660033"/>
                 </a:solidFill>
+                <a:effectLst>
+                  <a:outerShdw blurRad="38100" dist="38100" dir="2700000" algn="tl">
+                    <a:srgbClr val="000000">
+                      <a:alpha val="43137"/>
+                    </a:srgbClr>
+                  </a:outerShdw>
+                </a:effectLst>
                 <a:latin typeface="Arial" panose="020B0604020202020204" pitchFamily="34" charset="0"/>
                 <a:cs typeface="Arial" panose="020B0604020202020204" pitchFamily="34" charset="0"/>
               </a:rPr>
@@ -4841,6 +5826,13 @@
                 <a:solidFill>
                   <a:srgbClr val="660033"/>
                 </a:solidFill>
+                <a:effectLst>
+                  <a:outerShdw blurRad="38100" dist="38100" dir="2700000" algn="tl">
+                    <a:srgbClr val="000000">
+                      <a:alpha val="43137"/>
+                    </a:srgbClr>
+                  </a:outerShdw>
+                </a:effectLst>
                 <a:latin typeface="Arial" panose="020B0604020202020204" pitchFamily="34" charset="0"/>
                 <a:cs typeface="Arial" panose="020B0604020202020204" pitchFamily="34" charset="0"/>
               </a:rPr>
@@ -4851,6 +5843,13 @@
                 <a:solidFill>
                   <a:srgbClr val="660033"/>
                 </a:solidFill>
+                <a:effectLst>
+                  <a:outerShdw blurRad="38100" dist="38100" dir="2700000" algn="tl">
+                    <a:srgbClr val="000000">
+                      <a:alpha val="43137"/>
+                    </a:srgbClr>
+                  </a:outerShdw>
+                </a:effectLst>
                 <a:latin typeface="Arial" panose="020B0604020202020204" pitchFamily="34" charset="0"/>
                 <a:cs typeface="Arial" panose="020B0604020202020204" pitchFamily="34" charset="0"/>
               </a:rPr>
@@ -4861,6 +5860,13 @@
                 <a:solidFill>
                   <a:srgbClr val="660033"/>
                 </a:solidFill>
+                <a:effectLst>
+                  <a:outerShdw blurRad="38100" dist="38100" dir="2700000" algn="tl">
+                    <a:srgbClr val="000000">
+                      <a:alpha val="43137"/>
+                    </a:srgbClr>
+                  </a:outerShdw>
+                </a:effectLst>
                 <a:latin typeface="Arial" panose="020B0604020202020204" pitchFamily="34" charset="0"/>
                 <a:cs typeface="Arial" panose="020B0604020202020204" pitchFamily="34" charset="0"/>
               </a:rPr>
@@ -4871,6 +5877,13 @@
                 <a:solidFill>
                   <a:srgbClr val="660033"/>
                 </a:solidFill>
+                <a:effectLst>
+                  <a:outerShdw blurRad="38100" dist="38100" dir="2700000" algn="tl">
+                    <a:srgbClr val="000000">
+                      <a:alpha val="43137"/>
+                    </a:srgbClr>
+                  </a:outerShdw>
+                </a:effectLst>
                 <a:latin typeface="Arial" panose="020B0604020202020204" pitchFamily="34" charset="0"/>
                 <a:cs typeface="Arial" panose="020B0604020202020204" pitchFamily="34" charset="0"/>
               </a:rPr>
@@ -4881,6 +5894,13 @@
                 <a:solidFill>
                   <a:srgbClr val="660033"/>
                 </a:solidFill>
+                <a:effectLst>
+                  <a:outerShdw blurRad="38100" dist="38100" dir="2700000" algn="tl">
+                    <a:srgbClr val="000000">
+                      <a:alpha val="43137"/>
+                    </a:srgbClr>
+                  </a:outerShdw>
+                </a:effectLst>
                 <a:latin typeface="Arial" panose="020B0604020202020204" pitchFamily="34" charset="0"/>
                 <a:cs typeface="Arial" panose="020B0604020202020204" pitchFamily="34" charset="0"/>
               </a:rPr>
@@ -4891,6 +5911,13 @@
                 <a:solidFill>
                   <a:srgbClr val="660033"/>
                 </a:solidFill>
+                <a:effectLst>
+                  <a:outerShdw blurRad="38100" dist="38100" dir="2700000" algn="tl">
+                    <a:srgbClr val="000000">
+                      <a:alpha val="43137"/>
+                    </a:srgbClr>
+                  </a:outerShdw>
+                </a:effectLst>
                 <a:latin typeface="Arial" panose="020B0604020202020204" pitchFamily="34" charset="0"/>
                 <a:cs typeface="Arial" panose="020B0604020202020204" pitchFamily="34" charset="0"/>
               </a:rPr>
@@ -4901,6 +5928,13 @@
                 <a:solidFill>
                   <a:srgbClr val="660033"/>
                 </a:solidFill>
+                <a:effectLst>
+                  <a:outerShdw blurRad="38100" dist="38100" dir="2700000" algn="tl">
+                    <a:srgbClr val="000000">
+                      <a:alpha val="43137"/>
+                    </a:srgbClr>
+                  </a:outerShdw>
+                </a:effectLst>
                 <a:latin typeface="Arial" panose="020B0604020202020204" pitchFamily="34" charset="0"/>
                 <a:cs typeface="Arial" panose="020B0604020202020204" pitchFamily="34" charset="0"/>
               </a:rPr>
@@ -4911,6 +5945,13 @@
                 <a:solidFill>
                   <a:srgbClr val="660033"/>
                 </a:solidFill>
+                <a:effectLst>
+                  <a:outerShdw blurRad="38100" dist="38100" dir="2700000" algn="tl">
+                    <a:srgbClr val="000000">
+                      <a:alpha val="43137"/>
+                    </a:srgbClr>
+                  </a:outerShdw>
+                </a:effectLst>
                 <a:latin typeface="Arial" panose="020B0604020202020204" pitchFamily="34" charset="0"/>
                 <a:cs typeface="Arial" panose="020B0604020202020204" pitchFamily="34" charset="0"/>
               </a:rPr>
@@ -4921,6 +5962,13 @@
                 <a:solidFill>
                   <a:srgbClr val="660033"/>
                 </a:solidFill>
+                <a:effectLst>
+                  <a:outerShdw blurRad="38100" dist="38100" dir="2700000" algn="tl">
+                    <a:srgbClr val="000000">
+                      <a:alpha val="43137"/>
+                    </a:srgbClr>
+                  </a:outerShdw>
+                </a:effectLst>
                 <a:latin typeface="Arial" panose="020B0604020202020204" pitchFamily="34" charset="0"/>
                 <a:cs typeface="Arial" panose="020B0604020202020204" pitchFamily="34" charset="0"/>
               </a:rPr>
@@ -4931,6 +5979,13 @@
                 <a:solidFill>
                   <a:srgbClr val="660033"/>
                 </a:solidFill>
+                <a:effectLst>
+                  <a:outerShdw blurRad="38100" dist="38100" dir="2700000" algn="tl">
+                    <a:srgbClr val="000000">
+                      <a:alpha val="43137"/>
+                    </a:srgbClr>
+                  </a:outerShdw>
+                </a:effectLst>
                 <a:latin typeface="Arial" panose="020B0604020202020204" pitchFamily="34" charset="0"/>
                 <a:cs typeface="Arial" panose="020B0604020202020204" pitchFamily="34" charset="0"/>
               </a:rPr>
@@ -4940,6 +5995,13 @@
               <a:solidFill>
                 <a:srgbClr val="660033"/>
               </a:solidFill>
+              <a:effectLst>
+                <a:outerShdw blurRad="38100" dist="38100" dir="2700000" algn="tl">
+                  <a:srgbClr val="000000">
+                    <a:alpha val="43137"/>
+                  </a:srgbClr>
+                </a:outerShdw>
+              </a:effectLst>
               <a:latin typeface="Arial" panose="020B0604020202020204" pitchFamily="34" charset="0"/>
               <a:cs typeface="Arial" panose="020B0604020202020204" pitchFamily="34" charset="0"/>
             </a:endParaRPr>
@@ -4955,6 +6017,13 @@
                 <a:solidFill>
                   <a:srgbClr val="660033"/>
                 </a:solidFill>
+                <a:effectLst>
+                  <a:outerShdw blurRad="38100" dist="38100" dir="2700000" algn="tl">
+                    <a:srgbClr val="000000">
+                      <a:alpha val="43137"/>
+                    </a:srgbClr>
+                  </a:outerShdw>
+                </a:effectLst>
                 <a:latin typeface="Arial" panose="020B0604020202020204" pitchFamily="34" charset="0"/>
                 <a:cs typeface="Arial" panose="020B0604020202020204" pitchFamily="34" charset="0"/>
               </a:rPr>
@@ -4965,6 +6034,13 @@
                 <a:solidFill>
                   <a:srgbClr val="660033"/>
                 </a:solidFill>
+                <a:effectLst>
+                  <a:outerShdw blurRad="38100" dist="38100" dir="2700000" algn="tl">
+                    <a:srgbClr val="000000">
+                      <a:alpha val="43137"/>
+                    </a:srgbClr>
+                  </a:outerShdw>
+                </a:effectLst>
                 <a:latin typeface="Arial" panose="020B0604020202020204" pitchFamily="34" charset="0"/>
                 <a:cs typeface="Arial" panose="020B0604020202020204" pitchFamily="34" charset="0"/>
               </a:rPr>
@@ -4975,6 +6051,13 @@
                 <a:solidFill>
                   <a:srgbClr val="660033"/>
                 </a:solidFill>
+                <a:effectLst>
+                  <a:outerShdw blurRad="38100" dist="38100" dir="2700000" algn="tl">
+                    <a:srgbClr val="000000">
+                      <a:alpha val="43137"/>
+                    </a:srgbClr>
+                  </a:outerShdw>
+                </a:effectLst>
                 <a:latin typeface="Arial" panose="020B0604020202020204" pitchFamily="34" charset="0"/>
                 <a:cs typeface="Arial" panose="020B0604020202020204" pitchFamily="34" charset="0"/>
               </a:rPr>
@@ -4985,6 +6068,13 @@
                 <a:solidFill>
                   <a:srgbClr val="660033"/>
                 </a:solidFill>
+                <a:effectLst>
+                  <a:outerShdw blurRad="38100" dist="38100" dir="2700000" algn="tl">
+                    <a:srgbClr val="000000">
+                      <a:alpha val="43137"/>
+                    </a:srgbClr>
+                  </a:outerShdw>
+                </a:effectLst>
                 <a:latin typeface="Arial" panose="020B0604020202020204" pitchFamily="34" charset="0"/>
                 <a:cs typeface="Arial" panose="020B0604020202020204" pitchFamily="34" charset="0"/>
               </a:rPr>
@@ -4995,6 +6085,13 @@
                 <a:solidFill>
                   <a:srgbClr val="660033"/>
                 </a:solidFill>
+                <a:effectLst>
+                  <a:outerShdw blurRad="38100" dist="38100" dir="2700000" algn="tl">
+                    <a:srgbClr val="000000">
+                      <a:alpha val="43137"/>
+                    </a:srgbClr>
+                  </a:outerShdw>
+                </a:effectLst>
                 <a:latin typeface="Arial" panose="020B0604020202020204" pitchFamily="34" charset="0"/>
                 <a:cs typeface="Arial" panose="020B0604020202020204" pitchFamily="34" charset="0"/>
               </a:rPr>
@@ -5005,6 +6102,13 @@
                 <a:solidFill>
                   <a:srgbClr val="660033"/>
                 </a:solidFill>
+                <a:effectLst>
+                  <a:outerShdw blurRad="38100" dist="38100" dir="2700000" algn="tl">
+                    <a:srgbClr val="000000">
+                      <a:alpha val="43137"/>
+                    </a:srgbClr>
+                  </a:outerShdw>
+                </a:effectLst>
                 <a:latin typeface="Arial" panose="020B0604020202020204" pitchFamily="34" charset="0"/>
                 <a:cs typeface="Arial" panose="020B0604020202020204" pitchFamily="34" charset="0"/>
               </a:rPr>
@@ -5015,6 +6119,13 @@
                 <a:solidFill>
                   <a:srgbClr val="660033"/>
                 </a:solidFill>
+                <a:effectLst>
+                  <a:outerShdw blurRad="38100" dist="38100" dir="2700000" algn="tl">
+                    <a:srgbClr val="000000">
+                      <a:alpha val="43137"/>
+                    </a:srgbClr>
+                  </a:outerShdw>
+                </a:effectLst>
                 <a:latin typeface="Arial" panose="020B0604020202020204" pitchFamily="34" charset="0"/>
                 <a:cs typeface="Arial" panose="020B0604020202020204" pitchFamily="34" charset="0"/>
               </a:rPr>
@@ -5025,6 +6136,13 @@
                 <a:solidFill>
                   <a:srgbClr val="660033"/>
                 </a:solidFill>
+                <a:effectLst>
+                  <a:outerShdw blurRad="38100" dist="38100" dir="2700000" algn="tl">
+                    <a:srgbClr val="000000">
+                      <a:alpha val="43137"/>
+                    </a:srgbClr>
+                  </a:outerShdw>
+                </a:effectLst>
                 <a:latin typeface="Arial" panose="020B0604020202020204" pitchFamily="34" charset="0"/>
                 <a:cs typeface="Arial" panose="020B0604020202020204" pitchFamily="34" charset="0"/>
               </a:rPr>
@@ -5035,6 +6153,13 @@
                 <a:solidFill>
                   <a:srgbClr val="660033"/>
                 </a:solidFill>
+                <a:effectLst>
+                  <a:outerShdw blurRad="38100" dist="38100" dir="2700000" algn="tl">
+                    <a:srgbClr val="000000">
+                      <a:alpha val="43137"/>
+                    </a:srgbClr>
+                  </a:outerShdw>
+                </a:effectLst>
                 <a:latin typeface="Arial" panose="020B0604020202020204" pitchFamily="34" charset="0"/>
                 <a:cs typeface="Arial" panose="020B0604020202020204" pitchFamily="34" charset="0"/>
               </a:rPr>
@@ -5045,6 +6170,13 @@
                 <a:solidFill>
                   <a:srgbClr val="660033"/>
                 </a:solidFill>
+                <a:effectLst>
+                  <a:outerShdw blurRad="38100" dist="38100" dir="2700000" algn="tl">
+                    <a:srgbClr val="000000">
+                      <a:alpha val="43137"/>
+                    </a:srgbClr>
+                  </a:outerShdw>
+                </a:effectLst>
                 <a:latin typeface="Arial" panose="020B0604020202020204" pitchFamily="34" charset="0"/>
                 <a:cs typeface="Arial" panose="020B0604020202020204" pitchFamily="34" charset="0"/>
               </a:rPr>
@@ -5055,6 +6187,13 @@
                 <a:solidFill>
                   <a:srgbClr val="660033"/>
                 </a:solidFill>
+                <a:effectLst>
+                  <a:outerShdw blurRad="38100" dist="38100" dir="2700000" algn="tl">
+                    <a:srgbClr val="000000">
+                      <a:alpha val="43137"/>
+                    </a:srgbClr>
+                  </a:outerShdw>
+                </a:effectLst>
                 <a:latin typeface="Arial" panose="020B0604020202020204" pitchFamily="34" charset="0"/>
                 <a:cs typeface="Arial" panose="020B0604020202020204" pitchFamily="34" charset="0"/>
               </a:rPr>
@@ -5065,6 +6204,13 @@
                 <a:solidFill>
                   <a:srgbClr val="660033"/>
                 </a:solidFill>
+                <a:effectLst>
+                  <a:outerShdw blurRad="38100" dist="38100" dir="2700000" algn="tl">
+                    <a:srgbClr val="000000">
+                      <a:alpha val="43137"/>
+                    </a:srgbClr>
+                  </a:outerShdw>
+                </a:effectLst>
                 <a:latin typeface="Arial" panose="020B0604020202020204" pitchFamily="34" charset="0"/>
                 <a:cs typeface="Arial" panose="020B0604020202020204" pitchFamily="34" charset="0"/>
               </a:rPr>
@@ -5075,6 +6221,13 @@
                 <a:solidFill>
                   <a:srgbClr val="660033"/>
                 </a:solidFill>
+                <a:effectLst>
+                  <a:outerShdw blurRad="38100" dist="38100" dir="2700000" algn="tl">
+                    <a:srgbClr val="000000">
+                      <a:alpha val="43137"/>
+                    </a:srgbClr>
+                  </a:outerShdw>
+                </a:effectLst>
                 <a:latin typeface="Arial" panose="020B0604020202020204" pitchFamily="34" charset="0"/>
                 <a:cs typeface="Arial" panose="020B0604020202020204" pitchFamily="34" charset="0"/>
               </a:rPr>
@@ -5085,6 +6238,13 @@
                 <a:solidFill>
                   <a:srgbClr val="660033"/>
                 </a:solidFill>
+                <a:effectLst>
+                  <a:outerShdw blurRad="38100" dist="38100" dir="2700000" algn="tl">
+                    <a:srgbClr val="000000">
+                      <a:alpha val="43137"/>
+                    </a:srgbClr>
+                  </a:outerShdw>
+                </a:effectLst>
                 <a:latin typeface="Arial" panose="020B0604020202020204" pitchFamily="34" charset="0"/>
                 <a:cs typeface="Arial" panose="020B0604020202020204" pitchFamily="34" charset="0"/>
               </a:rPr>
@@ -5095,6 +6255,13 @@
                 <a:solidFill>
                   <a:srgbClr val="660033"/>
                 </a:solidFill>
+                <a:effectLst>
+                  <a:outerShdw blurRad="38100" dist="38100" dir="2700000" algn="tl">
+                    <a:srgbClr val="000000">
+                      <a:alpha val="43137"/>
+                    </a:srgbClr>
+                  </a:outerShdw>
+                </a:effectLst>
                 <a:latin typeface="Arial" panose="020B0604020202020204" pitchFamily="34" charset="0"/>
                 <a:cs typeface="Arial" panose="020B0604020202020204" pitchFamily="34" charset="0"/>
               </a:rPr>
@@ -5104,6 +6271,13 @@
               <a:solidFill>
                 <a:srgbClr val="660033"/>
               </a:solidFill>
+              <a:effectLst>
+                <a:outerShdw blurRad="38100" dist="38100" dir="2700000" algn="tl">
+                  <a:srgbClr val="000000">
+                    <a:alpha val="43137"/>
+                  </a:srgbClr>
+                </a:outerShdw>
+              </a:effectLst>
               <a:latin typeface="Arial" panose="020B0604020202020204" pitchFamily="34" charset="0"/>
               <a:cs typeface="Arial" panose="020B0604020202020204" pitchFamily="34" charset="0"/>
             </a:endParaRPr>
@@ -5187,14 +6361,24 @@
           <a:p>
             <a:pPr algn="ctr"/>
             <a:r>
-              <a:rPr lang="en-US" sz="4000" b="1" spc="-1" dirty="0" err="1">
+              <a:rPr lang="zh-CN" altLang="en-US" sz="4000" b="1" spc="-1" dirty="0">
                 <a:solidFill>
                   <a:srgbClr val="000066"/>
                 </a:solidFill>
                 <a:latin typeface="微軟正黑體"/>
                 <a:ea typeface="微軟正黑體"/>
               </a:rPr>
-              <a:t>你是我的一切</a:t>
+              <a:t>袮</a:t>
+            </a:r>
+            <a:r>
+              <a:rPr lang="en-US" sz="4000" b="1" spc="-1" dirty="0" err="1" smtClean="0">
+                <a:solidFill>
+                  <a:srgbClr val="000066"/>
+                </a:solidFill>
+                <a:latin typeface="微軟正黑體"/>
+                <a:ea typeface="微軟正黑體"/>
+              </a:rPr>
+              <a:t>是我的一切</a:t>
             </a:r>
             <a:r>
               <a:rPr dirty="0"/>
@@ -5249,16 +6433,30 @@
               </a:spcBef>
             </a:pPr>
             <a:r>
-              <a:rPr lang="en-US" sz="4400" b="1" strike="noStrike" spc="-1">
+              <a:rPr lang="en-US" sz="4400" b="1" strike="noStrike" spc="-1" dirty="0" err="1">
                 <a:solidFill>
                   <a:srgbClr val="000066"/>
                 </a:solidFill>
+                <a:effectLst>
+                  <a:outerShdw blurRad="38100" dist="38100" dir="2700000" algn="tl">
+                    <a:srgbClr val="000000">
+                      <a:alpha val="43137"/>
+                    </a:srgbClr>
+                  </a:outerShdw>
+                </a:effectLst>
                 <a:latin typeface="微軟正黑體"/>
                 <a:ea typeface="微軟正黑體"/>
               </a:rPr>
               <a:t>擔當我罪債和羞辱</a:t>
             </a:r>
-            <a:endParaRPr lang="en-US" sz="4400" b="0" strike="noStrike" spc="-1">
+            <a:endParaRPr lang="en-US" sz="4400" b="0" strike="noStrike" spc="-1" dirty="0">
+              <a:effectLst>
+                <a:outerShdw blurRad="38100" dist="38100" dir="2700000" algn="tl">
+                  <a:srgbClr val="000000">
+                    <a:alpha val="43137"/>
+                  </a:srgbClr>
+                </a:outerShdw>
+              </a:effectLst>
               <a:latin typeface="Arial"/>
             </a:endParaRPr>
           </a:p>
@@ -5272,16 +6470,30 @@
               </a:spcBef>
             </a:pPr>
             <a:r>
-              <a:rPr lang="en-US" sz="4400" b="1" strike="noStrike" spc="-1">
+              <a:rPr lang="en-US" sz="4400" b="1" strike="noStrike" spc="-1" dirty="0" err="1">
                 <a:solidFill>
                   <a:srgbClr val="000066"/>
                 </a:solidFill>
+                <a:effectLst>
+                  <a:outerShdw blurRad="38100" dist="38100" dir="2700000" algn="tl">
+                    <a:srgbClr val="000000">
+                      <a:alpha val="43137"/>
+                    </a:srgbClr>
+                  </a:outerShdw>
+                </a:effectLst>
                 <a:latin typeface="微軟正黑體"/>
                 <a:ea typeface="微軟正黑體"/>
               </a:rPr>
               <a:t>死裡復活我蒙救贖</a:t>
             </a:r>
-            <a:endParaRPr lang="en-US" sz="4400" b="0" strike="noStrike" spc="-1">
+            <a:endParaRPr lang="en-US" sz="4400" b="0" strike="noStrike" spc="-1" dirty="0">
+              <a:effectLst>
+                <a:outerShdw blurRad="38100" dist="38100" dir="2700000" algn="tl">
+                  <a:srgbClr val="000000">
+                    <a:alpha val="43137"/>
+                  </a:srgbClr>
+                </a:outerShdw>
+              </a:effectLst>
               <a:latin typeface="Arial"/>
             </a:endParaRPr>
           </a:p>
@@ -5295,16 +6507,47 @@
               </a:spcBef>
             </a:pPr>
             <a:r>
-              <a:rPr lang="en-US" sz="4400" b="1" strike="noStrike" spc="-1">
+              <a:rPr lang="zh-CN" altLang="en-US" sz="4400" b="1" spc="-1" dirty="0">
                 <a:solidFill>
                   <a:srgbClr val="000066"/>
                 </a:solidFill>
+                <a:effectLst>
+                  <a:outerShdw blurRad="38100" dist="38100" dir="2700000" algn="tl">
+                    <a:srgbClr val="000000">
+                      <a:alpha val="43137"/>
+                    </a:srgbClr>
+                  </a:outerShdw>
+                </a:effectLst>
                 <a:latin typeface="微軟正黑體"/>
                 <a:ea typeface="微軟正黑體"/>
               </a:rPr>
-              <a:t>你是我的一切</a:t>
-            </a:r>
-            <a:endParaRPr lang="en-US" sz="4400" b="0" strike="noStrike" spc="-1">
+              <a:t>袮</a:t>
+            </a:r>
+            <a:r>
+              <a:rPr lang="en-US" sz="4400" b="1" strike="noStrike" spc="-1" dirty="0" err="1" smtClean="0">
+                <a:solidFill>
+                  <a:srgbClr val="000066"/>
+                </a:solidFill>
+                <a:effectLst>
+                  <a:outerShdw blurRad="38100" dist="38100" dir="2700000" algn="tl">
+                    <a:srgbClr val="000000">
+                      <a:alpha val="43137"/>
+                    </a:srgbClr>
+                  </a:outerShdw>
+                </a:effectLst>
+                <a:latin typeface="微軟正黑體"/>
+                <a:ea typeface="微軟正黑體"/>
+              </a:rPr>
+              <a:t>是我的一切</a:t>
+            </a:r>
+            <a:endParaRPr lang="en-US" sz="4400" b="0" strike="noStrike" spc="-1" dirty="0">
+              <a:effectLst>
+                <a:outerShdw blurRad="38100" dist="38100" dir="2700000" algn="tl">
+                  <a:srgbClr val="000000">
+                    <a:alpha val="43137"/>
+                  </a:srgbClr>
+                </a:outerShdw>
+              </a:effectLst>
               <a:latin typeface="Arial"/>
             </a:endParaRPr>
           </a:p>
@@ -5346,6 +6589,13 @@
                 <a:solidFill>
                   <a:srgbClr val="660033"/>
                 </a:solidFill>
+                <a:effectLst>
+                  <a:outerShdw blurRad="38100" dist="38100" dir="2700000" algn="tl">
+                    <a:srgbClr val="000000">
+                      <a:alpha val="43137"/>
+                    </a:srgbClr>
+                  </a:outerShdw>
+                </a:effectLst>
                 <a:latin typeface="Arial" panose="020B0604020202020204" pitchFamily="34" charset="0"/>
                 <a:cs typeface="Arial" panose="020B0604020202020204" pitchFamily="34" charset="0"/>
               </a:rPr>
@@ -5356,6 +6606,13 @@
                 <a:solidFill>
                   <a:srgbClr val="660033"/>
                 </a:solidFill>
+                <a:effectLst>
+                  <a:outerShdw blurRad="38100" dist="38100" dir="2700000" algn="tl">
+                    <a:srgbClr val="000000">
+                      <a:alpha val="43137"/>
+                    </a:srgbClr>
+                  </a:outerShdw>
+                </a:effectLst>
                 <a:latin typeface="Arial" panose="020B0604020202020204" pitchFamily="34" charset="0"/>
                 <a:cs typeface="Arial" panose="020B0604020202020204" pitchFamily="34" charset="0"/>
               </a:rPr>
@@ -5366,6 +6623,13 @@
                 <a:solidFill>
                   <a:srgbClr val="660033"/>
                 </a:solidFill>
+                <a:effectLst>
+                  <a:outerShdw blurRad="38100" dist="38100" dir="2700000" algn="tl">
+                    <a:srgbClr val="000000">
+                      <a:alpha val="43137"/>
+                    </a:srgbClr>
+                  </a:outerShdw>
+                </a:effectLst>
                 <a:latin typeface="Arial" panose="020B0604020202020204" pitchFamily="34" charset="0"/>
                 <a:cs typeface="Arial" panose="020B0604020202020204" pitchFamily="34" charset="0"/>
               </a:rPr>
@@ -5376,6 +6640,13 @@
                 <a:solidFill>
                   <a:srgbClr val="660033"/>
                 </a:solidFill>
+                <a:effectLst>
+                  <a:outerShdw blurRad="38100" dist="38100" dir="2700000" algn="tl">
+                    <a:srgbClr val="000000">
+                      <a:alpha val="43137"/>
+                    </a:srgbClr>
+                  </a:outerShdw>
+                </a:effectLst>
                 <a:latin typeface="Arial" panose="020B0604020202020204" pitchFamily="34" charset="0"/>
                 <a:cs typeface="Arial" panose="020B0604020202020204" pitchFamily="34" charset="0"/>
               </a:rPr>
@@ -5386,6 +6657,13 @@
                 <a:solidFill>
                   <a:srgbClr val="660033"/>
                 </a:solidFill>
+                <a:effectLst>
+                  <a:outerShdw blurRad="38100" dist="38100" dir="2700000" algn="tl">
+                    <a:srgbClr val="000000">
+                      <a:alpha val="43137"/>
+                    </a:srgbClr>
+                  </a:outerShdw>
+                </a:effectLst>
                 <a:latin typeface="Arial" panose="020B0604020202020204" pitchFamily="34" charset="0"/>
                 <a:cs typeface="Arial" panose="020B0604020202020204" pitchFamily="34" charset="0"/>
               </a:rPr>
@@ -5396,6 +6674,13 @@
                 <a:solidFill>
                   <a:srgbClr val="660033"/>
                 </a:solidFill>
+                <a:effectLst>
+                  <a:outerShdw blurRad="38100" dist="38100" dir="2700000" algn="tl">
+                    <a:srgbClr val="000000">
+                      <a:alpha val="43137"/>
+                    </a:srgbClr>
+                  </a:outerShdw>
+                </a:effectLst>
                 <a:latin typeface="Arial" panose="020B0604020202020204" pitchFamily="34" charset="0"/>
                 <a:cs typeface="Arial" panose="020B0604020202020204" pitchFamily="34" charset="0"/>
               </a:rPr>
@@ -5406,6 +6691,13 @@
                 <a:solidFill>
                   <a:srgbClr val="660033"/>
                 </a:solidFill>
+                <a:effectLst>
+                  <a:outerShdw blurRad="38100" dist="38100" dir="2700000" algn="tl">
+                    <a:srgbClr val="000000">
+                      <a:alpha val="43137"/>
+                    </a:srgbClr>
+                  </a:outerShdw>
+                </a:effectLst>
                 <a:latin typeface="Arial" panose="020B0604020202020204" pitchFamily="34" charset="0"/>
                 <a:cs typeface="Arial" panose="020B0604020202020204" pitchFamily="34" charset="0"/>
               </a:rPr>
@@ -5416,6 +6708,13 @@
                 <a:solidFill>
                   <a:srgbClr val="660033"/>
                 </a:solidFill>
+                <a:effectLst>
+                  <a:outerShdw blurRad="38100" dist="38100" dir="2700000" algn="tl">
+                    <a:srgbClr val="000000">
+                      <a:alpha val="43137"/>
+                    </a:srgbClr>
+                  </a:outerShdw>
+                </a:effectLst>
                 <a:latin typeface="Arial" panose="020B0604020202020204" pitchFamily="34" charset="0"/>
                 <a:cs typeface="Arial" panose="020B0604020202020204" pitchFamily="34" charset="0"/>
               </a:rPr>
@@ -5426,6 +6725,13 @@
                 <a:solidFill>
                   <a:srgbClr val="660033"/>
                 </a:solidFill>
+                <a:effectLst>
+                  <a:outerShdw blurRad="38100" dist="38100" dir="2700000" algn="tl">
+                    <a:srgbClr val="000000">
+                      <a:alpha val="43137"/>
+                    </a:srgbClr>
+                  </a:outerShdw>
+                </a:effectLst>
                 <a:latin typeface="Arial" panose="020B0604020202020204" pitchFamily="34" charset="0"/>
                 <a:cs typeface="Arial" panose="020B0604020202020204" pitchFamily="34" charset="0"/>
               </a:rPr>
@@ -5436,6 +6742,13 @@
                 <a:solidFill>
                   <a:srgbClr val="660033"/>
                 </a:solidFill>
+                <a:effectLst>
+                  <a:outerShdw blurRad="38100" dist="38100" dir="2700000" algn="tl">
+                    <a:srgbClr val="000000">
+                      <a:alpha val="43137"/>
+                    </a:srgbClr>
+                  </a:outerShdw>
+                </a:effectLst>
                 <a:latin typeface="Arial" panose="020B0604020202020204" pitchFamily="34" charset="0"/>
                 <a:cs typeface="Arial" panose="020B0604020202020204" pitchFamily="34" charset="0"/>
               </a:rPr>
@@ -5446,6 +6759,13 @@
                 <a:solidFill>
                   <a:srgbClr val="660033"/>
                 </a:solidFill>
+                <a:effectLst>
+                  <a:outerShdw blurRad="38100" dist="38100" dir="2700000" algn="tl">
+                    <a:srgbClr val="000000">
+                      <a:alpha val="43137"/>
+                    </a:srgbClr>
+                  </a:outerShdw>
+                </a:effectLst>
                 <a:latin typeface="Arial" panose="020B0604020202020204" pitchFamily="34" charset="0"/>
                 <a:cs typeface="Arial" panose="020B0604020202020204" pitchFamily="34" charset="0"/>
               </a:rPr>
@@ -5456,6 +6776,13 @@
                 <a:solidFill>
                   <a:srgbClr val="660033"/>
                 </a:solidFill>
+                <a:effectLst>
+                  <a:outerShdw blurRad="38100" dist="38100" dir="2700000" algn="tl">
+                    <a:srgbClr val="000000">
+                      <a:alpha val="43137"/>
+                    </a:srgbClr>
+                  </a:outerShdw>
+                </a:effectLst>
                 <a:latin typeface="Arial" panose="020B0604020202020204" pitchFamily="34" charset="0"/>
                 <a:cs typeface="Arial" panose="020B0604020202020204" pitchFamily="34" charset="0"/>
               </a:rPr>
@@ -5476,6 +6803,13 @@
                 <a:solidFill>
                   <a:srgbClr val="660033"/>
                 </a:solidFill>
+                <a:effectLst>
+                  <a:outerShdw blurRad="38100" dist="38100" dir="2700000" algn="tl">
+                    <a:srgbClr val="000000">
+                      <a:alpha val="43137"/>
+                    </a:srgbClr>
+                  </a:outerShdw>
+                </a:effectLst>
                 <a:latin typeface="Arial" panose="020B0604020202020204" pitchFamily="34" charset="0"/>
                 <a:cs typeface="Arial" panose="020B0604020202020204" pitchFamily="34" charset="0"/>
               </a:rPr>
@@ -5486,6 +6820,13 @@
                 <a:solidFill>
                   <a:srgbClr val="660033"/>
                 </a:solidFill>
+                <a:effectLst>
+                  <a:outerShdw blurRad="38100" dist="38100" dir="2700000" algn="tl">
+                    <a:srgbClr val="000000">
+                      <a:alpha val="43137"/>
+                    </a:srgbClr>
+                  </a:outerShdw>
+                </a:effectLst>
                 <a:latin typeface="Arial" panose="020B0604020202020204" pitchFamily="34" charset="0"/>
                 <a:cs typeface="Arial" panose="020B0604020202020204" pitchFamily="34" charset="0"/>
               </a:rPr>
@@ -5496,6 +6837,13 @@
                 <a:solidFill>
                   <a:srgbClr val="660033"/>
                 </a:solidFill>
+                <a:effectLst>
+                  <a:outerShdw blurRad="38100" dist="38100" dir="2700000" algn="tl">
+                    <a:srgbClr val="000000">
+                      <a:alpha val="43137"/>
+                    </a:srgbClr>
+                  </a:outerShdw>
+                </a:effectLst>
                 <a:latin typeface="Arial" panose="020B0604020202020204" pitchFamily="34" charset="0"/>
                 <a:cs typeface="Arial" panose="020B0604020202020204" pitchFamily="34" charset="0"/>
               </a:rPr>
@@ -5506,6 +6854,13 @@
                 <a:solidFill>
                   <a:srgbClr val="660033"/>
                 </a:solidFill>
+                <a:effectLst>
+                  <a:outerShdw blurRad="38100" dist="38100" dir="2700000" algn="tl">
+                    <a:srgbClr val="000000">
+                      <a:alpha val="43137"/>
+                    </a:srgbClr>
+                  </a:outerShdw>
+                </a:effectLst>
                 <a:latin typeface="Arial" panose="020B0604020202020204" pitchFamily="34" charset="0"/>
                 <a:cs typeface="Arial" panose="020B0604020202020204" pitchFamily="34" charset="0"/>
               </a:rPr>
@@ -5516,6 +6871,13 @@
                 <a:solidFill>
                   <a:srgbClr val="660033"/>
                 </a:solidFill>
+                <a:effectLst>
+                  <a:outerShdw blurRad="38100" dist="38100" dir="2700000" algn="tl">
+                    <a:srgbClr val="000000">
+                      <a:alpha val="43137"/>
+                    </a:srgbClr>
+                  </a:outerShdw>
+                </a:effectLst>
                 <a:latin typeface="Arial" panose="020B0604020202020204" pitchFamily="34" charset="0"/>
                 <a:cs typeface="Arial" panose="020B0604020202020204" pitchFamily="34" charset="0"/>
               </a:rPr>
@@ -5526,6 +6888,13 @@
                 <a:solidFill>
                   <a:srgbClr val="660033"/>
                 </a:solidFill>
+                <a:effectLst>
+                  <a:outerShdw blurRad="38100" dist="38100" dir="2700000" algn="tl">
+                    <a:srgbClr val="000000">
+                      <a:alpha val="43137"/>
+                    </a:srgbClr>
+                  </a:outerShdw>
+                </a:effectLst>
                 <a:latin typeface="Arial" panose="020B0604020202020204" pitchFamily="34" charset="0"/>
                 <a:cs typeface="Arial" panose="020B0604020202020204" pitchFamily="34" charset="0"/>
               </a:rPr>
@@ -5536,6 +6905,13 @@
                 <a:solidFill>
                   <a:srgbClr val="660033"/>
                 </a:solidFill>
+                <a:effectLst>
+                  <a:outerShdw blurRad="38100" dist="38100" dir="2700000" algn="tl">
+                    <a:srgbClr val="000000">
+                      <a:alpha val="43137"/>
+                    </a:srgbClr>
+                  </a:outerShdw>
+                </a:effectLst>
                 <a:latin typeface="Arial" panose="020B0604020202020204" pitchFamily="34" charset="0"/>
                 <a:cs typeface="Arial" panose="020B0604020202020204" pitchFamily="34" charset="0"/>
               </a:rPr>
@@ -5546,6 +6922,13 @@
                 <a:solidFill>
                   <a:srgbClr val="660033"/>
                 </a:solidFill>
+                <a:effectLst>
+                  <a:outerShdw blurRad="38100" dist="38100" dir="2700000" algn="tl">
+                    <a:srgbClr val="000000">
+                      <a:alpha val="43137"/>
+                    </a:srgbClr>
+                  </a:outerShdw>
+                </a:effectLst>
                 <a:latin typeface="Arial" panose="020B0604020202020204" pitchFamily="34" charset="0"/>
                 <a:cs typeface="Arial" panose="020B0604020202020204" pitchFamily="34" charset="0"/>
               </a:rPr>
@@ -5556,6 +6939,13 @@
                 <a:solidFill>
                   <a:srgbClr val="660033"/>
                 </a:solidFill>
+                <a:effectLst>
+                  <a:outerShdw blurRad="38100" dist="38100" dir="2700000" algn="tl">
+                    <a:srgbClr val="000000">
+                      <a:alpha val="43137"/>
+                    </a:srgbClr>
+                  </a:outerShdw>
+                </a:effectLst>
                 <a:latin typeface="Arial" panose="020B0604020202020204" pitchFamily="34" charset="0"/>
                 <a:cs typeface="Arial" panose="020B0604020202020204" pitchFamily="34" charset="0"/>
               </a:rPr>
@@ -5566,6 +6956,13 @@
                 <a:solidFill>
                   <a:srgbClr val="660033"/>
                 </a:solidFill>
+                <a:effectLst>
+                  <a:outerShdw blurRad="38100" dist="38100" dir="2700000" algn="tl">
+                    <a:srgbClr val="000000">
+                      <a:alpha val="43137"/>
+                    </a:srgbClr>
+                  </a:outerShdw>
+                </a:effectLst>
                 <a:latin typeface="Arial" panose="020B0604020202020204" pitchFamily="34" charset="0"/>
                 <a:cs typeface="Arial" panose="020B0604020202020204" pitchFamily="34" charset="0"/>
               </a:rPr>
@@ -5576,6 +6973,13 @@
                 <a:solidFill>
                   <a:srgbClr val="660033"/>
                 </a:solidFill>
+                <a:effectLst>
+                  <a:outerShdw blurRad="38100" dist="38100" dir="2700000" algn="tl">
+                    <a:srgbClr val="000000">
+                      <a:alpha val="43137"/>
+                    </a:srgbClr>
+                  </a:outerShdw>
+                </a:effectLst>
                 <a:latin typeface="Arial" panose="020B0604020202020204" pitchFamily="34" charset="0"/>
                 <a:cs typeface="Arial" panose="020B0604020202020204" pitchFamily="34" charset="0"/>
               </a:rPr>
@@ -5586,6 +6990,13 @@
                 <a:solidFill>
                   <a:srgbClr val="660033"/>
                 </a:solidFill>
+                <a:effectLst>
+                  <a:outerShdw blurRad="38100" dist="38100" dir="2700000" algn="tl">
+                    <a:srgbClr val="000000">
+                      <a:alpha val="43137"/>
+                    </a:srgbClr>
+                  </a:outerShdw>
+                </a:effectLst>
                 <a:latin typeface="Arial" panose="020B0604020202020204" pitchFamily="34" charset="0"/>
                 <a:cs typeface="Arial" panose="020B0604020202020204" pitchFamily="34" charset="0"/>
               </a:rPr>
@@ -5596,6 +7007,13 @@
                 <a:solidFill>
                   <a:srgbClr val="660033"/>
                 </a:solidFill>
+                <a:effectLst>
+                  <a:outerShdw blurRad="38100" dist="38100" dir="2700000" algn="tl">
+                    <a:srgbClr val="000000">
+                      <a:alpha val="43137"/>
+                    </a:srgbClr>
+                  </a:outerShdw>
+                </a:effectLst>
                 <a:latin typeface="Arial" panose="020B0604020202020204" pitchFamily="34" charset="0"/>
                 <a:cs typeface="Arial" panose="020B0604020202020204" pitchFamily="34" charset="0"/>
               </a:rPr>
@@ -5606,6 +7024,13 @@
                 <a:solidFill>
                   <a:srgbClr val="660033"/>
                 </a:solidFill>
+                <a:effectLst>
+                  <a:outerShdw blurRad="38100" dist="38100" dir="2700000" algn="tl">
+                    <a:srgbClr val="000000">
+                      <a:alpha val="43137"/>
+                    </a:srgbClr>
+                  </a:outerShdw>
+                </a:effectLst>
                 <a:latin typeface="Arial" panose="020B0604020202020204" pitchFamily="34" charset="0"/>
                 <a:cs typeface="Arial" panose="020B0604020202020204" pitchFamily="34" charset="0"/>
               </a:rPr>
@@ -5616,6 +7041,13 @@
                 <a:solidFill>
                   <a:srgbClr val="660033"/>
                 </a:solidFill>
+                <a:effectLst>
+                  <a:outerShdw blurRad="38100" dist="38100" dir="2700000" algn="tl">
+                    <a:srgbClr val="000000">
+                      <a:alpha val="43137"/>
+                    </a:srgbClr>
+                  </a:outerShdw>
+                </a:effectLst>
                 <a:latin typeface="Arial" panose="020B0604020202020204" pitchFamily="34" charset="0"/>
                 <a:cs typeface="Arial" panose="020B0604020202020204" pitchFamily="34" charset="0"/>
               </a:rPr>
@@ -5625,6 +7057,13 @@
               <a:solidFill>
                 <a:srgbClr val="660033"/>
               </a:solidFill>
+              <a:effectLst>
+                <a:outerShdw blurRad="38100" dist="38100" dir="2700000" algn="tl">
+                  <a:srgbClr val="000000">
+                    <a:alpha val="43137"/>
+                  </a:srgbClr>
+                </a:outerShdw>
+              </a:effectLst>
               <a:latin typeface="Arial" panose="020B0604020202020204" pitchFamily="34" charset="0"/>
               <a:cs typeface="Arial" panose="020B0604020202020204" pitchFamily="34" charset="0"/>
             </a:endParaRPr>
@@ -5643,6 +7082,13 @@
                 <a:solidFill>
                   <a:srgbClr val="660033"/>
                 </a:solidFill>
+                <a:effectLst>
+                  <a:outerShdw blurRad="38100" dist="38100" dir="2700000" algn="tl">
+                    <a:srgbClr val="000000">
+                      <a:alpha val="43137"/>
+                    </a:srgbClr>
+                  </a:outerShdw>
+                </a:effectLst>
                 <a:latin typeface="Arial" panose="020B0604020202020204" pitchFamily="34" charset="0"/>
                 <a:cs typeface="Arial" panose="020B0604020202020204" pitchFamily="34" charset="0"/>
               </a:rPr>
@@ -5653,6 +7099,13 @@
                 <a:solidFill>
                   <a:srgbClr val="660033"/>
                 </a:solidFill>
+                <a:effectLst>
+                  <a:outerShdw blurRad="38100" dist="38100" dir="2700000" algn="tl">
+                    <a:srgbClr val="000000">
+                      <a:alpha val="43137"/>
+                    </a:srgbClr>
+                  </a:outerShdw>
+                </a:effectLst>
                 <a:latin typeface="Arial" panose="020B0604020202020204" pitchFamily="34" charset="0"/>
                 <a:cs typeface="Arial" panose="020B0604020202020204" pitchFamily="34" charset="0"/>
               </a:rPr>
@@ -5663,6 +7116,13 @@
                 <a:solidFill>
                   <a:srgbClr val="660033"/>
                 </a:solidFill>
+                <a:effectLst>
+                  <a:outerShdw blurRad="38100" dist="38100" dir="2700000" algn="tl">
+                    <a:srgbClr val="000000">
+                      <a:alpha val="43137"/>
+                    </a:srgbClr>
+                  </a:outerShdw>
+                </a:effectLst>
                 <a:latin typeface="Arial" panose="020B0604020202020204" pitchFamily="34" charset="0"/>
                 <a:cs typeface="Arial" panose="020B0604020202020204" pitchFamily="34" charset="0"/>
               </a:rPr>
@@ -5673,6 +7133,13 @@
                 <a:solidFill>
                   <a:srgbClr val="660033"/>
                 </a:solidFill>
+                <a:effectLst>
+                  <a:outerShdw blurRad="38100" dist="38100" dir="2700000" algn="tl">
+                    <a:srgbClr val="000000">
+                      <a:alpha val="43137"/>
+                    </a:srgbClr>
+                  </a:outerShdw>
+                </a:effectLst>
                 <a:latin typeface="Arial" panose="020B0604020202020204" pitchFamily="34" charset="0"/>
                 <a:cs typeface="Arial" panose="020B0604020202020204" pitchFamily="34" charset="0"/>
               </a:rPr>
@@ -5683,6 +7150,13 @@
                 <a:solidFill>
                   <a:srgbClr val="660033"/>
                 </a:solidFill>
+                <a:effectLst>
+                  <a:outerShdw blurRad="38100" dist="38100" dir="2700000" algn="tl">
+                    <a:srgbClr val="000000">
+                      <a:alpha val="43137"/>
+                    </a:srgbClr>
+                  </a:outerShdw>
+                </a:effectLst>
                 <a:latin typeface="Arial" panose="020B0604020202020204" pitchFamily="34" charset="0"/>
                 <a:cs typeface="Arial" panose="020B0604020202020204" pitchFamily="34" charset="0"/>
               </a:rPr>
@@ -5693,6 +7167,13 @@
                 <a:solidFill>
                   <a:srgbClr val="660033"/>
                 </a:solidFill>
+                <a:effectLst>
+                  <a:outerShdw blurRad="38100" dist="38100" dir="2700000" algn="tl">
+                    <a:srgbClr val="000000">
+                      <a:alpha val="43137"/>
+                    </a:srgbClr>
+                  </a:outerShdw>
+                </a:effectLst>
                 <a:latin typeface="Arial" panose="020B0604020202020204" pitchFamily="34" charset="0"/>
                 <a:cs typeface="Arial" panose="020B0604020202020204" pitchFamily="34" charset="0"/>
               </a:rPr>
@@ -5703,6 +7184,13 @@
                 <a:solidFill>
                   <a:srgbClr val="660033"/>
                 </a:solidFill>
+                <a:effectLst>
+                  <a:outerShdw blurRad="38100" dist="38100" dir="2700000" algn="tl">
+                    <a:srgbClr val="000000">
+                      <a:alpha val="43137"/>
+                    </a:srgbClr>
+                  </a:outerShdw>
+                </a:effectLst>
                 <a:latin typeface="Arial" panose="020B0604020202020204" pitchFamily="34" charset="0"/>
                 <a:cs typeface="Arial" panose="020B0604020202020204" pitchFamily="34" charset="0"/>
               </a:rPr>
@@ -5713,6 +7201,13 @@
                 <a:solidFill>
                   <a:srgbClr val="660033"/>
                 </a:solidFill>
+                <a:effectLst>
+                  <a:outerShdw blurRad="38100" dist="38100" dir="2700000" algn="tl">
+                    <a:srgbClr val="000000">
+                      <a:alpha val="43137"/>
+                    </a:srgbClr>
+                  </a:outerShdw>
+                </a:effectLst>
                 <a:latin typeface="Arial" panose="020B0604020202020204" pitchFamily="34" charset="0"/>
                 <a:cs typeface="Arial" panose="020B0604020202020204" pitchFamily="34" charset="0"/>
               </a:rPr>
@@ -5723,6 +7218,13 @@
                 <a:solidFill>
                   <a:srgbClr val="660033"/>
                 </a:solidFill>
+                <a:effectLst>
+                  <a:outerShdw blurRad="38100" dist="38100" dir="2700000" algn="tl">
+                    <a:srgbClr val="000000">
+                      <a:alpha val="43137"/>
+                    </a:srgbClr>
+                  </a:outerShdw>
+                </a:effectLst>
                 <a:latin typeface="Arial" panose="020B0604020202020204" pitchFamily="34" charset="0"/>
                 <a:cs typeface="Arial" panose="020B0604020202020204" pitchFamily="34" charset="0"/>
               </a:rPr>
@@ -5733,6 +7235,13 @@
                 <a:solidFill>
                   <a:srgbClr val="660033"/>
                 </a:solidFill>
+                <a:effectLst>
+                  <a:outerShdw blurRad="38100" dist="38100" dir="2700000" algn="tl">
+                    <a:srgbClr val="000000">
+                      <a:alpha val="43137"/>
+                    </a:srgbClr>
+                  </a:outerShdw>
+                </a:effectLst>
                 <a:latin typeface="Arial" panose="020B0604020202020204" pitchFamily="34" charset="0"/>
                 <a:cs typeface="Arial" panose="020B0604020202020204" pitchFamily="34" charset="0"/>
               </a:rPr>
@@ -5818,14 +7327,24 @@
           <a:p>
             <a:pPr algn="ctr"/>
             <a:r>
-              <a:rPr lang="en-US" sz="4000" b="1" spc="-1" dirty="0" err="1">
+              <a:rPr lang="zh-CN" altLang="en-US" sz="4000" b="1" spc="-1" dirty="0">
                 <a:solidFill>
                   <a:srgbClr val="000066"/>
                 </a:solidFill>
                 <a:latin typeface="微軟正黑體"/>
                 <a:ea typeface="微軟正黑體"/>
               </a:rPr>
-              <a:t>你是我的一切</a:t>
+              <a:t>袮</a:t>
+            </a:r>
+            <a:r>
+              <a:rPr lang="en-US" sz="4000" b="1" spc="-1" dirty="0" err="1" smtClean="0">
+                <a:solidFill>
+                  <a:srgbClr val="000066"/>
+                </a:solidFill>
+                <a:latin typeface="微軟正黑體"/>
+                <a:ea typeface="微軟正黑體"/>
+              </a:rPr>
+              <a:t>是我的一切</a:t>
             </a:r>
             <a:r>
               <a:rPr dirty="0"/>
@@ -5880,16 +7399,64 @@
               </a:spcBef>
             </a:pPr>
             <a:r>
-              <a:rPr lang="en-US" sz="4400" b="1" strike="noStrike" spc="-1">
+              <a:rPr lang="en-US" sz="4400" b="1" strike="noStrike" spc="-1" dirty="0" err="1" smtClean="0">
                 <a:solidFill>
                   <a:srgbClr val="000066"/>
                 </a:solidFill>
+                <a:effectLst>
+                  <a:outerShdw blurRad="38100" dist="38100" dir="2700000" algn="tl">
+                    <a:srgbClr val="000000">
+                      <a:alpha val="43137"/>
+                    </a:srgbClr>
+                  </a:outerShdw>
+                </a:effectLst>
                 <a:latin typeface="微軟正黑體"/>
                 <a:ea typeface="微軟正黑體"/>
               </a:rPr>
-              <a:t>當我跌倒你扶持我</a:t>
-            </a:r>
-            <a:endParaRPr lang="en-US" sz="4400" b="0" strike="noStrike" spc="-1">
+              <a:t>當我跌倒</a:t>
+            </a:r>
+            <a:r>
+              <a:rPr lang="zh-CN" altLang="en-US" sz="4400" b="1" spc="-1" dirty="0">
+                <a:solidFill>
+                  <a:srgbClr val="000066"/>
+                </a:solidFill>
+                <a:effectLst>
+                  <a:outerShdw blurRad="38100" dist="38100" dir="2700000" algn="tl">
+                    <a:srgbClr val="000000">
+                      <a:alpha val="43137"/>
+                    </a:srgbClr>
+                  </a:outerShdw>
+                </a:effectLst>
+                <a:latin typeface="微軟正黑體"/>
+                <a:ea typeface="微軟正黑體"/>
+              </a:rPr>
+              <a:t>袮</a:t>
+            </a:r>
+            <a:r>
+              <a:rPr lang="en-US" sz="4400" b="1" strike="noStrike" spc="-1" dirty="0" err="1" smtClean="0">
+                <a:solidFill>
+                  <a:srgbClr val="000066"/>
+                </a:solidFill>
+                <a:effectLst>
+                  <a:outerShdw blurRad="38100" dist="38100" dir="2700000" algn="tl">
+                    <a:srgbClr val="000000">
+                      <a:alpha val="43137"/>
+                    </a:srgbClr>
+                  </a:outerShdw>
+                </a:effectLst>
+                <a:latin typeface="微軟正黑體"/>
+                <a:ea typeface="微軟正黑體"/>
+              </a:rPr>
+              <a:t>扶持我</a:t>
+            </a:r>
+            <a:endParaRPr lang="en-US" sz="4400" b="0" strike="noStrike" spc="-1" dirty="0">
+              <a:effectLst>
+                <a:outerShdw blurRad="38100" dist="38100" dir="2700000" algn="tl">
+                  <a:srgbClr val="000000">
+                    <a:alpha val="43137"/>
+                  </a:srgbClr>
+                </a:outerShdw>
+              </a:effectLst>
               <a:latin typeface="Arial"/>
             </a:endParaRPr>
           </a:p>
@@ -5903,16 +7470,64 @@
               </a:spcBef>
             </a:pPr>
             <a:r>
-              <a:rPr lang="en-US" sz="4400" b="1" strike="noStrike" spc="-1">
+              <a:rPr lang="en-US" sz="4400" b="1" strike="noStrike" spc="-1" dirty="0" err="1" smtClean="0">
                 <a:solidFill>
                   <a:srgbClr val="000066"/>
                 </a:solidFill>
+                <a:effectLst>
+                  <a:outerShdw blurRad="38100" dist="38100" dir="2700000" algn="tl">
+                    <a:srgbClr val="000000">
+                      <a:alpha val="43137"/>
+                    </a:srgbClr>
+                  </a:outerShdw>
+                </a:effectLst>
                 <a:latin typeface="微軟正黑體"/>
                 <a:ea typeface="微軟正黑體"/>
               </a:rPr>
-              <a:t>當我乾渴你充滿我</a:t>
-            </a:r>
-            <a:endParaRPr lang="en-US" sz="4400" b="0" strike="noStrike" spc="-1">
+              <a:t>當我乾渴</a:t>
+            </a:r>
+            <a:r>
+              <a:rPr lang="zh-CN" altLang="en-US" sz="4400" b="1" spc="-1" dirty="0">
+                <a:solidFill>
+                  <a:srgbClr val="000066"/>
+                </a:solidFill>
+                <a:effectLst>
+                  <a:outerShdw blurRad="38100" dist="38100" dir="2700000" algn="tl">
+                    <a:srgbClr val="000000">
+                      <a:alpha val="43137"/>
+                    </a:srgbClr>
+                  </a:outerShdw>
+                </a:effectLst>
+                <a:latin typeface="微軟正黑體"/>
+                <a:ea typeface="微軟正黑體"/>
+              </a:rPr>
+              <a:t>袮</a:t>
+            </a:r>
+            <a:r>
+              <a:rPr lang="en-US" sz="4400" b="1" strike="noStrike" spc="-1" dirty="0" err="1" smtClean="0">
+                <a:solidFill>
+                  <a:srgbClr val="000066"/>
+                </a:solidFill>
+                <a:effectLst>
+                  <a:outerShdw blurRad="38100" dist="38100" dir="2700000" algn="tl">
+                    <a:srgbClr val="000000">
+                      <a:alpha val="43137"/>
+                    </a:srgbClr>
+                  </a:outerShdw>
+                </a:effectLst>
+                <a:latin typeface="微軟正黑體"/>
+                <a:ea typeface="微軟正黑體"/>
+              </a:rPr>
+              <a:t>充滿我</a:t>
+            </a:r>
+            <a:endParaRPr lang="en-US" sz="4400" b="0" strike="noStrike" spc="-1" dirty="0">
+              <a:effectLst>
+                <a:outerShdw blurRad="38100" dist="38100" dir="2700000" algn="tl">
+                  <a:srgbClr val="000000">
+                    <a:alpha val="43137"/>
+                  </a:srgbClr>
+                </a:outerShdw>
+              </a:effectLst>
               <a:latin typeface="Arial"/>
             </a:endParaRPr>
           </a:p>
@@ -5926,16 +7541,47 @@
               </a:spcBef>
             </a:pPr>
             <a:r>
-              <a:rPr lang="en-US" sz="4400" b="1" strike="noStrike" spc="-1">
+              <a:rPr lang="zh-CN" altLang="en-US" sz="4400" b="1" spc="-1" dirty="0">
                 <a:solidFill>
                   <a:srgbClr val="000066"/>
                 </a:solidFill>
+                <a:effectLst>
+                  <a:outerShdw blurRad="38100" dist="38100" dir="2700000" algn="tl">
+                    <a:srgbClr val="000000">
+                      <a:alpha val="43137"/>
+                    </a:srgbClr>
+                  </a:outerShdw>
+                </a:effectLst>
                 <a:latin typeface="微軟正黑體"/>
                 <a:ea typeface="微軟正黑體"/>
               </a:rPr>
-              <a:t>你是我的一切</a:t>
-            </a:r>
-            <a:endParaRPr lang="en-US" sz="4400" b="0" strike="noStrike" spc="-1">
+              <a:t>袮</a:t>
+            </a:r>
+            <a:r>
+              <a:rPr lang="en-US" sz="4400" b="1" strike="noStrike" spc="-1" dirty="0" err="1" smtClean="0">
+                <a:solidFill>
+                  <a:srgbClr val="000066"/>
+                </a:solidFill>
+                <a:effectLst>
+                  <a:outerShdw blurRad="38100" dist="38100" dir="2700000" algn="tl">
+                    <a:srgbClr val="000000">
+                      <a:alpha val="43137"/>
+                    </a:srgbClr>
+                  </a:outerShdw>
+                </a:effectLst>
+                <a:latin typeface="微軟正黑體"/>
+                <a:ea typeface="微軟正黑體"/>
+              </a:rPr>
+              <a:t>是我的一切</a:t>
+            </a:r>
+            <a:endParaRPr lang="en-US" sz="4400" b="0" strike="noStrike" spc="-1" dirty="0">
+              <a:effectLst>
+                <a:outerShdw blurRad="38100" dist="38100" dir="2700000" algn="tl">
+                  <a:srgbClr val="000000">
+                    <a:alpha val="43137"/>
+                  </a:srgbClr>
+                </a:outerShdw>
+              </a:effectLst>
               <a:latin typeface="Arial"/>
             </a:endParaRPr>
           </a:p>
@@ -5974,6 +7620,13 @@
                 <a:solidFill>
                   <a:srgbClr val="660033"/>
                 </a:solidFill>
+                <a:effectLst>
+                  <a:outerShdw blurRad="38100" dist="38100" dir="2700000" algn="tl">
+                    <a:srgbClr val="000000">
+                      <a:alpha val="43137"/>
+                    </a:srgbClr>
+                  </a:outerShdw>
+                </a:effectLst>
                 <a:latin typeface="Arial" panose="020B0604020202020204" pitchFamily="34" charset="0"/>
                 <a:cs typeface="Arial" panose="020B0604020202020204" pitchFamily="34" charset="0"/>
               </a:rPr>
@@ -5984,6 +7637,13 @@
                 <a:solidFill>
                   <a:srgbClr val="660033"/>
                 </a:solidFill>
+                <a:effectLst>
+                  <a:outerShdw blurRad="38100" dist="38100" dir="2700000" algn="tl">
+                    <a:srgbClr val="000000">
+                      <a:alpha val="43137"/>
+                    </a:srgbClr>
+                  </a:outerShdw>
+                </a:effectLst>
                 <a:latin typeface="Arial" panose="020B0604020202020204" pitchFamily="34" charset="0"/>
                 <a:cs typeface="Arial" panose="020B0604020202020204" pitchFamily="34" charset="0"/>
               </a:rPr>
@@ -5994,6 +7654,13 @@
                 <a:solidFill>
                   <a:srgbClr val="660033"/>
                 </a:solidFill>
+                <a:effectLst>
+                  <a:outerShdw blurRad="38100" dist="38100" dir="2700000" algn="tl">
+                    <a:srgbClr val="000000">
+                      <a:alpha val="43137"/>
+                    </a:srgbClr>
+                  </a:outerShdw>
+                </a:effectLst>
                 <a:latin typeface="Arial" panose="020B0604020202020204" pitchFamily="34" charset="0"/>
                 <a:cs typeface="Arial" panose="020B0604020202020204" pitchFamily="34" charset="0"/>
               </a:rPr>
@@ -6004,6 +7671,13 @@
                 <a:solidFill>
                   <a:srgbClr val="660033"/>
                 </a:solidFill>
+                <a:effectLst>
+                  <a:outerShdw blurRad="38100" dist="38100" dir="2700000" algn="tl">
+                    <a:srgbClr val="000000">
+                      <a:alpha val="43137"/>
+                    </a:srgbClr>
+                  </a:outerShdw>
+                </a:effectLst>
                 <a:latin typeface="Arial" panose="020B0604020202020204" pitchFamily="34" charset="0"/>
                 <a:cs typeface="Arial" panose="020B0604020202020204" pitchFamily="34" charset="0"/>
               </a:rPr>
@@ -6014,6 +7688,13 @@
                 <a:solidFill>
                   <a:srgbClr val="660033"/>
                 </a:solidFill>
+                <a:effectLst>
+                  <a:outerShdw blurRad="38100" dist="38100" dir="2700000" algn="tl">
+                    <a:srgbClr val="000000">
+                      <a:alpha val="43137"/>
+                    </a:srgbClr>
+                  </a:outerShdw>
+                </a:effectLst>
                 <a:latin typeface="Arial" panose="020B0604020202020204" pitchFamily="34" charset="0"/>
                 <a:cs typeface="Arial" panose="020B0604020202020204" pitchFamily="34" charset="0"/>
               </a:rPr>
@@ -6024,6 +7705,13 @@
                 <a:solidFill>
                   <a:srgbClr val="660033"/>
                 </a:solidFill>
+                <a:effectLst>
+                  <a:outerShdw blurRad="38100" dist="38100" dir="2700000" algn="tl">
+                    <a:srgbClr val="000000">
+                      <a:alpha val="43137"/>
+                    </a:srgbClr>
+                  </a:outerShdw>
+                </a:effectLst>
                 <a:latin typeface="Arial" panose="020B0604020202020204" pitchFamily="34" charset="0"/>
                 <a:cs typeface="Arial" panose="020B0604020202020204" pitchFamily="34" charset="0"/>
               </a:rPr>
@@ -6034,6 +7722,13 @@
                 <a:solidFill>
                   <a:srgbClr val="660033"/>
                 </a:solidFill>
+                <a:effectLst>
+                  <a:outerShdw blurRad="38100" dist="38100" dir="2700000" algn="tl">
+                    <a:srgbClr val="000000">
+                      <a:alpha val="43137"/>
+                    </a:srgbClr>
+                  </a:outerShdw>
+                </a:effectLst>
                 <a:latin typeface="Arial" panose="020B0604020202020204" pitchFamily="34" charset="0"/>
                 <a:cs typeface="Arial" panose="020B0604020202020204" pitchFamily="34" charset="0"/>
               </a:rPr>
@@ -6044,6 +7739,13 @@
                 <a:solidFill>
                   <a:srgbClr val="660033"/>
                 </a:solidFill>
+                <a:effectLst>
+                  <a:outerShdw blurRad="38100" dist="38100" dir="2700000" algn="tl">
+                    <a:srgbClr val="000000">
+                      <a:alpha val="43137"/>
+                    </a:srgbClr>
+                  </a:outerShdw>
+                </a:effectLst>
                 <a:latin typeface="Arial" panose="020B0604020202020204" pitchFamily="34" charset="0"/>
                 <a:cs typeface="Arial" panose="020B0604020202020204" pitchFamily="34" charset="0"/>
               </a:rPr>
@@ -6054,6 +7756,13 @@
                 <a:solidFill>
                   <a:srgbClr val="660033"/>
                 </a:solidFill>
+                <a:effectLst>
+                  <a:outerShdw blurRad="38100" dist="38100" dir="2700000" algn="tl">
+                    <a:srgbClr val="000000">
+                      <a:alpha val="43137"/>
+                    </a:srgbClr>
+                  </a:outerShdw>
+                </a:effectLst>
                 <a:latin typeface="Arial" panose="020B0604020202020204" pitchFamily="34" charset="0"/>
                 <a:cs typeface="Arial" panose="020B0604020202020204" pitchFamily="34" charset="0"/>
               </a:rPr>
@@ -6064,6 +7773,13 @@
                 <a:solidFill>
                   <a:srgbClr val="660033"/>
                 </a:solidFill>
+                <a:effectLst>
+                  <a:outerShdw blurRad="38100" dist="38100" dir="2700000" algn="tl">
+                    <a:srgbClr val="000000">
+                      <a:alpha val="43137"/>
+                    </a:srgbClr>
+                  </a:outerShdw>
+                </a:effectLst>
                 <a:latin typeface="Arial" panose="020B0604020202020204" pitchFamily="34" charset="0"/>
                 <a:cs typeface="Arial" panose="020B0604020202020204" pitchFamily="34" charset="0"/>
               </a:rPr>
@@ -6074,6 +7790,13 @@
                 <a:solidFill>
                   <a:srgbClr val="660033"/>
                 </a:solidFill>
+                <a:effectLst>
+                  <a:outerShdw blurRad="38100" dist="38100" dir="2700000" algn="tl">
+                    <a:srgbClr val="000000">
+                      <a:alpha val="43137"/>
+                    </a:srgbClr>
+                  </a:outerShdw>
+                </a:effectLst>
                 <a:latin typeface="Arial" panose="020B0604020202020204" pitchFamily="34" charset="0"/>
                 <a:cs typeface="Arial" panose="020B0604020202020204" pitchFamily="34" charset="0"/>
               </a:rPr>
@@ -6084,6 +7807,13 @@
                 <a:solidFill>
                   <a:srgbClr val="660033"/>
                 </a:solidFill>
+                <a:effectLst>
+                  <a:outerShdw blurRad="38100" dist="38100" dir="2700000" algn="tl">
+                    <a:srgbClr val="000000">
+                      <a:alpha val="43137"/>
+                    </a:srgbClr>
+                  </a:outerShdw>
+                </a:effectLst>
                 <a:latin typeface="Arial" panose="020B0604020202020204" pitchFamily="34" charset="0"/>
                 <a:cs typeface="Arial" panose="020B0604020202020204" pitchFamily="34" charset="0"/>
               </a:rPr>
@@ -6101,6 +7831,13 @@
                 <a:solidFill>
                   <a:srgbClr val="660033"/>
                 </a:solidFill>
+                <a:effectLst>
+                  <a:outerShdw blurRad="38100" dist="38100" dir="2700000" algn="tl">
+                    <a:srgbClr val="000000">
+                      <a:alpha val="43137"/>
+                    </a:srgbClr>
+                  </a:outerShdw>
+                </a:effectLst>
                 <a:latin typeface="Arial" panose="020B0604020202020204" pitchFamily="34" charset="0"/>
                 <a:cs typeface="Arial" panose="020B0604020202020204" pitchFamily="34" charset="0"/>
               </a:rPr>
@@ -6111,6 +7848,13 @@
                 <a:solidFill>
                   <a:srgbClr val="660033"/>
                 </a:solidFill>
+                <a:effectLst>
+                  <a:outerShdw blurRad="38100" dist="38100" dir="2700000" algn="tl">
+                    <a:srgbClr val="000000">
+                      <a:alpha val="43137"/>
+                    </a:srgbClr>
+                  </a:outerShdw>
+                </a:effectLst>
                 <a:latin typeface="Arial" panose="020B0604020202020204" pitchFamily="34" charset="0"/>
                 <a:cs typeface="Arial" panose="020B0604020202020204" pitchFamily="34" charset="0"/>
               </a:rPr>
@@ -6121,6 +7865,13 @@
                 <a:solidFill>
                   <a:srgbClr val="660033"/>
                 </a:solidFill>
+                <a:effectLst>
+                  <a:outerShdw blurRad="38100" dist="38100" dir="2700000" algn="tl">
+                    <a:srgbClr val="000000">
+                      <a:alpha val="43137"/>
+                    </a:srgbClr>
+                  </a:outerShdw>
+                </a:effectLst>
                 <a:latin typeface="Arial" panose="020B0604020202020204" pitchFamily="34" charset="0"/>
                 <a:cs typeface="Arial" panose="020B0604020202020204" pitchFamily="34" charset="0"/>
               </a:rPr>
@@ -6131,6 +7882,13 @@
                 <a:solidFill>
                   <a:srgbClr val="660033"/>
                 </a:solidFill>
+                <a:effectLst>
+                  <a:outerShdw blurRad="38100" dist="38100" dir="2700000" algn="tl">
+                    <a:srgbClr val="000000">
+                      <a:alpha val="43137"/>
+                    </a:srgbClr>
+                  </a:outerShdw>
+                </a:effectLst>
                 <a:latin typeface="Arial" panose="020B0604020202020204" pitchFamily="34" charset="0"/>
                 <a:cs typeface="Arial" panose="020B0604020202020204" pitchFamily="34" charset="0"/>
               </a:rPr>
@@ -6141,6 +7899,13 @@
                 <a:solidFill>
                   <a:srgbClr val="660033"/>
                 </a:solidFill>
+                <a:effectLst>
+                  <a:outerShdw blurRad="38100" dist="38100" dir="2700000" algn="tl">
+                    <a:srgbClr val="000000">
+                      <a:alpha val="43137"/>
+                    </a:srgbClr>
+                  </a:outerShdw>
+                </a:effectLst>
                 <a:latin typeface="Arial" panose="020B0604020202020204" pitchFamily="34" charset="0"/>
                 <a:cs typeface="Arial" panose="020B0604020202020204" pitchFamily="34" charset="0"/>
               </a:rPr>
@@ -6151,6 +7916,13 @@
                 <a:solidFill>
                   <a:srgbClr val="660033"/>
                 </a:solidFill>
+                <a:effectLst>
+                  <a:outerShdw blurRad="38100" dist="38100" dir="2700000" algn="tl">
+                    <a:srgbClr val="000000">
+                      <a:alpha val="43137"/>
+                    </a:srgbClr>
+                  </a:outerShdw>
+                </a:effectLst>
                 <a:latin typeface="Arial" panose="020B0604020202020204" pitchFamily="34" charset="0"/>
                 <a:cs typeface="Arial" panose="020B0604020202020204" pitchFamily="34" charset="0"/>
               </a:rPr>
@@ -6161,6 +7933,13 @@
                 <a:solidFill>
                   <a:srgbClr val="660033"/>
                 </a:solidFill>
+                <a:effectLst>
+                  <a:outerShdw blurRad="38100" dist="38100" dir="2700000" algn="tl">
+                    <a:srgbClr val="000000">
+                      <a:alpha val="43137"/>
+                    </a:srgbClr>
+                  </a:outerShdw>
+                </a:effectLst>
                 <a:latin typeface="Arial" panose="020B0604020202020204" pitchFamily="34" charset="0"/>
                 <a:cs typeface="Arial" panose="020B0604020202020204" pitchFamily="34" charset="0"/>
               </a:rPr>
@@ -6171,6 +7950,13 @@
                 <a:solidFill>
                   <a:srgbClr val="660033"/>
                 </a:solidFill>
+                <a:effectLst>
+                  <a:outerShdw blurRad="38100" dist="38100" dir="2700000" algn="tl">
+                    <a:srgbClr val="000000">
+                      <a:alpha val="43137"/>
+                    </a:srgbClr>
+                  </a:outerShdw>
+                </a:effectLst>
                 <a:latin typeface="Arial" panose="020B0604020202020204" pitchFamily="34" charset="0"/>
                 <a:cs typeface="Arial" panose="020B0604020202020204" pitchFamily="34" charset="0"/>
               </a:rPr>
@@ -6181,6 +7967,13 @@
                 <a:solidFill>
                   <a:srgbClr val="660033"/>
                 </a:solidFill>
+                <a:effectLst>
+                  <a:outerShdw blurRad="38100" dist="38100" dir="2700000" algn="tl">
+                    <a:srgbClr val="000000">
+                      <a:alpha val="43137"/>
+                    </a:srgbClr>
+                  </a:outerShdw>
+                </a:effectLst>
                 <a:latin typeface="Arial" panose="020B0604020202020204" pitchFamily="34" charset="0"/>
                 <a:cs typeface="Arial" panose="020B0604020202020204" pitchFamily="34" charset="0"/>
               </a:rPr>
@@ -6191,6 +7984,13 @@
                 <a:solidFill>
                   <a:srgbClr val="660033"/>
                 </a:solidFill>
+                <a:effectLst>
+                  <a:outerShdw blurRad="38100" dist="38100" dir="2700000" algn="tl">
+                    <a:srgbClr val="000000">
+                      <a:alpha val="43137"/>
+                    </a:srgbClr>
+                  </a:outerShdw>
+                </a:effectLst>
                 <a:latin typeface="Arial" panose="020B0604020202020204" pitchFamily="34" charset="0"/>
                 <a:cs typeface="Arial" panose="020B0604020202020204" pitchFamily="34" charset="0"/>
               </a:rPr>
@@ -6201,6 +8001,13 @@
                 <a:solidFill>
                   <a:srgbClr val="660033"/>
                 </a:solidFill>
+                <a:effectLst>
+                  <a:outerShdw blurRad="38100" dist="38100" dir="2700000" algn="tl">
+                    <a:srgbClr val="000000">
+                      <a:alpha val="43137"/>
+                    </a:srgbClr>
+                  </a:outerShdw>
+                </a:effectLst>
                 <a:latin typeface="Arial" panose="020B0604020202020204" pitchFamily="34" charset="0"/>
                 <a:cs typeface="Arial" panose="020B0604020202020204" pitchFamily="34" charset="0"/>
               </a:rPr>
@@ -6211,6 +8018,13 @@
                 <a:solidFill>
                   <a:srgbClr val="660033"/>
                 </a:solidFill>
+                <a:effectLst>
+                  <a:outerShdw blurRad="38100" dist="38100" dir="2700000" algn="tl">
+                    <a:srgbClr val="000000">
+                      <a:alpha val="43137"/>
+                    </a:srgbClr>
+                  </a:outerShdw>
+                </a:effectLst>
                 <a:latin typeface="Arial" panose="020B0604020202020204" pitchFamily="34" charset="0"/>
                 <a:cs typeface="Arial" panose="020B0604020202020204" pitchFamily="34" charset="0"/>
               </a:rPr>
@@ -6221,6 +8035,13 @@
                 <a:solidFill>
                   <a:srgbClr val="660033"/>
                 </a:solidFill>
+                <a:effectLst>
+                  <a:outerShdw blurRad="38100" dist="38100" dir="2700000" algn="tl">
+                    <a:srgbClr val="000000">
+                      <a:alpha val="43137"/>
+                    </a:srgbClr>
+                  </a:outerShdw>
+                </a:effectLst>
                 <a:latin typeface="Arial" panose="020B0604020202020204" pitchFamily="34" charset="0"/>
                 <a:cs typeface="Arial" panose="020B0604020202020204" pitchFamily="34" charset="0"/>
               </a:rPr>
@@ -6231,6 +8052,13 @@
                 <a:solidFill>
                   <a:srgbClr val="660033"/>
                 </a:solidFill>
+                <a:effectLst>
+                  <a:outerShdw blurRad="38100" dist="38100" dir="2700000" algn="tl">
+                    <a:srgbClr val="000000">
+                      <a:alpha val="43137"/>
+                    </a:srgbClr>
+                  </a:outerShdw>
+                </a:effectLst>
                 <a:latin typeface="Arial" panose="020B0604020202020204" pitchFamily="34" charset="0"/>
                 <a:cs typeface="Arial" panose="020B0604020202020204" pitchFamily="34" charset="0"/>
               </a:rPr>
@@ -6241,6 +8069,13 @@
                 <a:solidFill>
                   <a:srgbClr val="660033"/>
                 </a:solidFill>
+                <a:effectLst>
+                  <a:outerShdw blurRad="38100" dist="38100" dir="2700000" algn="tl">
+                    <a:srgbClr val="000000">
+                      <a:alpha val="43137"/>
+                    </a:srgbClr>
+                  </a:outerShdw>
+                </a:effectLst>
                 <a:latin typeface="Arial" panose="020B0604020202020204" pitchFamily="34" charset="0"/>
                 <a:cs typeface="Arial" panose="020B0604020202020204" pitchFamily="34" charset="0"/>
               </a:rPr>
@@ -6250,6 +8085,13 @@
               <a:solidFill>
                 <a:srgbClr val="660033"/>
               </a:solidFill>
+              <a:effectLst>
+                <a:outerShdw blurRad="38100" dist="38100" dir="2700000" algn="tl">
+                  <a:srgbClr val="000000">
+                    <a:alpha val="43137"/>
+                  </a:srgbClr>
+                </a:outerShdw>
+              </a:effectLst>
               <a:latin typeface="Arial" panose="020B0604020202020204" pitchFamily="34" charset="0"/>
               <a:cs typeface="Arial" panose="020B0604020202020204" pitchFamily="34" charset="0"/>
             </a:endParaRPr>
@@ -6265,6 +8107,13 @@
                 <a:solidFill>
                   <a:srgbClr val="660033"/>
                 </a:solidFill>
+                <a:effectLst>
+                  <a:outerShdw blurRad="38100" dist="38100" dir="2700000" algn="tl">
+                    <a:srgbClr val="000000">
+                      <a:alpha val="43137"/>
+                    </a:srgbClr>
+                  </a:outerShdw>
+                </a:effectLst>
                 <a:latin typeface="Arial" panose="020B0604020202020204" pitchFamily="34" charset="0"/>
                 <a:cs typeface="Arial" panose="020B0604020202020204" pitchFamily="34" charset="0"/>
               </a:rPr>
@@ -6275,6 +8124,13 @@
                 <a:solidFill>
                   <a:srgbClr val="660033"/>
                 </a:solidFill>
+                <a:effectLst>
+                  <a:outerShdw blurRad="38100" dist="38100" dir="2700000" algn="tl">
+                    <a:srgbClr val="000000">
+                      <a:alpha val="43137"/>
+                    </a:srgbClr>
+                  </a:outerShdw>
+                </a:effectLst>
                 <a:latin typeface="Arial" panose="020B0604020202020204" pitchFamily="34" charset="0"/>
                 <a:cs typeface="Arial" panose="020B0604020202020204" pitchFamily="34" charset="0"/>
               </a:rPr>
@@ -6285,6 +8141,13 @@
                 <a:solidFill>
                   <a:srgbClr val="660033"/>
                 </a:solidFill>
+                <a:effectLst>
+                  <a:outerShdw blurRad="38100" dist="38100" dir="2700000" algn="tl">
+                    <a:srgbClr val="000000">
+                      <a:alpha val="43137"/>
+                    </a:srgbClr>
+                  </a:outerShdw>
+                </a:effectLst>
                 <a:latin typeface="Arial" panose="020B0604020202020204" pitchFamily="34" charset="0"/>
                 <a:cs typeface="Arial" panose="020B0604020202020204" pitchFamily="34" charset="0"/>
               </a:rPr>
@@ -6295,6 +8158,13 @@
                 <a:solidFill>
                   <a:srgbClr val="660033"/>
                 </a:solidFill>
+                <a:effectLst>
+                  <a:outerShdw blurRad="38100" dist="38100" dir="2700000" algn="tl">
+                    <a:srgbClr val="000000">
+                      <a:alpha val="43137"/>
+                    </a:srgbClr>
+                  </a:outerShdw>
+                </a:effectLst>
                 <a:latin typeface="Arial" panose="020B0604020202020204" pitchFamily="34" charset="0"/>
                 <a:cs typeface="Arial" panose="020B0604020202020204" pitchFamily="34" charset="0"/>
               </a:rPr>
@@ -6305,6 +8175,13 @@
                 <a:solidFill>
                   <a:srgbClr val="660033"/>
                 </a:solidFill>
+                <a:effectLst>
+                  <a:outerShdw blurRad="38100" dist="38100" dir="2700000" algn="tl">
+                    <a:srgbClr val="000000">
+                      <a:alpha val="43137"/>
+                    </a:srgbClr>
+                  </a:outerShdw>
+                </a:effectLst>
                 <a:latin typeface="Arial" panose="020B0604020202020204" pitchFamily="34" charset="0"/>
                 <a:cs typeface="Arial" panose="020B0604020202020204" pitchFamily="34" charset="0"/>
               </a:rPr>
@@ -6315,6 +8192,13 @@
                 <a:solidFill>
                   <a:srgbClr val="660033"/>
                 </a:solidFill>
+                <a:effectLst>
+                  <a:outerShdw blurRad="38100" dist="38100" dir="2700000" algn="tl">
+                    <a:srgbClr val="000000">
+                      <a:alpha val="43137"/>
+                    </a:srgbClr>
+                  </a:outerShdw>
+                </a:effectLst>
                 <a:latin typeface="Arial" panose="020B0604020202020204" pitchFamily="34" charset="0"/>
                 <a:cs typeface="Arial" panose="020B0604020202020204" pitchFamily="34" charset="0"/>
               </a:rPr>
@@ -6325,6 +8209,13 @@
                 <a:solidFill>
                   <a:srgbClr val="660033"/>
                 </a:solidFill>
+                <a:effectLst>
+                  <a:outerShdw blurRad="38100" dist="38100" dir="2700000" algn="tl">
+                    <a:srgbClr val="000000">
+                      <a:alpha val="43137"/>
+                    </a:srgbClr>
+                  </a:outerShdw>
+                </a:effectLst>
                 <a:latin typeface="Arial" panose="020B0604020202020204" pitchFamily="34" charset="0"/>
                 <a:cs typeface="Arial" panose="020B0604020202020204" pitchFamily="34" charset="0"/>
               </a:rPr>
@@ -6335,6 +8226,13 @@
                 <a:solidFill>
                   <a:srgbClr val="660033"/>
                 </a:solidFill>
+                <a:effectLst>
+                  <a:outerShdw blurRad="38100" dist="38100" dir="2700000" algn="tl">
+                    <a:srgbClr val="000000">
+                      <a:alpha val="43137"/>
+                    </a:srgbClr>
+                  </a:outerShdw>
+                </a:effectLst>
                 <a:latin typeface="Arial" panose="020B0604020202020204" pitchFamily="34" charset="0"/>
                 <a:cs typeface="Arial" panose="020B0604020202020204" pitchFamily="34" charset="0"/>
               </a:rPr>
@@ -6345,6 +8243,13 @@
                 <a:solidFill>
                   <a:srgbClr val="660033"/>
                 </a:solidFill>
+                <a:effectLst>
+                  <a:outerShdw blurRad="38100" dist="38100" dir="2700000" algn="tl">
+                    <a:srgbClr val="000000">
+                      <a:alpha val="43137"/>
+                    </a:srgbClr>
+                  </a:outerShdw>
+                </a:effectLst>
                 <a:latin typeface="Arial" panose="020B0604020202020204" pitchFamily="34" charset="0"/>
                 <a:cs typeface="Arial" panose="020B0604020202020204" pitchFamily="34" charset="0"/>
               </a:rPr>
@@ -6355,6 +8260,13 @@
                 <a:solidFill>
                   <a:srgbClr val="660033"/>
                 </a:solidFill>
+                <a:effectLst>
+                  <a:outerShdw blurRad="38100" dist="38100" dir="2700000" algn="tl">
+                    <a:srgbClr val="000000">
+                      <a:alpha val="43137"/>
+                    </a:srgbClr>
+                  </a:outerShdw>
+                </a:effectLst>
                 <a:latin typeface="Arial" panose="020B0604020202020204" pitchFamily="34" charset="0"/>
                 <a:cs typeface="Arial" panose="020B0604020202020204" pitchFamily="34" charset="0"/>
               </a:rPr>
@@ -6440,14 +8352,24 @@
           <a:p>
             <a:pPr algn="ctr"/>
             <a:r>
-              <a:rPr lang="en-US" sz="4000" b="1" spc="-1" dirty="0" err="1">
+              <a:rPr lang="zh-CN" altLang="en-US" sz="4000" b="1" spc="-1" dirty="0">
                 <a:solidFill>
                   <a:srgbClr val="000066"/>
                 </a:solidFill>
                 <a:latin typeface="微軟正黑體"/>
                 <a:ea typeface="微軟正黑體"/>
               </a:rPr>
-              <a:t>你是我的一切</a:t>
+              <a:t>袮</a:t>
+            </a:r>
+            <a:r>
+              <a:rPr lang="en-US" sz="4000" b="1" spc="-1" dirty="0" err="1" smtClean="0">
+                <a:solidFill>
+                  <a:srgbClr val="000066"/>
+                </a:solidFill>
+                <a:latin typeface="微軟正黑體"/>
+                <a:ea typeface="微軟正黑體"/>
+              </a:rPr>
+              <a:t>是我的一切</a:t>
             </a:r>
             <a:r>
               <a:rPr dirty="0"/>
@@ -6502,16 +8424,98 @@
               </a:spcBef>
             </a:pPr>
             <a:r>
-              <a:rPr lang="en-US" sz="4400" b="1" strike="noStrike" spc="-1">
+              <a:rPr lang="en-US" sz="4800" b="1" strike="noStrike" spc="-1" dirty="0" err="1">
                 <a:solidFill>
                   <a:srgbClr val="000066"/>
                 </a:solidFill>
+                <a:effectLst>
+                  <a:outerShdw blurRad="38100" dist="38100" dir="2700000" algn="tl">
+                    <a:srgbClr val="000000">
+                      <a:alpha val="43137"/>
+                    </a:srgbClr>
+                  </a:outerShdw>
+                </a:effectLst>
                 <a:latin typeface="微軟正黑體"/>
                 <a:ea typeface="微軟正黑體"/>
               </a:rPr>
-              <a:t>耶穌  神羔羊  配得大讚美</a:t>
-            </a:r>
-            <a:endParaRPr lang="en-US" sz="4400" b="0" strike="noStrike" spc="-1">
+              <a:t>耶穌</a:t>
+            </a:r>
+            <a:r>
+              <a:rPr lang="en-US" sz="4800" b="1" strike="noStrike" spc="-1" dirty="0">
+                <a:solidFill>
+                  <a:srgbClr val="000066"/>
+                </a:solidFill>
+                <a:effectLst>
+                  <a:outerShdw blurRad="38100" dist="38100" dir="2700000" algn="tl">
+                    <a:srgbClr val="000000">
+                      <a:alpha val="43137"/>
+                    </a:srgbClr>
+                  </a:outerShdw>
+                </a:effectLst>
+                <a:latin typeface="微軟正黑體"/>
+                <a:ea typeface="微軟正黑體"/>
+              </a:rPr>
+              <a:t>  </a:t>
+            </a:r>
+            <a:r>
+              <a:rPr lang="en-US" sz="4800" b="1" strike="noStrike" spc="-1" dirty="0" err="1">
+                <a:solidFill>
+                  <a:srgbClr val="000066"/>
+                </a:solidFill>
+                <a:effectLst>
+                  <a:outerShdw blurRad="38100" dist="38100" dir="2700000" algn="tl">
+                    <a:srgbClr val="000000">
+                      <a:alpha val="43137"/>
+                    </a:srgbClr>
+                  </a:outerShdw>
+                </a:effectLst>
+                <a:latin typeface="微軟正黑體"/>
+                <a:ea typeface="微軟正黑體"/>
+              </a:rPr>
+              <a:t>神羔羊</a:t>
+            </a:r>
+            <a:r>
+              <a:rPr lang="en-US" sz="4800" b="1" strike="noStrike" spc="-1" dirty="0">
+                <a:solidFill>
+                  <a:srgbClr val="000066"/>
+                </a:solidFill>
+                <a:effectLst>
+                  <a:outerShdw blurRad="38100" dist="38100" dir="2700000" algn="tl">
+                    <a:srgbClr val="000000">
+                      <a:alpha val="43137"/>
+                    </a:srgbClr>
+                  </a:outerShdw>
+                </a:effectLst>
+                <a:latin typeface="微軟正黑體"/>
+                <a:ea typeface="微軟正黑體"/>
+              </a:rPr>
+              <a:t>  </a:t>
+            </a:r>
+            <a:r>
+              <a:rPr lang="en-US" sz="4800" b="1" strike="noStrike" spc="-1" dirty="0" err="1">
+                <a:solidFill>
+                  <a:srgbClr val="000066"/>
+                </a:solidFill>
+                <a:effectLst>
+                  <a:outerShdw blurRad="38100" dist="38100" dir="2700000" algn="tl">
+                    <a:srgbClr val="000000">
+                      <a:alpha val="43137"/>
+                    </a:srgbClr>
+                  </a:outerShdw>
+                </a:effectLst>
+                <a:latin typeface="微軟正黑體"/>
+                <a:ea typeface="微軟正黑體"/>
+              </a:rPr>
+              <a:t>配得大讚美</a:t>
+            </a:r>
+            <a:endParaRPr lang="en-US" sz="4800" b="0" strike="noStrike" spc="-1" dirty="0">
+              <a:effectLst>
+                <a:outerShdw blurRad="38100" dist="38100" dir="2700000" algn="tl">
+                  <a:srgbClr val="000000">
+                    <a:alpha val="43137"/>
+                  </a:srgbClr>
+                </a:outerShdw>
+              </a:effectLst>
               <a:latin typeface="Arial"/>
             </a:endParaRPr>
           </a:p>
@@ -6525,16 +8529,98 @@
               </a:spcBef>
             </a:pPr>
             <a:r>
-              <a:rPr lang="en-US" sz="4400" b="1" strike="noStrike" spc="-1">
+              <a:rPr lang="en-US" sz="4800" b="1" strike="noStrike" spc="-1" dirty="0" err="1">
                 <a:solidFill>
                   <a:srgbClr val="000066"/>
                 </a:solidFill>
+                <a:effectLst>
+                  <a:outerShdw blurRad="38100" dist="38100" dir="2700000" algn="tl">
+                    <a:srgbClr val="000000">
+                      <a:alpha val="43137"/>
+                    </a:srgbClr>
+                  </a:outerShdw>
+                </a:effectLst>
                 <a:latin typeface="微軟正黑體"/>
                 <a:ea typeface="微軟正黑體"/>
               </a:rPr>
-              <a:t>耶穌  神羔羊  配得大讚美</a:t>
-            </a:r>
-            <a:endParaRPr lang="en-US" sz="4400" b="0" strike="noStrike" spc="-1">
+              <a:t>耶穌</a:t>
+            </a:r>
+            <a:r>
+              <a:rPr lang="en-US" sz="4800" b="1" strike="noStrike" spc="-1" dirty="0">
+                <a:solidFill>
+                  <a:srgbClr val="000066"/>
+                </a:solidFill>
+                <a:effectLst>
+                  <a:outerShdw blurRad="38100" dist="38100" dir="2700000" algn="tl">
+                    <a:srgbClr val="000000">
+                      <a:alpha val="43137"/>
+                    </a:srgbClr>
+                  </a:outerShdw>
+                </a:effectLst>
+                <a:latin typeface="微軟正黑體"/>
+                <a:ea typeface="微軟正黑體"/>
+              </a:rPr>
+              <a:t>  </a:t>
+            </a:r>
+            <a:r>
+              <a:rPr lang="en-US" sz="4800" b="1" strike="noStrike" spc="-1" dirty="0" err="1">
+                <a:solidFill>
+                  <a:srgbClr val="000066"/>
+                </a:solidFill>
+                <a:effectLst>
+                  <a:outerShdw blurRad="38100" dist="38100" dir="2700000" algn="tl">
+                    <a:srgbClr val="000000">
+                      <a:alpha val="43137"/>
+                    </a:srgbClr>
+                  </a:outerShdw>
+                </a:effectLst>
+                <a:latin typeface="微軟正黑體"/>
+                <a:ea typeface="微軟正黑體"/>
+              </a:rPr>
+              <a:t>神羔羊</a:t>
+            </a:r>
+            <a:r>
+              <a:rPr lang="en-US" sz="4800" b="1" strike="noStrike" spc="-1" dirty="0">
+                <a:solidFill>
+                  <a:srgbClr val="000066"/>
+                </a:solidFill>
+                <a:effectLst>
+                  <a:outerShdw blurRad="38100" dist="38100" dir="2700000" algn="tl">
+                    <a:srgbClr val="000000">
+                      <a:alpha val="43137"/>
+                    </a:srgbClr>
+                  </a:outerShdw>
+                </a:effectLst>
+                <a:latin typeface="微軟正黑體"/>
+                <a:ea typeface="微軟正黑體"/>
+              </a:rPr>
+              <a:t>  </a:t>
+            </a:r>
+            <a:r>
+              <a:rPr lang="en-US" sz="4800" b="1" strike="noStrike" spc="-1" dirty="0" err="1">
+                <a:solidFill>
+                  <a:srgbClr val="000066"/>
+                </a:solidFill>
+                <a:effectLst>
+                  <a:outerShdw blurRad="38100" dist="38100" dir="2700000" algn="tl">
+                    <a:srgbClr val="000000">
+                      <a:alpha val="43137"/>
+                    </a:srgbClr>
+                  </a:outerShdw>
+                </a:effectLst>
+                <a:latin typeface="微軟正黑體"/>
+                <a:ea typeface="微軟正黑體"/>
+              </a:rPr>
+              <a:t>配得大讚美</a:t>
+            </a:r>
+            <a:endParaRPr lang="en-US" sz="4800" b="0" strike="noStrike" spc="-1" dirty="0">
+              <a:effectLst>
+                <a:outerShdw blurRad="38100" dist="38100" dir="2700000" algn="tl">
+                  <a:srgbClr val="000000">
+                    <a:alpha val="43137"/>
+                  </a:srgbClr>
+                </a:outerShdw>
+              </a:effectLst>
               <a:latin typeface="Arial"/>
             </a:endParaRPr>
           </a:p>
@@ -6576,6 +8662,13 @@
                 <a:solidFill>
                   <a:srgbClr val="660033"/>
                 </a:solidFill>
+                <a:effectLst>
+                  <a:outerShdw blurRad="38100" dist="38100" dir="2700000" algn="tl">
+                    <a:srgbClr val="000000">
+                      <a:alpha val="43137"/>
+                    </a:srgbClr>
+                  </a:outerShdw>
+                </a:effectLst>
                 <a:latin typeface="Arial" panose="020B0604020202020204" pitchFamily="34" charset="0"/>
                 <a:cs typeface="Arial" panose="020B0604020202020204" pitchFamily="34" charset="0"/>
               </a:rPr>
@@ -6586,6 +8679,13 @@
                 <a:solidFill>
                   <a:srgbClr val="660033"/>
                 </a:solidFill>
+                <a:effectLst>
+                  <a:outerShdw blurRad="38100" dist="38100" dir="2700000" algn="tl">
+                    <a:srgbClr val="000000">
+                      <a:alpha val="43137"/>
+                    </a:srgbClr>
+                  </a:outerShdw>
+                </a:effectLst>
                 <a:latin typeface="Arial" panose="020B0604020202020204" pitchFamily="34" charset="0"/>
                 <a:cs typeface="Arial" panose="020B0604020202020204" pitchFamily="34" charset="0"/>
               </a:rPr>
@@ -6596,6 +8696,13 @@
                 <a:solidFill>
                   <a:srgbClr val="660033"/>
                 </a:solidFill>
+                <a:effectLst>
+                  <a:outerShdw blurRad="38100" dist="38100" dir="2700000" algn="tl">
+                    <a:srgbClr val="000000">
+                      <a:alpha val="43137"/>
+                    </a:srgbClr>
+                  </a:outerShdw>
+                </a:effectLst>
                 <a:latin typeface="Arial" panose="020B0604020202020204" pitchFamily="34" charset="0"/>
                 <a:cs typeface="Arial" panose="020B0604020202020204" pitchFamily="34" charset="0"/>
               </a:rPr>
@@ -6606,6 +8713,13 @@
                 <a:solidFill>
                   <a:srgbClr val="660033"/>
                 </a:solidFill>
+                <a:effectLst>
+                  <a:outerShdw blurRad="38100" dist="38100" dir="2700000" algn="tl">
+                    <a:srgbClr val="000000">
+                      <a:alpha val="43137"/>
+                    </a:srgbClr>
+                  </a:outerShdw>
+                </a:effectLst>
                 <a:latin typeface="Arial" panose="020B0604020202020204" pitchFamily="34" charset="0"/>
                 <a:cs typeface="Arial" panose="020B0604020202020204" pitchFamily="34" charset="0"/>
               </a:rPr>
@@ -6616,6 +8730,13 @@
                 <a:solidFill>
                   <a:srgbClr val="660033"/>
                 </a:solidFill>
+                <a:effectLst>
+                  <a:outerShdw blurRad="38100" dist="38100" dir="2700000" algn="tl">
+                    <a:srgbClr val="000000">
+                      <a:alpha val="43137"/>
+                    </a:srgbClr>
+                  </a:outerShdw>
+                </a:effectLst>
                 <a:latin typeface="Arial" panose="020B0604020202020204" pitchFamily="34" charset="0"/>
                 <a:cs typeface="Arial" panose="020B0604020202020204" pitchFamily="34" charset="0"/>
               </a:rPr>
@@ -6626,6 +8747,13 @@
                 <a:solidFill>
                   <a:srgbClr val="660033"/>
                 </a:solidFill>
+                <a:effectLst>
+                  <a:outerShdw blurRad="38100" dist="38100" dir="2700000" algn="tl">
+                    <a:srgbClr val="000000">
+                      <a:alpha val="43137"/>
+                    </a:srgbClr>
+                  </a:outerShdw>
+                </a:effectLst>
                 <a:latin typeface="Arial" panose="020B0604020202020204" pitchFamily="34" charset="0"/>
                 <a:cs typeface="Arial" panose="020B0604020202020204" pitchFamily="34" charset="0"/>
               </a:rPr>
@@ -6636,6 +8764,13 @@
                 <a:solidFill>
                   <a:srgbClr val="660033"/>
                 </a:solidFill>
+                <a:effectLst>
+                  <a:outerShdw blurRad="38100" dist="38100" dir="2700000" algn="tl">
+                    <a:srgbClr val="000000">
+                      <a:alpha val="43137"/>
+                    </a:srgbClr>
+                  </a:outerShdw>
+                </a:effectLst>
                 <a:latin typeface="Arial" panose="020B0604020202020204" pitchFamily="34" charset="0"/>
                 <a:cs typeface="Arial" panose="020B0604020202020204" pitchFamily="34" charset="0"/>
               </a:rPr>
@@ -6646,6 +8781,13 @@
                 <a:solidFill>
                   <a:srgbClr val="660033"/>
                 </a:solidFill>
+                <a:effectLst>
+                  <a:outerShdw blurRad="38100" dist="38100" dir="2700000" algn="tl">
+                    <a:srgbClr val="000000">
+                      <a:alpha val="43137"/>
+                    </a:srgbClr>
+                  </a:outerShdw>
+                </a:effectLst>
                 <a:latin typeface="Arial" panose="020B0604020202020204" pitchFamily="34" charset="0"/>
                 <a:cs typeface="Arial" panose="020B0604020202020204" pitchFamily="34" charset="0"/>
               </a:rPr>
@@ -6656,6 +8798,13 @@
                 <a:solidFill>
                   <a:srgbClr val="660033"/>
                 </a:solidFill>
+                <a:effectLst>
+                  <a:outerShdw blurRad="38100" dist="38100" dir="2700000" algn="tl">
+                    <a:srgbClr val="000000">
+                      <a:alpha val="43137"/>
+                    </a:srgbClr>
+                  </a:outerShdw>
+                </a:effectLst>
                 <a:latin typeface="Arial" panose="020B0604020202020204" pitchFamily="34" charset="0"/>
                 <a:cs typeface="Arial" panose="020B0604020202020204" pitchFamily="34" charset="0"/>
               </a:rPr>
@@ -6666,6 +8815,13 @@
                 <a:solidFill>
                   <a:srgbClr val="660033"/>
                 </a:solidFill>
+                <a:effectLst>
+                  <a:outerShdw blurRad="38100" dist="38100" dir="2700000" algn="tl">
+                    <a:srgbClr val="000000">
+                      <a:alpha val="43137"/>
+                    </a:srgbClr>
+                  </a:outerShdw>
+                </a:effectLst>
                 <a:latin typeface="Arial" panose="020B0604020202020204" pitchFamily="34" charset="0"/>
                 <a:cs typeface="Arial" panose="020B0604020202020204" pitchFamily="34" charset="0"/>
               </a:rPr>
@@ -6676,6 +8832,13 @@
                 <a:solidFill>
                   <a:srgbClr val="660033"/>
                 </a:solidFill>
+                <a:effectLst>
+                  <a:outerShdw blurRad="38100" dist="38100" dir="2700000" algn="tl">
+                    <a:srgbClr val="000000">
+                      <a:alpha val="43137"/>
+                    </a:srgbClr>
+                  </a:outerShdw>
+                </a:effectLst>
                 <a:latin typeface="Arial" panose="020B0604020202020204" pitchFamily="34" charset="0"/>
                 <a:cs typeface="Arial" panose="020B0604020202020204" pitchFamily="34" charset="0"/>
               </a:rPr>
@@ -6686,6 +8849,13 @@
                 <a:solidFill>
                   <a:srgbClr val="660033"/>
                 </a:solidFill>
+                <a:effectLst>
+                  <a:outerShdw blurRad="38100" dist="38100" dir="2700000" algn="tl">
+                    <a:srgbClr val="000000">
+                      <a:alpha val="43137"/>
+                    </a:srgbClr>
+                  </a:outerShdw>
+                </a:effectLst>
                 <a:latin typeface="Arial" panose="020B0604020202020204" pitchFamily="34" charset="0"/>
                 <a:cs typeface="Arial" panose="020B0604020202020204" pitchFamily="34" charset="0"/>
               </a:rPr>
@@ -6696,6 +8866,13 @@
                 <a:solidFill>
                   <a:srgbClr val="660033"/>
                 </a:solidFill>
+                <a:effectLst>
+                  <a:outerShdw blurRad="38100" dist="38100" dir="2700000" algn="tl">
+                    <a:srgbClr val="000000">
+                      <a:alpha val="43137"/>
+                    </a:srgbClr>
+                  </a:outerShdw>
+                </a:effectLst>
                 <a:latin typeface="Arial" panose="020B0604020202020204" pitchFamily="34" charset="0"/>
                 <a:cs typeface="Arial" panose="020B0604020202020204" pitchFamily="34" charset="0"/>
               </a:rPr>
@@ -6706,6 +8883,13 @@
                 <a:solidFill>
                   <a:srgbClr val="660033"/>
                 </a:solidFill>
+                <a:effectLst>
+                  <a:outerShdw blurRad="38100" dist="38100" dir="2700000" algn="tl">
+                    <a:srgbClr val="000000">
+                      <a:alpha val="43137"/>
+                    </a:srgbClr>
+                  </a:outerShdw>
+                </a:effectLst>
                 <a:latin typeface="Arial" panose="020B0604020202020204" pitchFamily="34" charset="0"/>
                 <a:cs typeface="Arial" panose="020B0604020202020204" pitchFamily="34" charset="0"/>
               </a:rPr>
@@ -6716,6 +8900,13 @@
                 <a:solidFill>
                   <a:srgbClr val="660033"/>
                 </a:solidFill>
+                <a:effectLst>
+                  <a:outerShdw blurRad="38100" dist="38100" dir="2700000" algn="tl">
+                    <a:srgbClr val="000000">
+                      <a:alpha val="43137"/>
+                    </a:srgbClr>
+                  </a:outerShdw>
+                </a:effectLst>
                 <a:latin typeface="Arial" panose="020B0604020202020204" pitchFamily="34" charset="0"/>
                 <a:cs typeface="Arial" panose="020B0604020202020204" pitchFamily="34" charset="0"/>
               </a:rPr>
@@ -6725,6 +8916,13 @@
               <a:solidFill>
                 <a:srgbClr val="660033"/>
               </a:solidFill>
+              <a:effectLst>
+                <a:outerShdw blurRad="38100" dist="38100" dir="2700000" algn="tl">
+                  <a:srgbClr val="000000">
+                    <a:alpha val="43137"/>
+                  </a:srgbClr>
+                </a:outerShdw>
+              </a:effectLst>
               <a:latin typeface="Arial" panose="020B0604020202020204" pitchFamily="34" charset="0"/>
               <a:cs typeface="Arial" panose="020B0604020202020204" pitchFamily="34" charset="0"/>
             </a:endParaRPr>
@@ -6743,6 +8941,13 @@
                 <a:solidFill>
                   <a:srgbClr val="660033"/>
                 </a:solidFill>
+                <a:effectLst>
+                  <a:outerShdw blurRad="38100" dist="38100" dir="2700000" algn="tl">
+                    <a:srgbClr val="000000">
+                      <a:alpha val="43137"/>
+                    </a:srgbClr>
+                  </a:outerShdw>
+                </a:effectLst>
                 <a:latin typeface="Arial" panose="020B0604020202020204" pitchFamily="34" charset="0"/>
                 <a:cs typeface="Arial" panose="020B0604020202020204" pitchFamily="34" charset="0"/>
               </a:rPr>
@@ -6753,6 +8958,13 @@
                 <a:solidFill>
                   <a:srgbClr val="660033"/>
                 </a:solidFill>
+                <a:effectLst>
+                  <a:outerShdw blurRad="38100" dist="38100" dir="2700000" algn="tl">
+                    <a:srgbClr val="000000">
+                      <a:alpha val="43137"/>
+                    </a:srgbClr>
+                  </a:outerShdw>
+                </a:effectLst>
                 <a:latin typeface="Arial" panose="020B0604020202020204" pitchFamily="34" charset="0"/>
                 <a:cs typeface="Arial" panose="020B0604020202020204" pitchFamily="34" charset="0"/>
               </a:rPr>
@@ -6763,6 +8975,13 @@
                 <a:solidFill>
                   <a:srgbClr val="660033"/>
                 </a:solidFill>
+                <a:effectLst>
+                  <a:outerShdw blurRad="38100" dist="38100" dir="2700000" algn="tl">
+                    <a:srgbClr val="000000">
+                      <a:alpha val="43137"/>
+                    </a:srgbClr>
+                  </a:outerShdw>
+                </a:effectLst>
                 <a:latin typeface="Arial" panose="020B0604020202020204" pitchFamily="34" charset="0"/>
                 <a:cs typeface="Arial" panose="020B0604020202020204" pitchFamily="34" charset="0"/>
               </a:rPr>
@@ -6773,6 +8992,13 @@
                 <a:solidFill>
                   <a:srgbClr val="660033"/>
                 </a:solidFill>
+                <a:effectLst>
+                  <a:outerShdw blurRad="38100" dist="38100" dir="2700000" algn="tl">
+                    <a:srgbClr val="000000">
+                      <a:alpha val="43137"/>
+                    </a:srgbClr>
+                  </a:outerShdw>
+                </a:effectLst>
                 <a:latin typeface="Arial" panose="020B0604020202020204" pitchFamily="34" charset="0"/>
                 <a:cs typeface="Arial" panose="020B0604020202020204" pitchFamily="34" charset="0"/>
               </a:rPr>
@@ -6783,6 +9009,13 @@
                 <a:solidFill>
                   <a:srgbClr val="660033"/>
                 </a:solidFill>
+                <a:effectLst>
+                  <a:outerShdw blurRad="38100" dist="38100" dir="2700000" algn="tl">
+                    <a:srgbClr val="000000">
+                      <a:alpha val="43137"/>
+                    </a:srgbClr>
+                  </a:outerShdw>
+                </a:effectLst>
                 <a:latin typeface="Arial" panose="020B0604020202020204" pitchFamily="34" charset="0"/>
                 <a:cs typeface="Arial" panose="020B0604020202020204" pitchFamily="34" charset="0"/>
               </a:rPr>
@@ -6793,6 +9026,13 @@
                 <a:solidFill>
                   <a:srgbClr val="660033"/>
                 </a:solidFill>
+                <a:effectLst>
+                  <a:outerShdw blurRad="38100" dist="38100" dir="2700000" algn="tl">
+                    <a:srgbClr val="000000">
+                      <a:alpha val="43137"/>
+                    </a:srgbClr>
+                  </a:outerShdw>
+                </a:effectLst>
                 <a:latin typeface="Arial" panose="020B0604020202020204" pitchFamily="34" charset="0"/>
                 <a:cs typeface="Arial" panose="020B0604020202020204" pitchFamily="34" charset="0"/>
               </a:rPr>
@@ -6803,6 +9043,13 @@
                 <a:solidFill>
                   <a:srgbClr val="660033"/>
                 </a:solidFill>
+                <a:effectLst>
+                  <a:outerShdw blurRad="38100" dist="38100" dir="2700000" algn="tl">
+                    <a:srgbClr val="000000">
+                      <a:alpha val="43137"/>
+                    </a:srgbClr>
+                  </a:outerShdw>
+                </a:effectLst>
                 <a:latin typeface="Arial" panose="020B0604020202020204" pitchFamily="34" charset="0"/>
                 <a:cs typeface="Arial" panose="020B0604020202020204" pitchFamily="34" charset="0"/>
               </a:rPr>
@@ -6813,6 +9060,13 @@
                 <a:solidFill>
                   <a:srgbClr val="660033"/>
                 </a:solidFill>
+                <a:effectLst>
+                  <a:outerShdw blurRad="38100" dist="38100" dir="2700000" algn="tl">
+                    <a:srgbClr val="000000">
+                      <a:alpha val="43137"/>
+                    </a:srgbClr>
+                  </a:outerShdw>
+                </a:effectLst>
                 <a:latin typeface="Arial" panose="020B0604020202020204" pitchFamily="34" charset="0"/>
                 <a:cs typeface="Arial" panose="020B0604020202020204" pitchFamily="34" charset="0"/>
               </a:rPr>
@@ -6823,6 +9077,13 @@
                 <a:solidFill>
                   <a:srgbClr val="660033"/>
                 </a:solidFill>
+                <a:effectLst>
+                  <a:outerShdw blurRad="38100" dist="38100" dir="2700000" algn="tl">
+                    <a:srgbClr val="000000">
+                      <a:alpha val="43137"/>
+                    </a:srgbClr>
+                  </a:outerShdw>
+                </a:effectLst>
                 <a:latin typeface="Arial" panose="020B0604020202020204" pitchFamily="34" charset="0"/>
                 <a:cs typeface="Arial" panose="020B0604020202020204" pitchFamily="34" charset="0"/>
               </a:rPr>
@@ -6833,6 +9094,13 @@
                 <a:solidFill>
                   <a:srgbClr val="660033"/>
                 </a:solidFill>
+                <a:effectLst>
+                  <a:outerShdw blurRad="38100" dist="38100" dir="2700000" algn="tl">
+                    <a:srgbClr val="000000">
+                      <a:alpha val="43137"/>
+                    </a:srgbClr>
+                  </a:outerShdw>
+                </a:effectLst>
                 <a:latin typeface="Arial" panose="020B0604020202020204" pitchFamily="34" charset="0"/>
                 <a:cs typeface="Arial" panose="020B0604020202020204" pitchFamily="34" charset="0"/>
               </a:rPr>
@@ -6843,6 +9111,13 @@
                 <a:solidFill>
                   <a:srgbClr val="660033"/>
                 </a:solidFill>
+                <a:effectLst>
+                  <a:outerShdw blurRad="38100" dist="38100" dir="2700000" algn="tl">
+                    <a:srgbClr val="000000">
+                      <a:alpha val="43137"/>
+                    </a:srgbClr>
+                  </a:outerShdw>
+                </a:effectLst>
                 <a:latin typeface="Arial" panose="020B0604020202020204" pitchFamily="34" charset="0"/>
                 <a:cs typeface="Arial" panose="020B0604020202020204" pitchFamily="34" charset="0"/>
               </a:rPr>
@@ -6853,6 +9128,13 @@
                 <a:solidFill>
                   <a:srgbClr val="660033"/>
                 </a:solidFill>
+                <a:effectLst>
+                  <a:outerShdw blurRad="38100" dist="38100" dir="2700000" algn="tl">
+                    <a:srgbClr val="000000">
+                      <a:alpha val="43137"/>
+                    </a:srgbClr>
+                  </a:outerShdw>
+                </a:effectLst>
                 <a:latin typeface="Arial" panose="020B0604020202020204" pitchFamily="34" charset="0"/>
                 <a:cs typeface="Arial" panose="020B0604020202020204" pitchFamily="34" charset="0"/>
               </a:rPr>
@@ -6863,6 +9145,13 @@
                 <a:solidFill>
                   <a:srgbClr val="660033"/>
                 </a:solidFill>
+                <a:effectLst>
+                  <a:outerShdw blurRad="38100" dist="38100" dir="2700000" algn="tl">
+                    <a:srgbClr val="000000">
+                      <a:alpha val="43137"/>
+                    </a:srgbClr>
+                  </a:outerShdw>
+                </a:effectLst>
                 <a:latin typeface="Arial" panose="020B0604020202020204" pitchFamily="34" charset="0"/>
                 <a:cs typeface="Arial" panose="020B0604020202020204" pitchFamily="34" charset="0"/>
               </a:rPr>
@@ -6873,6 +9162,13 @@
                 <a:solidFill>
                   <a:srgbClr val="660033"/>
                 </a:solidFill>
+                <a:effectLst>
+                  <a:outerShdw blurRad="38100" dist="38100" dir="2700000" algn="tl">
+                    <a:srgbClr val="000000">
+                      <a:alpha val="43137"/>
+                    </a:srgbClr>
+                  </a:outerShdw>
+                </a:effectLst>
                 <a:latin typeface="Arial" panose="020B0604020202020204" pitchFamily="34" charset="0"/>
                 <a:cs typeface="Arial" panose="020B0604020202020204" pitchFamily="34" charset="0"/>
               </a:rPr>
@@ -6883,6 +9179,13 @@
                 <a:solidFill>
                   <a:srgbClr val="660033"/>
                 </a:solidFill>
+                <a:effectLst>
+                  <a:outerShdw blurRad="38100" dist="38100" dir="2700000" algn="tl">
+                    <a:srgbClr val="000000">
+                      <a:alpha val="43137"/>
+                    </a:srgbClr>
+                  </a:outerShdw>
+                </a:effectLst>
                 <a:latin typeface="Arial" panose="020B0604020202020204" pitchFamily="34" charset="0"/>
                 <a:cs typeface="Arial" panose="020B0604020202020204" pitchFamily="34" charset="0"/>
               </a:rPr>
@@ -6892,6 +9195,13 @@
               <a:solidFill>
                 <a:srgbClr val="660033"/>
               </a:solidFill>
+              <a:effectLst>
+                <a:outerShdw blurRad="38100" dist="38100" dir="2700000" algn="tl">
+                  <a:srgbClr val="000000">
+                    <a:alpha val="43137"/>
+                  </a:srgbClr>
+                </a:outerShdw>
+              </a:effectLst>
               <a:latin typeface="Arial" panose="020B0604020202020204" pitchFamily="34" charset="0"/>
               <a:cs typeface="Arial" panose="020B0604020202020204" pitchFamily="34" charset="0"/>
             </a:endParaRPr>

--- a/中越詩歌/你是我的一切_Ngài là muôn nhu cầu con.pptx
+++ b/中越詩歌/你是我的一切_Ngài là muôn nhu cầu con.pptx
@@ -3797,6 +3797,56 @@
           </a:p>
         </p:txBody>
       </p:sp>
+      <p:sp>
+        <p:nvSpPr>
+          <p:cNvPr id="4" name="TextBox 3"/>
+          <p:cNvSpPr txBox="1"/>
+          <p:nvPr/>
+        </p:nvSpPr>
+        <p:spPr>
+          <a:xfrm>
+            <a:off x="0" y="4283075"/>
+            <a:ext cx="10080625" cy="646331"/>
+          </a:xfrm>
+          <a:prstGeom prst="rect">
+            <a:avLst/>
+          </a:prstGeom>
+          <a:noFill/>
+        </p:spPr>
+        <p:txBody>
+          <a:bodyPr wrap="square" rtlCol="0">
+            <a:spAutoFit/>
+          </a:bodyPr>
+          <a:lstStyle/>
+          <a:p>
+            <a:pPr algn="ctr"/>
+            <a:r>
+              <a:rPr lang="en-US" sz="3600" b="1" dirty="0">
+                <a:solidFill>
+                  <a:srgbClr val="000066"/>
+                </a:solidFill>
+                <a:effectLst/>
+              </a:rPr>
+              <a:t>( </a:t>
+            </a:r>
+            <a:r>
+              <a:rPr lang="en-US" sz="3600" b="1" dirty="0" smtClean="0">
+                <a:solidFill>
+                  <a:srgbClr val="000066"/>
+                </a:solidFill>
+                <a:effectLst/>
+              </a:rPr>
+              <a:t>2 )</a:t>
+            </a:r>
+            <a:endParaRPr lang="vi-VN" sz="3600" b="1" dirty="0">
+              <a:solidFill>
+                <a:srgbClr val="000066"/>
+              </a:solidFill>
+              <a:effectLst/>
+            </a:endParaRPr>
+          </a:p>
+        </p:txBody>
+      </p:sp>
     </p:spTree>
     <p:extLst>
       <p:ext uri="{BB962C8B-B14F-4D97-AF65-F5344CB8AC3E}">
@@ -4206,6 +4256,56 @@
               <a:latin typeface="Calibri" panose="020F0502020204030204" pitchFamily="34" charset="0"/>
               <a:ea typeface="微軟正黑體" pitchFamily="34" charset="-120"/>
               <a:cs typeface="Calibri" panose="020F0502020204030204" pitchFamily="34" charset="0"/>
+            </a:endParaRPr>
+          </a:p>
+        </p:txBody>
+      </p:sp>
+      <p:sp>
+        <p:nvSpPr>
+          <p:cNvPr id="4" name="TextBox 3"/>
+          <p:cNvSpPr txBox="1"/>
+          <p:nvPr/>
+        </p:nvSpPr>
+        <p:spPr>
+          <a:xfrm>
+            <a:off x="0" y="4283075"/>
+            <a:ext cx="10080625" cy="646331"/>
+          </a:xfrm>
+          <a:prstGeom prst="rect">
+            <a:avLst/>
+          </a:prstGeom>
+          <a:noFill/>
+        </p:spPr>
+        <p:txBody>
+          <a:bodyPr wrap="square" rtlCol="0">
+            <a:spAutoFit/>
+          </a:bodyPr>
+          <a:lstStyle/>
+          <a:p>
+            <a:pPr algn="ctr"/>
+            <a:r>
+              <a:rPr lang="en-US" sz="3600" b="1" dirty="0">
+                <a:solidFill>
+                  <a:srgbClr val="000066"/>
+                </a:solidFill>
+                <a:effectLst/>
+              </a:rPr>
+              <a:t>( </a:t>
+            </a:r>
+            <a:r>
+              <a:rPr lang="en-US" sz="3600" b="1" dirty="0" smtClean="0">
+                <a:solidFill>
+                  <a:srgbClr val="000066"/>
+                </a:solidFill>
+                <a:effectLst/>
+              </a:rPr>
+              <a:t>2 )</a:t>
+            </a:r>
+            <a:endParaRPr lang="vi-VN" sz="3600" b="1" dirty="0">
+              <a:solidFill>
+                <a:srgbClr val="000066"/>
+              </a:solidFill>
+              <a:effectLst/>
             </a:endParaRPr>
           </a:p>
         </p:txBody>
@@ -4570,6 +4670,56 @@
           </a:p>
         </p:txBody>
       </p:sp>
+      <p:sp>
+        <p:nvSpPr>
+          <p:cNvPr id="4" name="TextBox 3"/>
+          <p:cNvSpPr txBox="1"/>
+          <p:nvPr/>
+        </p:nvSpPr>
+        <p:spPr>
+          <a:xfrm>
+            <a:off x="0" y="4283075"/>
+            <a:ext cx="10080625" cy="646331"/>
+          </a:xfrm>
+          <a:prstGeom prst="rect">
+            <a:avLst/>
+          </a:prstGeom>
+          <a:noFill/>
+        </p:spPr>
+        <p:txBody>
+          <a:bodyPr wrap="square" rtlCol="0">
+            <a:spAutoFit/>
+          </a:bodyPr>
+          <a:lstStyle/>
+          <a:p>
+            <a:pPr algn="ctr"/>
+            <a:r>
+              <a:rPr lang="en-US" sz="3600" b="1" dirty="0">
+                <a:solidFill>
+                  <a:srgbClr val="000066"/>
+                </a:solidFill>
+                <a:effectLst/>
+              </a:rPr>
+              <a:t>( </a:t>
+            </a:r>
+            <a:r>
+              <a:rPr lang="en-US" sz="3600" b="1" dirty="0" smtClean="0">
+                <a:solidFill>
+                  <a:srgbClr val="000066"/>
+                </a:solidFill>
+                <a:effectLst/>
+              </a:rPr>
+              <a:t>2 )</a:t>
+            </a:r>
+            <a:endParaRPr lang="vi-VN" sz="3600" b="1" dirty="0">
+              <a:solidFill>
+                <a:srgbClr val="000066"/>
+              </a:solidFill>
+              <a:effectLst/>
+            </a:endParaRPr>
+          </a:p>
+        </p:txBody>
+      </p:sp>
     </p:spTree>
     <p:extLst>
       <p:ext uri="{BB962C8B-B14F-4D97-AF65-F5344CB8AC3E}">
@@ -4959,6 +5109,56 @@
               </a:rPr>
               <a:t> con</a:t>
             </a:r>
+          </a:p>
+        </p:txBody>
+      </p:sp>
+      <p:sp>
+        <p:nvSpPr>
+          <p:cNvPr id="4" name="TextBox 3"/>
+          <p:cNvSpPr txBox="1"/>
+          <p:nvPr/>
+        </p:nvSpPr>
+        <p:spPr>
+          <a:xfrm>
+            <a:off x="0" y="4283075"/>
+            <a:ext cx="10080625" cy="646331"/>
+          </a:xfrm>
+          <a:prstGeom prst="rect">
+            <a:avLst/>
+          </a:prstGeom>
+          <a:noFill/>
+        </p:spPr>
+        <p:txBody>
+          <a:bodyPr wrap="square" rtlCol="0">
+            <a:spAutoFit/>
+          </a:bodyPr>
+          <a:lstStyle/>
+          <a:p>
+            <a:pPr algn="ctr"/>
+            <a:r>
+              <a:rPr lang="en-US" sz="3600" b="1" dirty="0">
+                <a:solidFill>
+                  <a:srgbClr val="000066"/>
+                </a:solidFill>
+                <a:effectLst/>
+              </a:rPr>
+              <a:t>( </a:t>
+            </a:r>
+            <a:r>
+              <a:rPr lang="en-US" sz="3600" b="1" dirty="0" smtClean="0">
+                <a:solidFill>
+                  <a:srgbClr val="000066"/>
+                </a:solidFill>
+                <a:effectLst/>
+              </a:rPr>
+              <a:t>2 )</a:t>
+            </a:r>
+            <a:endParaRPr lang="vi-VN" sz="3600" b="1" dirty="0">
+              <a:solidFill>
+                <a:srgbClr val="000066"/>
+              </a:solidFill>
+              <a:effectLst/>
+            </a:endParaRPr>
           </a:p>
         </p:txBody>
       </p:sp>
@@ -5395,6 +5595,56 @@
           </a:p>
         </p:txBody>
       </p:sp>
+      <p:sp>
+        <p:nvSpPr>
+          <p:cNvPr id="4" name="TextBox 3"/>
+          <p:cNvSpPr txBox="1"/>
+          <p:nvPr/>
+        </p:nvSpPr>
+        <p:spPr>
+          <a:xfrm>
+            <a:off x="0" y="4283075"/>
+            <a:ext cx="10080625" cy="646331"/>
+          </a:xfrm>
+          <a:prstGeom prst="rect">
+            <a:avLst/>
+          </a:prstGeom>
+          <a:noFill/>
+        </p:spPr>
+        <p:txBody>
+          <a:bodyPr wrap="square" rtlCol="0">
+            <a:spAutoFit/>
+          </a:bodyPr>
+          <a:lstStyle/>
+          <a:p>
+            <a:pPr algn="ctr"/>
+            <a:r>
+              <a:rPr lang="en-US" sz="3600" b="1" dirty="0">
+                <a:solidFill>
+                  <a:srgbClr val="000066"/>
+                </a:solidFill>
+                <a:effectLst/>
+              </a:rPr>
+              <a:t>( </a:t>
+            </a:r>
+            <a:r>
+              <a:rPr lang="en-US" sz="3600" b="1" dirty="0" smtClean="0">
+                <a:solidFill>
+                  <a:srgbClr val="000066"/>
+                </a:solidFill>
+                <a:effectLst/>
+              </a:rPr>
+              <a:t>2 )</a:t>
+            </a:r>
+            <a:endParaRPr lang="vi-VN" sz="3600" b="1" dirty="0">
+              <a:solidFill>
+                <a:srgbClr val="000066"/>
+              </a:solidFill>
+              <a:effectLst/>
+            </a:endParaRPr>
+          </a:p>
+        </p:txBody>
+      </p:sp>
     </p:spTree>
     <p:extLst>
       <p:ext uri="{BB962C8B-B14F-4D97-AF65-F5344CB8AC3E}">
@@ -5752,6 +6002,56 @@
               </a:rPr>
               <a:t> con</a:t>
             </a:r>
+          </a:p>
+        </p:txBody>
+      </p:sp>
+      <p:sp>
+        <p:nvSpPr>
+          <p:cNvPr id="4" name="TextBox 3"/>
+          <p:cNvSpPr txBox="1"/>
+          <p:nvPr/>
+        </p:nvSpPr>
+        <p:spPr>
+          <a:xfrm>
+            <a:off x="0" y="4283075"/>
+            <a:ext cx="10080625" cy="646331"/>
+          </a:xfrm>
+          <a:prstGeom prst="rect">
+            <a:avLst/>
+          </a:prstGeom>
+          <a:noFill/>
+        </p:spPr>
+        <p:txBody>
+          <a:bodyPr wrap="square" rtlCol="0">
+            <a:spAutoFit/>
+          </a:bodyPr>
+          <a:lstStyle/>
+          <a:p>
+            <a:pPr algn="ctr"/>
+            <a:r>
+              <a:rPr lang="en-US" sz="3600" b="1" dirty="0">
+                <a:solidFill>
+                  <a:srgbClr val="000066"/>
+                </a:solidFill>
+                <a:effectLst/>
+              </a:rPr>
+              <a:t>( </a:t>
+            </a:r>
+            <a:r>
+              <a:rPr lang="en-US" sz="3600" b="1" dirty="0" smtClean="0">
+                <a:solidFill>
+                  <a:srgbClr val="000066"/>
+                </a:solidFill>
+                <a:effectLst/>
+              </a:rPr>
+              <a:t>2 )</a:t>
+            </a:r>
+            <a:endParaRPr lang="vi-VN" sz="3600" b="1" dirty="0">
+              <a:solidFill>
+                <a:srgbClr val="000066"/>
+              </a:solidFill>
+              <a:effectLst/>
+            </a:endParaRPr>
           </a:p>
         </p:txBody>
       </p:sp>
@@ -6096,18 +6396,7 @@
                 <a:ea typeface="微軟正黑體" pitchFamily="34" charset="-120"/>
                 <a:cs typeface="Calibri" panose="020F0502020204030204" pitchFamily="34" charset="0"/>
               </a:rPr>
-              <a:t> </a:t>
-            </a:r>
-            <a:r>
-              <a:rPr lang="en-US" sz="3748" b="1" dirty="0">
-                <a:solidFill>
-                  <a:srgbClr val="660033"/>
-                </a:solidFill>
-                <a:latin typeface="Calibri" panose="020F0502020204030204" pitchFamily="34" charset="0"/>
-                <a:ea typeface="微軟正黑體" pitchFamily="34" charset="-120"/>
-                <a:cs typeface="Calibri" panose="020F0502020204030204" pitchFamily="34" charset="0"/>
-              </a:rPr>
-              <a:t>con, </a:t>
+              <a:t> con, </a:t>
             </a:r>
             <a:r>
               <a:rPr lang="en-US" sz="3748" b="1" dirty="0" err="1">
@@ -6560,18 +6849,7 @@
                 <a:ea typeface="微軟正黑體" pitchFamily="34" charset="-120"/>
                 <a:cs typeface="Calibri" panose="020F0502020204030204" pitchFamily="34" charset="0"/>
               </a:rPr>
-              <a:t> </a:t>
-            </a:r>
-            <a:r>
-              <a:rPr lang="en-US" sz="3748" b="1" dirty="0">
-                <a:solidFill>
-                  <a:srgbClr val="660033"/>
-                </a:solidFill>
-                <a:latin typeface="Calibri" panose="020F0502020204030204" pitchFamily="34" charset="0"/>
-                <a:ea typeface="微軟正黑體" pitchFamily="34" charset="-120"/>
-                <a:cs typeface="Calibri" panose="020F0502020204030204" pitchFamily="34" charset="0"/>
-              </a:rPr>
-              <a:t>con, </a:t>
+              <a:t> con, </a:t>
             </a:r>
             <a:r>
               <a:rPr lang="en-US" sz="3748" b="1" dirty="0" err="1">
@@ -7084,6 +7362,56 @@
           </a:p>
         </p:txBody>
       </p:sp>
+      <p:sp>
+        <p:nvSpPr>
+          <p:cNvPr id="4" name="TextBox 3"/>
+          <p:cNvSpPr txBox="1"/>
+          <p:nvPr/>
+        </p:nvSpPr>
+        <p:spPr>
+          <a:xfrm>
+            <a:off x="0" y="4283075"/>
+            <a:ext cx="10080625" cy="646331"/>
+          </a:xfrm>
+          <a:prstGeom prst="rect">
+            <a:avLst/>
+          </a:prstGeom>
+          <a:noFill/>
+        </p:spPr>
+        <p:txBody>
+          <a:bodyPr wrap="square" rtlCol="0">
+            <a:spAutoFit/>
+          </a:bodyPr>
+          <a:lstStyle/>
+          <a:p>
+            <a:pPr algn="ctr"/>
+            <a:r>
+              <a:rPr lang="en-US" sz="3600" b="1" dirty="0">
+                <a:solidFill>
+                  <a:srgbClr val="000066"/>
+                </a:solidFill>
+                <a:effectLst/>
+              </a:rPr>
+              <a:t>( 1 </a:t>
+            </a:r>
+            <a:r>
+              <a:rPr lang="en-US" sz="3600" b="1" dirty="0" smtClean="0">
+                <a:solidFill>
+                  <a:srgbClr val="000066"/>
+                </a:solidFill>
+                <a:effectLst/>
+              </a:rPr>
+              <a:t>)</a:t>
+            </a:r>
+            <a:endParaRPr lang="vi-VN" sz="3600" b="1" dirty="0">
+              <a:solidFill>
+                <a:srgbClr val="000066"/>
+              </a:solidFill>
+              <a:effectLst/>
+            </a:endParaRPr>
+          </a:p>
+        </p:txBody>
+      </p:sp>
     </p:spTree>
     <p:extLst>
       <p:ext uri="{BB962C8B-B14F-4D97-AF65-F5344CB8AC3E}">
@@ -7481,6 +7809,56 @@
               <a:latin typeface="Calibri" panose="020F0502020204030204" pitchFamily="34" charset="0"/>
               <a:ea typeface="微軟正黑體" pitchFamily="34" charset="-120"/>
               <a:cs typeface="Calibri" panose="020F0502020204030204" pitchFamily="34" charset="0"/>
+            </a:endParaRPr>
+          </a:p>
+        </p:txBody>
+      </p:sp>
+      <p:sp>
+        <p:nvSpPr>
+          <p:cNvPr id="4" name="TextBox 3"/>
+          <p:cNvSpPr txBox="1"/>
+          <p:nvPr/>
+        </p:nvSpPr>
+        <p:spPr>
+          <a:xfrm>
+            <a:off x="0" y="4283075"/>
+            <a:ext cx="10080625" cy="646331"/>
+          </a:xfrm>
+          <a:prstGeom prst="rect">
+            <a:avLst/>
+          </a:prstGeom>
+          <a:noFill/>
+        </p:spPr>
+        <p:txBody>
+          <a:bodyPr wrap="square" rtlCol="0">
+            <a:spAutoFit/>
+          </a:bodyPr>
+          <a:lstStyle/>
+          <a:p>
+            <a:pPr algn="ctr"/>
+            <a:r>
+              <a:rPr lang="en-US" sz="3600" b="1" dirty="0">
+                <a:solidFill>
+                  <a:srgbClr val="000066"/>
+                </a:solidFill>
+                <a:effectLst/>
+              </a:rPr>
+              <a:t>( 1 </a:t>
+            </a:r>
+            <a:r>
+              <a:rPr lang="en-US" sz="3600" b="1" dirty="0" smtClean="0">
+                <a:solidFill>
+                  <a:srgbClr val="000066"/>
+                </a:solidFill>
+                <a:effectLst/>
+              </a:rPr>
+              <a:t>)</a:t>
+            </a:r>
+            <a:endParaRPr lang="vi-VN" sz="3600" b="1" dirty="0">
+              <a:solidFill>
+                <a:srgbClr val="000066"/>
+              </a:solidFill>
+              <a:effectLst/>
             </a:endParaRPr>
           </a:p>
         </p:txBody>
@@ -7845,6 +8223,56 @@
           </a:p>
         </p:txBody>
       </p:sp>
+      <p:sp>
+        <p:nvSpPr>
+          <p:cNvPr id="4" name="TextBox 3"/>
+          <p:cNvSpPr txBox="1"/>
+          <p:nvPr/>
+        </p:nvSpPr>
+        <p:spPr>
+          <a:xfrm>
+            <a:off x="0" y="4283075"/>
+            <a:ext cx="10080625" cy="646331"/>
+          </a:xfrm>
+          <a:prstGeom prst="rect">
+            <a:avLst/>
+          </a:prstGeom>
+          <a:noFill/>
+        </p:spPr>
+        <p:txBody>
+          <a:bodyPr wrap="square" rtlCol="0">
+            <a:spAutoFit/>
+          </a:bodyPr>
+          <a:lstStyle/>
+          <a:p>
+            <a:pPr algn="ctr"/>
+            <a:r>
+              <a:rPr lang="en-US" sz="3600" b="1" dirty="0">
+                <a:solidFill>
+                  <a:srgbClr val="000066"/>
+                </a:solidFill>
+                <a:effectLst/>
+              </a:rPr>
+              <a:t>( 1 </a:t>
+            </a:r>
+            <a:r>
+              <a:rPr lang="en-US" sz="3600" b="1" dirty="0" smtClean="0">
+                <a:solidFill>
+                  <a:srgbClr val="000066"/>
+                </a:solidFill>
+                <a:effectLst/>
+              </a:rPr>
+              <a:t>)</a:t>
+            </a:r>
+            <a:endParaRPr lang="vi-VN" sz="3600" b="1" dirty="0">
+              <a:solidFill>
+                <a:srgbClr val="000066"/>
+              </a:solidFill>
+              <a:effectLst/>
+            </a:endParaRPr>
+          </a:p>
+        </p:txBody>
+      </p:sp>
     </p:spTree>
     <p:extLst>
       <p:ext uri="{BB962C8B-B14F-4D97-AF65-F5344CB8AC3E}">
@@ -8242,6 +8670,56 @@
               <a:latin typeface="Calibri" panose="020F0502020204030204" pitchFamily="34" charset="0"/>
               <a:ea typeface="微軟正黑體" pitchFamily="34" charset="-120"/>
               <a:cs typeface="Calibri" panose="020F0502020204030204" pitchFamily="34" charset="0"/>
+            </a:endParaRPr>
+          </a:p>
+        </p:txBody>
+      </p:sp>
+      <p:sp>
+        <p:nvSpPr>
+          <p:cNvPr id="4" name="TextBox 3"/>
+          <p:cNvSpPr txBox="1"/>
+          <p:nvPr/>
+        </p:nvSpPr>
+        <p:spPr>
+          <a:xfrm>
+            <a:off x="0" y="4283075"/>
+            <a:ext cx="10080625" cy="646331"/>
+          </a:xfrm>
+          <a:prstGeom prst="rect">
+            <a:avLst/>
+          </a:prstGeom>
+          <a:noFill/>
+        </p:spPr>
+        <p:txBody>
+          <a:bodyPr wrap="square" rtlCol="0">
+            <a:spAutoFit/>
+          </a:bodyPr>
+          <a:lstStyle/>
+          <a:p>
+            <a:pPr algn="ctr"/>
+            <a:r>
+              <a:rPr lang="en-US" sz="3600" b="1" dirty="0">
+                <a:solidFill>
+                  <a:srgbClr val="000066"/>
+                </a:solidFill>
+                <a:effectLst/>
+              </a:rPr>
+              <a:t>( 1 </a:t>
+            </a:r>
+            <a:r>
+              <a:rPr lang="en-US" sz="3600" b="1" dirty="0" smtClean="0">
+                <a:solidFill>
+                  <a:srgbClr val="000066"/>
+                </a:solidFill>
+                <a:effectLst/>
+              </a:rPr>
+              <a:t>)</a:t>
+            </a:r>
+            <a:endParaRPr lang="vi-VN" sz="3600" b="1" dirty="0">
+              <a:solidFill>
+                <a:srgbClr val="000066"/>
+              </a:solidFill>
+              <a:effectLst/>
             </a:endParaRPr>
           </a:p>
         </p:txBody>
@@ -8679,6 +9157,56 @@
           </a:p>
         </p:txBody>
       </p:sp>
+      <p:sp>
+        <p:nvSpPr>
+          <p:cNvPr id="4" name="TextBox 3"/>
+          <p:cNvSpPr txBox="1"/>
+          <p:nvPr/>
+        </p:nvSpPr>
+        <p:spPr>
+          <a:xfrm>
+            <a:off x="0" y="4283075"/>
+            <a:ext cx="10080625" cy="646331"/>
+          </a:xfrm>
+          <a:prstGeom prst="rect">
+            <a:avLst/>
+          </a:prstGeom>
+          <a:noFill/>
+        </p:spPr>
+        <p:txBody>
+          <a:bodyPr wrap="square" rtlCol="0">
+            <a:spAutoFit/>
+          </a:bodyPr>
+          <a:lstStyle/>
+          <a:p>
+            <a:pPr algn="ctr"/>
+            <a:r>
+              <a:rPr lang="en-US" sz="3600" b="1" dirty="0">
+                <a:solidFill>
+                  <a:srgbClr val="000066"/>
+                </a:solidFill>
+                <a:effectLst/>
+              </a:rPr>
+              <a:t>( 1 </a:t>
+            </a:r>
+            <a:r>
+              <a:rPr lang="en-US" sz="3600" b="1" dirty="0" smtClean="0">
+                <a:solidFill>
+                  <a:srgbClr val="000066"/>
+                </a:solidFill>
+                <a:effectLst/>
+              </a:rPr>
+              <a:t>)</a:t>
+            </a:r>
+            <a:endParaRPr lang="vi-VN" sz="3600" b="1" dirty="0">
+              <a:solidFill>
+                <a:srgbClr val="000066"/>
+              </a:solidFill>
+              <a:effectLst/>
+            </a:endParaRPr>
+          </a:p>
+        </p:txBody>
+      </p:sp>
     </p:spTree>
     <p:extLst>
       <p:ext uri="{BB962C8B-B14F-4D97-AF65-F5344CB8AC3E}">
@@ -9036,6 +9564,56 @@
               </a:rPr>
               <a:t> con</a:t>
             </a:r>
+          </a:p>
+        </p:txBody>
+      </p:sp>
+      <p:sp>
+        <p:nvSpPr>
+          <p:cNvPr id="4" name="TextBox 3"/>
+          <p:cNvSpPr txBox="1"/>
+          <p:nvPr/>
+        </p:nvSpPr>
+        <p:spPr>
+          <a:xfrm>
+            <a:off x="0" y="4283075"/>
+            <a:ext cx="10080625" cy="646331"/>
+          </a:xfrm>
+          <a:prstGeom prst="rect">
+            <a:avLst/>
+          </a:prstGeom>
+          <a:noFill/>
+        </p:spPr>
+        <p:txBody>
+          <a:bodyPr wrap="square" rtlCol="0">
+            <a:spAutoFit/>
+          </a:bodyPr>
+          <a:lstStyle/>
+          <a:p>
+            <a:pPr algn="ctr"/>
+            <a:r>
+              <a:rPr lang="en-US" sz="3600" b="1" dirty="0">
+                <a:solidFill>
+                  <a:srgbClr val="000066"/>
+                </a:solidFill>
+                <a:effectLst/>
+              </a:rPr>
+              <a:t>( 1 </a:t>
+            </a:r>
+            <a:r>
+              <a:rPr lang="en-US" sz="3600" b="1" dirty="0" smtClean="0">
+                <a:solidFill>
+                  <a:srgbClr val="000066"/>
+                </a:solidFill>
+                <a:effectLst/>
+              </a:rPr>
+              <a:t>)</a:t>
+            </a:r>
+            <a:endParaRPr lang="vi-VN" sz="3600" b="1" dirty="0">
+              <a:solidFill>
+                <a:srgbClr val="000066"/>
+              </a:solidFill>
+              <a:effectLst/>
+            </a:endParaRPr>
           </a:p>
         </p:txBody>
       </p:sp>
@@ -9380,18 +9958,7 @@
                 <a:ea typeface="微軟正黑體" pitchFamily="34" charset="-120"/>
                 <a:cs typeface="Calibri" panose="020F0502020204030204" pitchFamily="34" charset="0"/>
               </a:rPr>
-              <a:t> </a:t>
-            </a:r>
-            <a:r>
-              <a:rPr lang="en-US" sz="3748" b="1" dirty="0">
-                <a:solidFill>
-                  <a:srgbClr val="660033"/>
-                </a:solidFill>
-                <a:latin typeface="Calibri" panose="020F0502020204030204" pitchFamily="34" charset="0"/>
-                <a:ea typeface="微軟正黑體" pitchFamily="34" charset="-120"/>
-                <a:cs typeface="Calibri" panose="020F0502020204030204" pitchFamily="34" charset="0"/>
-              </a:rPr>
-              <a:t>con, </a:t>
+              <a:t> con, </a:t>
             </a:r>
             <a:r>
               <a:rPr lang="en-US" sz="3748" b="1" dirty="0" err="1">
@@ -9844,18 +10411,7 @@
                 <a:ea typeface="微軟正黑體" pitchFamily="34" charset="-120"/>
                 <a:cs typeface="Calibri" panose="020F0502020204030204" pitchFamily="34" charset="0"/>
               </a:rPr>
-              <a:t> </a:t>
-            </a:r>
-            <a:r>
-              <a:rPr lang="en-US" sz="3748" b="1" dirty="0">
-                <a:solidFill>
-                  <a:srgbClr val="660033"/>
-                </a:solidFill>
-                <a:latin typeface="Calibri" panose="020F0502020204030204" pitchFamily="34" charset="0"/>
-                <a:ea typeface="微軟正黑體" pitchFamily="34" charset="-120"/>
-                <a:cs typeface="Calibri" panose="020F0502020204030204" pitchFamily="34" charset="0"/>
-              </a:rPr>
-              <a:t>con, </a:t>
+              <a:t> con, </a:t>
             </a:r>
             <a:r>
               <a:rPr lang="en-US" sz="3748" b="1" dirty="0" err="1">

--- a/中越詩歌/你是我的一切_Ngài là muôn nhu cầu con.pptx
+++ b/中越詩歌/你是我的一切_Ngài là muôn nhu cầu con.pptx
@@ -3315,7 +3315,7 @@
           <a:lstStyle/>
           <a:p>
             <a:r>
-              <a:rPr lang="zh-CN" altLang="en-US" sz="5953" b="1" i="1" dirty="0">
+              <a:rPr lang="zh-CN" altLang="en-US" sz="5953" b="1" i="1" dirty="0" smtClean="0">
                 <a:solidFill>
                   <a:srgbClr val="000066"/>
                 </a:solidFill>
@@ -3329,10 +3329,10 @@
                 <a:latin typeface="微軟正黑體" pitchFamily="34" charset="-120"/>
                 <a:ea typeface="微軟正黑體" pitchFamily="34" charset="-120"/>
               </a:rPr>
-              <a:t>袮</a:t>
-            </a:r>
-            <a:r>
-              <a:rPr lang="zh-TW" altLang="en-US" sz="5953" b="1" i="1" dirty="0">
+              <a:t>祢</a:t>
+            </a:r>
+            <a:r>
+              <a:rPr lang="zh-TW" altLang="en-US" sz="5953" b="1" i="1" dirty="0" smtClean="0">
                 <a:solidFill>
                   <a:srgbClr val="000066"/>
                 </a:solidFill>
@@ -3346,7 +3346,24 @@
                 <a:latin typeface="微軟正黑體" pitchFamily="34" charset="-120"/>
                 <a:ea typeface="微軟正黑體" pitchFamily="34" charset="-120"/>
               </a:rPr>
-              <a:t>是我的一切</a:t>
+              <a:t>是</a:t>
+            </a:r>
+            <a:r>
+              <a:rPr lang="zh-TW" altLang="en-US" sz="5953" b="1" i="1" dirty="0">
+                <a:solidFill>
+                  <a:srgbClr val="000066"/>
+                </a:solidFill>
+                <a:effectLst>
+                  <a:outerShdw blurRad="38100" dist="38100" dir="2700000" algn="tl">
+                    <a:srgbClr val="000000">
+                      <a:alpha val="43137"/>
+                    </a:srgbClr>
+                  </a:outerShdw>
+                </a:effectLst>
+                <a:latin typeface="微軟正黑體" pitchFamily="34" charset="-120"/>
+                <a:ea typeface="微軟正黑體" pitchFamily="34" charset="-120"/>
+              </a:rPr>
+              <a:t>我的一切</a:t>
             </a:r>
           </a:p>
         </p:txBody>
@@ -4366,17 +4383,17 @@
               <a:buNone/>
             </a:pPr>
             <a:r>
-              <a:rPr lang="zh-CN" altLang="en-US" sz="5292" b="1" spc="-1" dirty="0">
+              <a:rPr lang="zh-CN" altLang="en-US" sz="5292" b="1" spc="-1" dirty="0" smtClean="0">
                 <a:solidFill>
                   <a:srgbClr val="000066"/>
                 </a:solidFill>
                 <a:latin typeface="微軟正黑體"/>
                 <a:ea typeface="微軟正黑體"/>
               </a:rPr>
-              <a:t>袮</a:t>
-            </a:r>
-            <a:r>
-              <a:rPr lang="en-US" sz="5292" b="1" spc="-1" dirty="0" err="1">
+              <a:t>祢</a:t>
+            </a:r>
+            <a:r>
+              <a:rPr lang="en-US" sz="5292" b="1" spc="-1" dirty="0" err="1" smtClean="0">
                 <a:solidFill>
                   <a:srgbClr val="000066"/>
                 </a:solidFill>
@@ -4776,7 +4793,7 @@
               <a:buNone/>
             </a:pPr>
             <a:r>
-              <a:rPr lang="en-US" sz="5292" b="1" spc="-1" dirty="0" err="1">
+              <a:rPr lang="en-US" sz="5292" b="1" spc="-1" dirty="0" err="1" smtClean="0">
                 <a:solidFill>
                   <a:srgbClr val="000066"/>
                 </a:solidFill>
@@ -4786,17 +4803,17 @@
               <a:t>當我跌倒</a:t>
             </a:r>
             <a:r>
-              <a:rPr lang="zh-CN" altLang="en-US" sz="5292" b="1" spc="-1" dirty="0">
+              <a:rPr lang="zh-CN" altLang="en-US" sz="5292" b="1" spc="-1" dirty="0" smtClean="0">
                 <a:solidFill>
                   <a:srgbClr val="000066"/>
                 </a:solidFill>
                 <a:latin typeface="微軟正黑體"/>
                 <a:ea typeface="微軟正黑體"/>
               </a:rPr>
-              <a:t>袮</a:t>
-            </a:r>
-            <a:r>
-              <a:rPr lang="en-US" sz="5292" b="1" spc="-1" dirty="0" err="1">
+              <a:t>祢</a:t>
+            </a:r>
+            <a:r>
+              <a:rPr lang="en-US" sz="5292" b="1" spc="-1" dirty="0" err="1" smtClean="0">
                 <a:solidFill>
                   <a:srgbClr val="000066"/>
                 </a:solidFill>
@@ -5218,7 +5235,7 @@
               <a:buNone/>
             </a:pPr>
             <a:r>
-              <a:rPr lang="en-US" sz="5292" b="1" spc="-1" dirty="0" err="1">
+              <a:rPr lang="en-US" sz="5292" b="1" spc="-1" dirty="0" err="1" smtClean="0">
                 <a:solidFill>
                   <a:srgbClr val="000066"/>
                 </a:solidFill>
@@ -5228,17 +5245,17 @@
               <a:t>當我乾渴</a:t>
             </a:r>
             <a:r>
-              <a:rPr lang="zh-CN" altLang="en-US" sz="5292" b="1" spc="-1" dirty="0">
+              <a:rPr lang="zh-CN" altLang="en-US" sz="5292" b="1" spc="-1" dirty="0" smtClean="0">
                 <a:solidFill>
                   <a:srgbClr val="000066"/>
                 </a:solidFill>
                 <a:latin typeface="微軟正黑體"/>
                 <a:ea typeface="微軟正黑體"/>
               </a:rPr>
-              <a:t>袮</a:t>
-            </a:r>
-            <a:r>
-              <a:rPr lang="en-US" sz="5292" b="1" spc="-1" dirty="0" err="1">
+              <a:t>祢</a:t>
+            </a:r>
+            <a:r>
+              <a:rPr lang="en-US" sz="5292" b="1" spc="-1" dirty="0" err="1" smtClean="0">
                 <a:solidFill>
                   <a:srgbClr val="000066"/>
                 </a:solidFill>
@@ -5701,17 +5718,17 @@
               <a:buNone/>
             </a:pPr>
             <a:r>
-              <a:rPr lang="zh-CN" altLang="en-US" sz="5292" b="1" spc="-1" dirty="0">
+              <a:rPr lang="zh-CN" altLang="en-US" sz="5292" b="1" spc="-1" dirty="0" smtClean="0">
                 <a:solidFill>
                   <a:srgbClr val="000066"/>
                 </a:solidFill>
                 <a:latin typeface="微軟正黑體"/>
                 <a:ea typeface="微軟正黑體"/>
               </a:rPr>
-              <a:t>袮</a:t>
-            </a:r>
-            <a:r>
-              <a:rPr lang="en-US" sz="5292" b="1" spc="-1" dirty="0" err="1">
+              <a:t>祢</a:t>
+            </a:r>
+            <a:r>
+              <a:rPr lang="en-US" sz="5292" b="1" spc="-1" dirty="0" err="1" smtClean="0">
                 <a:solidFill>
                   <a:srgbClr val="000066"/>
                 </a:solidFill>
@@ -7017,17 +7034,17 @@
               <a:buNone/>
             </a:pPr>
             <a:r>
-              <a:rPr lang="zh-CN" altLang="en-US" sz="5292" b="1" dirty="0">
+              <a:rPr lang="zh-CN" altLang="en-US" sz="5292" b="1" dirty="0" smtClean="0">
                 <a:solidFill>
                   <a:srgbClr val="000066"/>
                 </a:solidFill>
                 <a:latin typeface="微軟正黑體" pitchFamily="34" charset="-120"/>
                 <a:ea typeface="微軟正黑體" pitchFamily="34" charset="-120"/>
               </a:rPr>
-              <a:t>袮</a:t>
-            </a:r>
-            <a:r>
-              <a:rPr lang="en-US" sz="5292" b="1" dirty="0" err="1">
+              <a:t>祢</a:t>
+            </a:r>
+            <a:r>
+              <a:rPr lang="en-US" sz="5292" b="1" dirty="0" err="1" smtClean="0">
                 <a:solidFill>
                   <a:srgbClr val="000066"/>
                 </a:solidFill>
@@ -7468,17 +7485,17 @@
               <a:buNone/>
             </a:pPr>
             <a:r>
-              <a:rPr lang="zh-CN" altLang="en-US" sz="5292" b="1" spc="-1" dirty="0">
+              <a:rPr lang="zh-CN" altLang="en-US" sz="5292" b="1" spc="-1" dirty="0" smtClean="0">
                 <a:solidFill>
                   <a:srgbClr val="000066"/>
                 </a:solidFill>
                 <a:latin typeface="微軟正黑體"/>
                 <a:ea typeface="微軟正黑體"/>
               </a:rPr>
-              <a:t>袮</a:t>
-            </a:r>
-            <a:r>
-              <a:rPr lang="en-US" sz="5292" b="1" spc="-1" dirty="0" err="1">
+              <a:t>祢</a:t>
+            </a:r>
+            <a:r>
+              <a:rPr lang="en-US" sz="5292" b="1" spc="-1" dirty="0" err="1" smtClean="0">
                 <a:solidFill>
                   <a:srgbClr val="000066"/>
                 </a:solidFill>
@@ -7919,17 +7936,17 @@
               <a:buNone/>
             </a:pPr>
             <a:r>
-              <a:rPr lang="zh-CN" altLang="en-US" sz="5292" b="1" spc="-1" dirty="0">
+              <a:rPr lang="zh-CN" altLang="en-US" sz="5292" b="1" spc="-1" dirty="0" smtClean="0">
                 <a:solidFill>
                   <a:srgbClr val="000066"/>
                 </a:solidFill>
                 <a:latin typeface="微軟正黑體"/>
                 <a:ea typeface="微軟正黑體"/>
               </a:rPr>
-              <a:t>袮</a:t>
-            </a:r>
-            <a:r>
-              <a:rPr lang="en-US" sz="5292" b="1" spc="-1" dirty="0" err="1">
+              <a:t>祢</a:t>
+            </a:r>
+            <a:r>
+              <a:rPr lang="en-US" sz="5292" b="1" spc="-1" dirty="0" err="1" smtClean="0">
                 <a:solidFill>
                   <a:srgbClr val="000066"/>
                 </a:solidFill>
@@ -8329,17 +8346,17 @@
               <a:buNone/>
             </a:pPr>
             <a:r>
-              <a:rPr lang="zh-CN" altLang="en-US" sz="5292" b="1" spc="-1" dirty="0">
+              <a:rPr lang="zh-CN" altLang="en-US" sz="5292" b="1" spc="-1" dirty="0" smtClean="0">
                 <a:solidFill>
                   <a:srgbClr val="000066"/>
                 </a:solidFill>
                 <a:latin typeface="微軟正黑體"/>
                 <a:ea typeface="微軟正黑體"/>
               </a:rPr>
-              <a:t>袮</a:t>
-            </a:r>
-            <a:r>
-              <a:rPr lang="en-US" sz="5292" b="1" spc="-1" dirty="0" err="1">
+              <a:t>祢</a:t>
+            </a:r>
+            <a:r>
+              <a:rPr lang="en-US" sz="5292" b="1" spc="-1" dirty="0" err="1" smtClean="0">
                 <a:solidFill>
                   <a:srgbClr val="000066"/>
                 </a:solidFill>
@@ -8780,7 +8797,7 @@
               <a:buNone/>
             </a:pPr>
             <a:r>
-              <a:rPr lang="en-US" sz="5292" b="1" spc="-1" dirty="0" err="1">
+              <a:rPr lang="en-US" sz="5292" b="1" spc="-1" dirty="0" err="1" smtClean="0">
                 <a:solidFill>
                   <a:srgbClr val="000066"/>
                 </a:solidFill>
@@ -8790,17 +8807,17 @@
               <a:t>我怎能放棄</a:t>
             </a:r>
             <a:r>
-              <a:rPr lang="zh-CN" altLang="en-US" sz="5292" b="1" spc="-1" dirty="0">
+              <a:rPr lang="zh-CN" altLang="en-US" sz="5292" b="1" spc="-1" dirty="0" smtClean="0">
                 <a:solidFill>
                   <a:srgbClr val="000066"/>
                 </a:solidFill>
                 <a:latin typeface="微軟正黑體"/>
                 <a:ea typeface="微軟正黑體"/>
               </a:rPr>
-              <a:t>袮</a:t>
-            </a:r>
-            <a:r>
-              <a:rPr lang="en-US" sz="5292" b="1" spc="-1" dirty="0" err="1">
+              <a:t>祢</a:t>
+            </a:r>
+            <a:r>
+              <a:rPr lang="en-US" sz="5292" b="1" spc="-1" dirty="0" err="1" smtClean="0">
                 <a:solidFill>
                   <a:srgbClr val="000066"/>
                 </a:solidFill>
@@ -9263,17 +9280,17 @@
               <a:buNone/>
             </a:pPr>
             <a:r>
-              <a:rPr lang="zh-CN" altLang="en-US" sz="5292" b="1" spc="-1" dirty="0">
+              <a:rPr lang="zh-CN" altLang="en-US" sz="5292" b="1" spc="-1" dirty="0" smtClean="0">
                 <a:solidFill>
                   <a:srgbClr val="000066"/>
                 </a:solidFill>
                 <a:latin typeface="微軟正黑體"/>
                 <a:ea typeface="微軟正黑體"/>
               </a:rPr>
-              <a:t>袮</a:t>
-            </a:r>
-            <a:r>
-              <a:rPr lang="en-US" sz="5292" b="1" spc="-1" dirty="0" err="1">
+              <a:t>祢</a:t>
+            </a:r>
+            <a:r>
+              <a:rPr lang="en-US" sz="5292" b="1" spc="-1" dirty="0" err="1" smtClean="0">
                 <a:solidFill>
                   <a:srgbClr val="000066"/>
                 </a:solidFill>
